--- a/admin/weekly-updates/week8/sample final ppt.pptx
+++ b/admin/weekly-updates/week8/sample final ppt.pptx
@@ -4,6 +4,9 @@
   <p:sldMasterIdLst>
     <p:sldMasterId id="2147483648" r:id="rId1"/>
   </p:sldMasterIdLst>
+  <p:notesMasterIdLst>
+    <p:notesMasterId r:id="rId22"/>
+  </p:notesMasterIdLst>
   <p:sldIdLst>
     <p:sldId id="256" r:id="rId2"/>
     <p:sldId id="257" r:id="rId3"/>
@@ -11,19 +14,20 @@
     <p:sldId id="260" r:id="rId5"/>
     <p:sldId id="262" r:id="rId6"/>
     <p:sldId id="263" r:id="rId7"/>
-    <p:sldId id="268" r:id="rId8"/>
-    <p:sldId id="264" r:id="rId9"/>
-    <p:sldId id="265" r:id="rId10"/>
-    <p:sldId id="266" r:id="rId11"/>
-    <p:sldId id="269" r:id="rId12"/>
-    <p:sldId id="267" r:id="rId13"/>
-    <p:sldId id="274" r:id="rId14"/>
-    <p:sldId id="271" r:id="rId15"/>
-    <p:sldId id="272" r:id="rId16"/>
-    <p:sldId id="270" r:id="rId17"/>
-    <p:sldId id="273" r:id="rId18"/>
-    <p:sldId id="276" r:id="rId19"/>
-    <p:sldId id="275" r:id="rId20"/>
+    <p:sldId id="264" r:id="rId8"/>
+    <p:sldId id="265" r:id="rId9"/>
+    <p:sldId id="266" r:id="rId10"/>
+    <p:sldId id="269" r:id="rId11"/>
+    <p:sldId id="272" r:id="rId12"/>
+    <p:sldId id="288" r:id="rId13"/>
+    <p:sldId id="270" r:id="rId14"/>
+    <p:sldId id="273" r:id="rId15"/>
+    <p:sldId id="274" r:id="rId16"/>
+    <p:sldId id="278" r:id="rId17"/>
+    <p:sldId id="282" r:id="rId18"/>
+    <p:sldId id="283" r:id="rId19"/>
+    <p:sldId id="289" r:id="rId20"/>
+    <p:sldId id="285" r:id="rId21"/>
   </p:sldIdLst>
   <p:sldSz cx="9144000" cy="6858000" type="screen4x3"/>
   <p:notesSz cx="6858000" cy="9144000"/>
@@ -3745,6 +3749,980 @@
 </dgm:styleDef>
 </file>
 
+<file path=ppt/notesMasters/notesMaster1.xml><?xml version="1.0" encoding="utf-8"?>
+<p:notesMaster xmlns:a="http://schemas.openxmlformats.org/drawingml/2006/main" xmlns:r="http://schemas.openxmlformats.org/officeDocument/2006/relationships" xmlns:p="http://schemas.openxmlformats.org/presentationml/2006/main">
+  <p:cSld>
+    <p:bg>
+      <p:bgRef idx="1001">
+        <a:schemeClr val="bg1"/>
+      </p:bgRef>
+    </p:bg>
+    <p:spTree>
+      <p:nvGrpSpPr>
+        <p:cNvPr id="1" name=""/>
+        <p:cNvGrpSpPr/>
+        <p:nvPr/>
+      </p:nvGrpSpPr>
+      <p:grpSpPr>
+        <a:xfrm>
+          <a:off x="0" y="0"/>
+          <a:ext cx="0" cy="0"/>
+          <a:chOff x="0" y="0"/>
+          <a:chExt cx="0" cy="0"/>
+        </a:xfrm>
+      </p:grpSpPr>
+      <p:sp>
+        <p:nvSpPr>
+          <p:cNvPr id="2" name="Header Placeholder 1"/>
+          <p:cNvSpPr>
+            <a:spLocks noGrp="1"/>
+          </p:cNvSpPr>
+          <p:nvPr>
+            <p:ph type="hdr" sz="quarter"/>
+          </p:nvPr>
+        </p:nvSpPr>
+        <p:spPr>
+          <a:xfrm>
+            <a:off x="0" y="0"/>
+            <a:ext cx="2971800" cy="457200"/>
+          </a:xfrm>
+          <a:prstGeom prst="rect">
+            <a:avLst/>
+          </a:prstGeom>
+        </p:spPr>
+        <p:txBody>
+          <a:bodyPr vert="horz" lIns="91440" tIns="45720" rIns="91440" bIns="45720" rtlCol="0"/>
+          <a:lstStyle>
+            <a:lvl1pPr algn="l">
+              <a:defRPr sz="1200"/>
+            </a:lvl1pPr>
+          </a:lstStyle>
+          <a:p>
+            <a:endParaRPr lang="en-IN"/>
+          </a:p>
+        </p:txBody>
+      </p:sp>
+      <p:sp>
+        <p:nvSpPr>
+          <p:cNvPr id="3" name="Date Placeholder 2"/>
+          <p:cNvSpPr>
+            <a:spLocks noGrp="1"/>
+          </p:cNvSpPr>
+          <p:nvPr>
+            <p:ph type="dt" idx="1"/>
+          </p:nvPr>
+        </p:nvSpPr>
+        <p:spPr>
+          <a:xfrm>
+            <a:off x="3884613" y="0"/>
+            <a:ext cx="2971800" cy="457200"/>
+          </a:xfrm>
+          <a:prstGeom prst="rect">
+            <a:avLst/>
+          </a:prstGeom>
+        </p:spPr>
+        <p:txBody>
+          <a:bodyPr vert="horz" lIns="91440" tIns="45720" rIns="91440" bIns="45720" rtlCol="0"/>
+          <a:lstStyle>
+            <a:lvl1pPr algn="r">
+              <a:defRPr sz="1200"/>
+            </a:lvl1pPr>
+          </a:lstStyle>
+          <a:p>
+            <a:fld id="{37B07FDE-91CA-497E-BED2-F58487D12E7D}" type="datetimeFigureOut">
+              <a:rPr lang="en-US" smtClean="0"/>
+              <a:pPr/>
+              <a:t>6/16/2022</a:t>
+            </a:fld>
+            <a:endParaRPr lang="en-IN"/>
+          </a:p>
+        </p:txBody>
+      </p:sp>
+      <p:sp>
+        <p:nvSpPr>
+          <p:cNvPr id="4" name="Slide Image Placeholder 3"/>
+          <p:cNvSpPr>
+            <a:spLocks noGrp="1" noRot="1" noChangeAspect="1"/>
+          </p:cNvSpPr>
+          <p:nvPr>
+            <p:ph type="sldImg" idx="2"/>
+          </p:nvPr>
+        </p:nvSpPr>
+        <p:spPr>
+          <a:xfrm>
+            <a:off x="1143000" y="685800"/>
+            <a:ext cx="4572000" cy="3429000"/>
+          </a:xfrm>
+          <a:prstGeom prst="rect">
+            <a:avLst/>
+          </a:prstGeom>
+          <a:noFill/>
+          <a:ln w="12700">
+            <a:solidFill>
+              <a:prstClr val="black"/>
+            </a:solidFill>
+          </a:ln>
+        </p:spPr>
+        <p:txBody>
+          <a:bodyPr vert="horz" lIns="91440" tIns="45720" rIns="91440" bIns="45720" rtlCol="0" anchor="ctr"/>
+          <a:lstStyle/>
+          <a:p>
+            <a:endParaRPr lang="en-IN"/>
+          </a:p>
+        </p:txBody>
+      </p:sp>
+      <p:sp>
+        <p:nvSpPr>
+          <p:cNvPr id="5" name="Notes Placeholder 4"/>
+          <p:cNvSpPr>
+            <a:spLocks noGrp="1"/>
+          </p:cNvSpPr>
+          <p:nvPr>
+            <p:ph type="body" sz="quarter" idx="3"/>
+          </p:nvPr>
+        </p:nvSpPr>
+        <p:spPr>
+          <a:xfrm>
+            <a:off x="685800" y="4343400"/>
+            <a:ext cx="5486400" cy="4114800"/>
+          </a:xfrm>
+          <a:prstGeom prst="rect">
+            <a:avLst/>
+          </a:prstGeom>
+        </p:spPr>
+        <p:txBody>
+          <a:bodyPr vert="horz" lIns="91440" tIns="45720" rIns="91440" bIns="45720" rtlCol="0">
+            <a:normAutofit/>
+          </a:bodyPr>
+          <a:lstStyle/>
+          <a:p>
+            <a:pPr lvl="0"/>
+            <a:r>
+              <a:rPr lang="en-US" smtClean="0"/>
+              <a:t>Click to edit Master text styles</a:t>
+            </a:r>
+          </a:p>
+          <a:p>
+            <a:pPr lvl="1"/>
+            <a:r>
+              <a:rPr lang="en-US" smtClean="0"/>
+              <a:t>Second level</a:t>
+            </a:r>
+          </a:p>
+          <a:p>
+            <a:pPr lvl="2"/>
+            <a:r>
+              <a:rPr lang="en-US" smtClean="0"/>
+              <a:t>Third level</a:t>
+            </a:r>
+          </a:p>
+          <a:p>
+            <a:pPr lvl="3"/>
+            <a:r>
+              <a:rPr lang="en-US" smtClean="0"/>
+              <a:t>Fourth level</a:t>
+            </a:r>
+          </a:p>
+          <a:p>
+            <a:pPr lvl="4"/>
+            <a:r>
+              <a:rPr lang="en-US" smtClean="0"/>
+              <a:t>Fifth level</a:t>
+            </a:r>
+            <a:endParaRPr lang="en-IN"/>
+          </a:p>
+        </p:txBody>
+      </p:sp>
+      <p:sp>
+        <p:nvSpPr>
+          <p:cNvPr id="6" name="Footer Placeholder 5"/>
+          <p:cNvSpPr>
+            <a:spLocks noGrp="1"/>
+          </p:cNvSpPr>
+          <p:nvPr>
+            <p:ph type="ftr" sz="quarter" idx="4"/>
+          </p:nvPr>
+        </p:nvSpPr>
+        <p:spPr>
+          <a:xfrm>
+            <a:off x="0" y="8685213"/>
+            <a:ext cx="2971800" cy="457200"/>
+          </a:xfrm>
+          <a:prstGeom prst="rect">
+            <a:avLst/>
+          </a:prstGeom>
+        </p:spPr>
+        <p:txBody>
+          <a:bodyPr vert="horz" lIns="91440" tIns="45720" rIns="91440" bIns="45720" rtlCol="0" anchor="b"/>
+          <a:lstStyle>
+            <a:lvl1pPr algn="l">
+              <a:defRPr sz="1200"/>
+            </a:lvl1pPr>
+          </a:lstStyle>
+          <a:p>
+            <a:endParaRPr lang="en-IN"/>
+          </a:p>
+        </p:txBody>
+      </p:sp>
+      <p:sp>
+        <p:nvSpPr>
+          <p:cNvPr id="7" name="Slide Number Placeholder 6"/>
+          <p:cNvSpPr>
+            <a:spLocks noGrp="1"/>
+          </p:cNvSpPr>
+          <p:nvPr>
+            <p:ph type="sldNum" sz="quarter" idx="5"/>
+          </p:nvPr>
+        </p:nvSpPr>
+        <p:spPr>
+          <a:xfrm>
+            <a:off x="3884613" y="8685213"/>
+            <a:ext cx="2971800" cy="457200"/>
+          </a:xfrm>
+          <a:prstGeom prst="rect">
+            <a:avLst/>
+          </a:prstGeom>
+        </p:spPr>
+        <p:txBody>
+          <a:bodyPr vert="horz" lIns="91440" tIns="45720" rIns="91440" bIns="45720" rtlCol="0" anchor="b"/>
+          <a:lstStyle>
+            <a:lvl1pPr algn="r">
+              <a:defRPr sz="1200"/>
+            </a:lvl1pPr>
+          </a:lstStyle>
+          <a:p>
+            <a:fld id="{FED785B5-32BA-45FE-AA03-11ED072E14FE}" type="slidenum">
+              <a:rPr lang="en-IN" smtClean="0"/>
+              <a:pPr/>
+              <a:t>‹#›</a:t>
+            </a:fld>
+            <a:endParaRPr lang="en-IN"/>
+          </a:p>
+        </p:txBody>
+      </p:sp>
+    </p:spTree>
+  </p:cSld>
+  <p:clrMap bg1="lt1" tx1="dk1" bg2="lt2" tx2="dk2" accent1="accent1" accent2="accent2" accent3="accent3" accent4="accent4" accent5="accent5" accent6="accent6" hlink="hlink" folHlink="folHlink"/>
+  <p:notesStyle>
+    <a:lvl1pPr marL="0" algn="l" defTabSz="914400" rtl="0" eaLnBrk="1" latinLnBrk="0" hangingPunct="1">
+      <a:defRPr sz="1200" kern="1200">
+        <a:solidFill>
+          <a:schemeClr val="tx1"/>
+        </a:solidFill>
+        <a:latin typeface="+mn-lt"/>
+        <a:ea typeface="+mn-ea"/>
+        <a:cs typeface="+mn-cs"/>
+      </a:defRPr>
+    </a:lvl1pPr>
+    <a:lvl2pPr marL="457200" algn="l" defTabSz="914400" rtl="0" eaLnBrk="1" latinLnBrk="0" hangingPunct="1">
+      <a:defRPr sz="1200" kern="1200">
+        <a:solidFill>
+          <a:schemeClr val="tx1"/>
+        </a:solidFill>
+        <a:latin typeface="+mn-lt"/>
+        <a:ea typeface="+mn-ea"/>
+        <a:cs typeface="+mn-cs"/>
+      </a:defRPr>
+    </a:lvl2pPr>
+    <a:lvl3pPr marL="914400" algn="l" defTabSz="914400" rtl="0" eaLnBrk="1" latinLnBrk="0" hangingPunct="1">
+      <a:defRPr sz="1200" kern="1200">
+        <a:solidFill>
+          <a:schemeClr val="tx1"/>
+        </a:solidFill>
+        <a:latin typeface="+mn-lt"/>
+        <a:ea typeface="+mn-ea"/>
+        <a:cs typeface="+mn-cs"/>
+      </a:defRPr>
+    </a:lvl3pPr>
+    <a:lvl4pPr marL="1371600" algn="l" defTabSz="914400" rtl="0" eaLnBrk="1" latinLnBrk="0" hangingPunct="1">
+      <a:defRPr sz="1200" kern="1200">
+        <a:solidFill>
+          <a:schemeClr val="tx1"/>
+        </a:solidFill>
+        <a:latin typeface="+mn-lt"/>
+        <a:ea typeface="+mn-ea"/>
+        <a:cs typeface="+mn-cs"/>
+      </a:defRPr>
+    </a:lvl4pPr>
+    <a:lvl5pPr marL="1828800" algn="l" defTabSz="914400" rtl="0" eaLnBrk="1" latinLnBrk="0" hangingPunct="1">
+      <a:defRPr sz="1200" kern="1200">
+        <a:solidFill>
+          <a:schemeClr val="tx1"/>
+        </a:solidFill>
+        <a:latin typeface="+mn-lt"/>
+        <a:ea typeface="+mn-ea"/>
+        <a:cs typeface="+mn-cs"/>
+      </a:defRPr>
+    </a:lvl5pPr>
+    <a:lvl6pPr marL="2286000" algn="l" defTabSz="914400" rtl="0" eaLnBrk="1" latinLnBrk="0" hangingPunct="1">
+      <a:defRPr sz="1200" kern="1200">
+        <a:solidFill>
+          <a:schemeClr val="tx1"/>
+        </a:solidFill>
+        <a:latin typeface="+mn-lt"/>
+        <a:ea typeface="+mn-ea"/>
+        <a:cs typeface="+mn-cs"/>
+      </a:defRPr>
+    </a:lvl6pPr>
+    <a:lvl7pPr marL="2743200" algn="l" defTabSz="914400" rtl="0" eaLnBrk="1" latinLnBrk="0" hangingPunct="1">
+      <a:defRPr sz="1200" kern="1200">
+        <a:solidFill>
+          <a:schemeClr val="tx1"/>
+        </a:solidFill>
+        <a:latin typeface="+mn-lt"/>
+        <a:ea typeface="+mn-ea"/>
+        <a:cs typeface="+mn-cs"/>
+      </a:defRPr>
+    </a:lvl7pPr>
+    <a:lvl8pPr marL="3200400" algn="l" defTabSz="914400" rtl="0" eaLnBrk="1" latinLnBrk="0" hangingPunct="1">
+      <a:defRPr sz="1200" kern="1200">
+        <a:solidFill>
+          <a:schemeClr val="tx1"/>
+        </a:solidFill>
+        <a:latin typeface="+mn-lt"/>
+        <a:ea typeface="+mn-ea"/>
+        <a:cs typeface="+mn-cs"/>
+      </a:defRPr>
+    </a:lvl8pPr>
+    <a:lvl9pPr marL="3657600" algn="l" defTabSz="914400" rtl="0" eaLnBrk="1" latinLnBrk="0" hangingPunct="1">
+      <a:defRPr sz="1200" kern="1200">
+        <a:solidFill>
+          <a:schemeClr val="tx1"/>
+        </a:solidFill>
+        <a:latin typeface="+mn-lt"/>
+        <a:ea typeface="+mn-ea"/>
+        <a:cs typeface="+mn-cs"/>
+      </a:defRPr>
+    </a:lvl9pPr>
+  </p:notesStyle>
+</p:notesMaster>
+</file>
+
+<file path=ppt/notesSlides/notesSlide1.xml><?xml version="1.0" encoding="utf-8"?>
+<p:notes xmlns:a="http://schemas.openxmlformats.org/drawingml/2006/main" xmlns:r="http://schemas.openxmlformats.org/officeDocument/2006/relationships" xmlns:p="http://schemas.openxmlformats.org/presentationml/2006/main">
+  <p:cSld>
+    <p:spTree>
+      <p:nvGrpSpPr>
+        <p:cNvPr id="1" name=""/>
+        <p:cNvGrpSpPr/>
+        <p:nvPr/>
+      </p:nvGrpSpPr>
+      <p:grpSpPr>
+        <a:xfrm>
+          <a:off x="0" y="0"/>
+          <a:ext cx="0" cy="0"/>
+          <a:chOff x="0" y="0"/>
+          <a:chExt cx="0" cy="0"/>
+        </a:xfrm>
+      </p:grpSpPr>
+      <p:sp>
+        <p:nvSpPr>
+          <p:cNvPr id="2" name="Slide Image Placeholder 1"/>
+          <p:cNvSpPr>
+            <a:spLocks noGrp="1" noRot="1" noChangeAspect="1"/>
+          </p:cNvSpPr>
+          <p:nvPr>
+            <p:ph type="sldImg"/>
+          </p:nvPr>
+        </p:nvSpPr>
+        <p:spPr/>
+      </p:sp>
+      <p:sp>
+        <p:nvSpPr>
+          <p:cNvPr id="3" name="Notes Placeholder 2"/>
+          <p:cNvSpPr>
+            <a:spLocks noGrp="1"/>
+          </p:cNvSpPr>
+          <p:nvPr>
+            <p:ph type="body" idx="1"/>
+          </p:nvPr>
+        </p:nvSpPr>
+        <p:spPr/>
+        <p:txBody>
+          <a:bodyPr>
+            <a:normAutofit/>
+          </a:bodyPr>
+          <a:lstStyle/>
+          <a:p>
+            <a:endParaRPr lang="en-IN" b="1" dirty="0"/>
+          </a:p>
+        </p:txBody>
+      </p:sp>
+      <p:sp>
+        <p:nvSpPr>
+          <p:cNvPr id="4" name="Slide Number Placeholder 3"/>
+          <p:cNvSpPr>
+            <a:spLocks noGrp="1"/>
+          </p:cNvSpPr>
+          <p:nvPr>
+            <p:ph type="sldNum" sz="quarter" idx="10"/>
+          </p:nvPr>
+        </p:nvSpPr>
+        <p:spPr/>
+        <p:txBody>
+          <a:bodyPr/>
+          <a:lstStyle/>
+          <a:p>
+            <a:fld id="{FED785B5-32BA-45FE-AA03-11ED072E14FE}" type="slidenum">
+              <a:rPr lang="en-IN" smtClean="0"/>
+              <a:pPr/>
+              <a:t>1</a:t>
+            </a:fld>
+            <a:endParaRPr lang="en-IN"/>
+          </a:p>
+        </p:txBody>
+      </p:sp>
+    </p:spTree>
+  </p:cSld>
+  <p:clrMapOvr>
+    <a:masterClrMapping/>
+  </p:clrMapOvr>
+</p:notes>
+</file>
+
+<file path=ppt/notesSlides/notesSlide2.xml><?xml version="1.0" encoding="utf-8"?>
+<p:notes xmlns:a="http://schemas.openxmlformats.org/drawingml/2006/main" xmlns:r="http://schemas.openxmlformats.org/officeDocument/2006/relationships" xmlns:p="http://schemas.openxmlformats.org/presentationml/2006/main">
+  <p:cSld>
+    <p:spTree>
+      <p:nvGrpSpPr>
+        <p:cNvPr id="1" name=""/>
+        <p:cNvGrpSpPr/>
+        <p:nvPr/>
+      </p:nvGrpSpPr>
+      <p:grpSpPr>
+        <a:xfrm>
+          <a:off x="0" y="0"/>
+          <a:ext cx="0" cy="0"/>
+          <a:chOff x="0" y="0"/>
+          <a:chExt cx="0" cy="0"/>
+        </a:xfrm>
+      </p:grpSpPr>
+      <p:sp>
+        <p:nvSpPr>
+          <p:cNvPr id="2" name="Slide Image Placeholder 1"/>
+          <p:cNvSpPr>
+            <a:spLocks noGrp="1" noRot="1" noChangeAspect="1"/>
+          </p:cNvSpPr>
+          <p:nvPr>
+            <p:ph type="sldImg"/>
+          </p:nvPr>
+        </p:nvSpPr>
+        <p:spPr/>
+      </p:sp>
+      <p:sp>
+        <p:nvSpPr>
+          <p:cNvPr id="3" name="Notes Placeholder 2"/>
+          <p:cNvSpPr>
+            <a:spLocks noGrp="1"/>
+          </p:cNvSpPr>
+          <p:nvPr>
+            <p:ph type="body" idx="1"/>
+          </p:nvPr>
+        </p:nvSpPr>
+        <p:spPr/>
+        <p:txBody>
+          <a:bodyPr>
+            <a:normAutofit/>
+          </a:bodyPr>
+          <a:lstStyle/>
+          <a:p>
+            <a:endParaRPr lang="en-IN" dirty="0"/>
+          </a:p>
+        </p:txBody>
+      </p:sp>
+      <p:sp>
+        <p:nvSpPr>
+          <p:cNvPr id="4" name="Slide Number Placeholder 3"/>
+          <p:cNvSpPr>
+            <a:spLocks noGrp="1"/>
+          </p:cNvSpPr>
+          <p:nvPr>
+            <p:ph type="sldNum" sz="quarter" idx="10"/>
+          </p:nvPr>
+        </p:nvSpPr>
+        <p:spPr/>
+        <p:txBody>
+          <a:bodyPr/>
+          <a:lstStyle/>
+          <a:p>
+            <a:fld id="{FED785B5-32BA-45FE-AA03-11ED072E14FE}" type="slidenum">
+              <a:rPr lang="en-IN" smtClean="0"/>
+              <a:pPr/>
+              <a:t>10</a:t>
+            </a:fld>
+            <a:endParaRPr lang="en-IN"/>
+          </a:p>
+        </p:txBody>
+      </p:sp>
+    </p:spTree>
+  </p:cSld>
+  <p:clrMapOvr>
+    <a:masterClrMapping/>
+  </p:clrMapOvr>
+</p:notes>
+</file>
+
+<file path=ppt/notesSlides/notesSlide3.xml><?xml version="1.0" encoding="utf-8"?>
+<p:notes xmlns:a="http://schemas.openxmlformats.org/drawingml/2006/main" xmlns:r="http://schemas.openxmlformats.org/officeDocument/2006/relationships" xmlns:p="http://schemas.openxmlformats.org/presentationml/2006/main">
+  <p:cSld>
+    <p:spTree>
+      <p:nvGrpSpPr>
+        <p:cNvPr id="1" name=""/>
+        <p:cNvGrpSpPr/>
+        <p:nvPr/>
+      </p:nvGrpSpPr>
+      <p:grpSpPr>
+        <a:xfrm>
+          <a:off x="0" y="0"/>
+          <a:ext cx="0" cy="0"/>
+          <a:chOff x="0" y="0"/>
+          <a:chExt cx="0" cy="0"/>
+        </a:xfrm>
+      </p:grpSpPr>
+      <p:sp>
+        <p:nvSpPr>
+          <p:cNvPr id="2" name="Slide Image Placeholder 1"/>
+          <p:cNvSpPr>
+            <a:spLocks noGrp="1" noRot="1" noChangeAspect="1"/>
+          </p:cNvSpPr>
+          <p:nvPr>
+            <p:ph type="sldImg"/>
+          </p:nvPr>
+        </p:nvSpPr>
+        <p:spPr/>
+      </p:sp>
+      <p:sp>
+        <p:nvSpPr>
+          <p:cNvPr id="3" name="Notes Placeholder 2"/>
+          <p:cNvSpPr>
+            <a:spLocks noGrp="1"/>
+          </p:cNvSpPr>
+          <p:nvPr>
+            <p:ph type="body" idx="1"/>
+          </p:nvPr>
+        </p:nvSpPr>
+        <p:spPr/>
+        <p:txBody>
+          <a:bodyPr>
+            <a:normAutofit/>
+          </a:bodyPr>
+          <a:lstStyle/>
+          <a:p>
+            <a:endParaRPr lang="en-IN" baseline="0" dirty="0" smtClean="0"/>
+          </a:p>
+          <a:p>
+            <a:endParaRPr lang="en-IN" baseline="0" dirty="0" smtClean="0"/>
+          </a:p>
+          <a:p>
+            <a:endParaRPr lang="en-IN" dirty="0" smtClean="0"/>
+          </a:p>
+          <a:p>
+            <a:endParaRPr lang="en-IN" dirty="0"/>
+          </a:p>
+        </p:txBody>
+      </p:sp>
+      <p:sp>
+        <p:nvSpPr>
+          <p:cNvPr id="4" name="Slide Number Placeholder 3"/>
+          <p:cNvSpPr>
+            <a:spLocks noGrp="1"/>
+          </p:cNvSpPr>
+          <p:nvPr>
+            <p:ph type="sldNum" sz="quarter" idx="10"/>
+          </p:nvPr>
+        </p:nvSpPr>
+        <p:spPr/>
+        <p:txBody>
+          <a:bodyPr/>
+          <a:lstStyle/>
+          <a:p>
+            <a:fld id="{FED785B5-32BA-45FE-AA03-11ED072E14FE}" type="slidenum">
+              <a:rPr lang="en-IN" smtClean="0"/>
+              <a:pPr/>
+              <a:t>11</a:t>
+            </a:fld>
+            <a:endParaRPr lang="en-IN"/>
+          </a:p>
+        </p:txBody>
+      </p:sp>
+    </p:spTree>
+  </p:cSld>
+  <p:clrMapOvr>
+    <a:masterClrMapping/>
+  </p:clrMapOvr>
+</p:notes>
+</file>
+
+<file path=ppt/notesSlides/notesSlide4.xml><?xml version="1.0" encoding="utf-8"?>
+<p:notes xmlns:a="http://schemas.openxmlformats.org/drawingml/2006/main" xmlns:r="http://schemas.openxmlformats.org/officeDocument/2006/relationships" xmlns:p="http://schemas.openxmlformats.org/presentationml/2006/main">
+  <p:cSld>
+    <p:spTree>
+      <p:nvGrpSpPr>
+        <p:cNvPr id="1" name=""/>
+        <p:cNvGrpSpPr/>
+        <p:nvPr/>
+      </p:nvGrpSpPr>
+      <p:grpSpPr>
+        <a:xfrm>
+          <a:off x="0" y="0"/>
+          <a:ext cx="0" cy="0"/>
+          <a:chOff x="0" y="0"/>
+          <a:chExt cx="0" cy="0"/>
+        </a:xfrm>
+      </p:grpSpPr>
+      <p:sp>
+        <p:nvSpPr>
+          <p:cNvPr id="2" name="Slide Image Placeholder 1"/>
+          <p:cNvSpPr>
+            <a:spLocks noGrp="1" noRot="1" noChangeAspect="1"/>
+          </p:cNvSpPr>
+          <p:nvPr>
+            <p:ph type="sldImg"/>
+          </p:nvPr>
+        </p:nvSpPr>
+        <p:spPr/>
+      </p:sp>
+      <p:sp>
+        <p:nvSpPr>
+          <p:cNvPr id="3" name="Notes Placeholder 2"/>
+          <p:cNvSpPr>
+            <a:spLocks noGrp="1"/>
+          </p:cNvSpPr>
+          <p:nvPr>
+            <p:ph type="body" idx="1"/>
+          </p:nvPr>
+        </p:nvSpPr>
+        <p:spPr/>
+        <p:txBody>
+          <a:bodyPr>
+            <a:normAutofit/>
+          </a:bodyPr>
+          <a:lstStyle/>
+          <a:p>
+            <a:endParaRPr lang="en-IN" dirty="0"/>
+          </a:p>
+        </p:txBody>
+      </p:sp>
+      <p:sp>
+        <p:nvSpPr>
+          <p:cNvPr id="4" name="Slide Number Placeholder 3"/>
+          <p:cNvSpPr>
+            <a:spLocks noGrp="1"/>
+          </p:cNvSpPr>
+          <p:nvPr>
+            <p:ph type="sldNum" sz="quarter" idx="10"/>
+          </p:nvPr>
+        </p:nvSpPr>
+        <p:spPr/>
+        <p:txBody>
+          <a:bodyPr/>
+          <a:lstStyle/>
+          <a:p>
+            <a:fld id="{FED785B5-32BA-45FE-AA03-11ED072E14FE}" type="slidenum">
+              <a:rPr lang="en-IN" smtClean="0"/>
+              <a:pPr/>
+              <a:t>12</a:t>
+            </a:fld>
+            <a:endParaRPr lang="en-IN"/>
+          </a:p>
+        </p:txBody>
+      </p:sp>
+    </p:spTree>
+  </p:cSld>
+  <p:clrMapOvr>
+    <a:masterClrMapping/>
+  </p:clrMapOvr>
+</p:notes>
+</file>
+
+<file path=ppt/notesSlides/notesSlide5.xml><?xml version="1.0" encoding="utf-8"?>
+<p:notes xmlns:a="http://schemas.openxmlformats.org/drawingml/2006/main" xmlns:r="http://schemas.openxmlformats.org/officeDocument/2006/relationships" xmlns:p="http://schemas.openxmlformats.org/presentationml/2006/main">
+  <p:cSld>
+    <p:spTree>
+      <p:nvGrpSpPr>
+        <p:cNvPr id="1" name=""/>
+        <p:cNvGrpSpPr/>
+        <p:nvPr/>
+      </p:nvGrpSpPr>
+      <p:grpSpPr>
+        <a:xfrm>
+          <a:off x="0" y="0"/>
+          <a:ext cx="0" cy="0"/>
+          <a:chOff x="0" y="0"/>
+          <a:chExt cx="0" cy="0"/>
+        </a:xfrm>
+      </p:grpSpPr>
+      <p:sp>
+        <p:nvSpPr>
+          <p:cNvPr id="2" name="Slide Image Placeholder 1"/>
+          <p:cNvSpPr>
+            <a:spLocks noGrp="1" noRot="1" noChangeAspect="1"/>
+          </p:cNvSpPr>
+          <p:nvPr>
+            <p:ph type="sldImg"/>
+          </p:nvPr>
+        </p:nvSpPr>
+        <p:spPr/>
+      </p:sp>
+      <p:sp>
+        <p:nvSpPr>
+          <p:cNvPr id="3" name="Notes Placeholder 2"/>
+          <p:cNvSpPr>
+            <a:spLocks noGrp="1"/>
+          </p:cNvSpPr>
+          <p:nvPr>
+            <p:ph type="body" idx="1"/>
+          </p:nvPr>
+        </p:nvSpPr>
+        <p:spPr/>
+        <p:txBody>
+          <a:bodyPr>
+            <a:normAutofit/>
+          </a:bodyPr>
+          <a:lstStyle/>
+          <a:p>
+            <a:endParaRPr lang="en-IN" dirty="0"/>
+          </a:p>
+        </p:txBody>
+      </p:sp>
+      <p:sp>
+        <p:nvSpPr>
+          <p:cNvPr id="4" name="Slide Number Placeholder 3"/>
+          <p:cNvSpPr>
+            <a:spLocks noGrp="1"/>
+          </p:cNvSpPr>
+          <p:nvPr>
+            <p:ph type="sldNum" sz="quarter" idx="10"/>
+          </p:nvPr>
+        </p:nvSpPr>
+        <p:spPr/>
+        <p:txBody>
+          <a:bodyPr/>
+          <a:lstStyle/>
+          <a:p>
+            <a:fld id="{FED785B5-32BA-45FE-AA03-11ED072E14FE}" type="slidenum">
+              <a:rPr lang="en-IN" smtClean="0"/>
+              <a:pPr/>
+              <a:t>15</a:t>
+            </a:fld>
+            <a:endParaRPr lang="en-IN"/>
+          </a:p>
+        </p:txBody>
+      </p:sp>
+    </p:spTree>
+  </p:cSld>
+  <p:clrMapOvr>
+    <a:masterClrMapping/>
+  </p:clrMapOvr>
+</p:notes>
+</file>
+
+<file path=ppt/notesSlides/notesSlide6.xml><?xml version="1.0" encoding="utf-8"?>
+<p:notes xmlns:a="http://schemas.openxmlformats.org/drawingml/2006/main" xmlns:r="http://schemas.openxmlformats.org/officeDocument/2006/relationships" xmlns:p="http://schemas.openxmlformats.org/presentationml/2006/main">
+  <p:cSld>
+    <p:spTree>
+      <p:nvGrpSpPr>
+        <p:cNvPr id="1" name=""/>
+        <p:cNvGrpSpPr/>
+        <p:nvPr/>
+      </p:nvGrpSpPr>
+      <p:grpSpPr>
+        <a:xfrm>
+          <a:off x="0" y="0"/>
+          <a:ext cx="0" cy="0"/>
+          <a:chOff x="0" y="0"/>
+          <a:chExt cx="0" cy="0"/>
+        </a:xfrm>
+      </p:grpSpPr>
+      <p:sp>
+        <p:nvSpPr>
+          <p:cNvPr id="2" name="Slide Image Placeholder 1"/>
+          <p:cNvSpPr>
+            <a:spLocks noGrp="1" noRot="1" noChangeAspect="1"/>
+          </p:cNvSpPr>
+          <p:nvPr>
+            <p:ph type="sldImg"/>
+          </p:nvPr>
+        </p:nvSpPr>
+        <p:spPr/>
+      </p:sp>
+      <p:sp>
+        <p:nvSpPr>
+          <p:cNvPr id="3" name="Notes Placeholder 2"/>
+          <p:cNvSpPr>
+            <a:spLocks noGrp="1"/>
+          </p:cNvSpPr>
+          <p:nvPr>
+            <p:ph type="body" idx="1"/>
+          </p:nvPr>
+        </p:nvSpPr>
+        <p:spPr/>
+        <p:txBody>
+          <a:bodyPr>
+            <a:normAutofit/>
+          </a:bodyPr>
+          <a:lstStyle/>
+          <a:p>
+            <a:r>
+              <a:rPr lang="en-IN" dirty="0" smtClean="0"/>
+              <a:t>&gt; </a:t>
+            </a:r>
+            <a:r>
+              <a:rPr lang="en-IN" sz="1200" dirty="0" smtClean="0">
+                <a:solidFill>
+                  <a:schemeClr val="tx1"/>
+                </a:solidFill>
+              </a:rPr>
+              <a:t>horizon of +0-6h</a:t>
+            </a:r>
+            <a:endParaRPr lang="en-IN" dirty="0" smtClean="0"/>
+          </a:p>
+          <a:p>
+            <a:pPr>
+              <a:buFont typeface="Wingdings"/>
+              <a:buChar char="Ø"/>
+            </a:pPr>
+            <a:r>
+              <a:rPr lang="en-IN" sz="1200" dirty="0" err="1" smtClean="0"/>
+              <a:t>i.e</a:t>
+            </a:r>
+            <a:r>
+              <a:rPr lang="en-IN" sz="1200" dirty="0" smtClean="0"/>
+              <a:t>, one year, a decade, etc. </a:t>
+            </a:r>
+          </a:p>
+          <a:p>
+            <a:pPr>
+              <a:buFont typeface="Wingdings"/>
+              <a:buChar char="Ø"/>
+            </a:pPr>
+            <a:r>
+              <a:rPr lang="en-IN" sz="1200" dirty="0" smtClean="0"/>
+              <a:t> </a:t>
+            </a:r>
+            <a:r>
+              <a:rPr lang="en-IN" sz="1200" dirty="0" err="1" smtClean="0"/>
+              <a:t>Nowcasting</a:t>
+            </a:r>
+            <a:r>
+              <a:rPr lang="en-IN" sz="1200" dirty="0" smtClean="0"/>
+              <a:t> is fact-based, focuses on the known and knowable, and therefore avoids forecasting.</a:t>
+            </a:r>
+          </a:p>
+          <a:p>
+            <a:pPr>
+              <a:buFont typeface="Wingdings"/>
+              <a:buChar char="Ø"/>
+            </a:pPr>
+            <a:r>
+              <a:rPr lang="en-IN" sz="1200" dirty="0" smtClean="0"/>
+              <a:t> </a:t>
+            </a:r>
+            <a:r>
+              <a:rPr lang="en-IN" sz="1200" dirty="0" err="1" smtClean="0"/>
+              <a:t>Nowcasting</a:t>
+            </a:r>
+            <a:r>
+              <a:rPr lang="en-IN" sz="1200" dirty="0" smtClean="0"/>
+              <a:t> is the economic discipline of determining a trend or a trend reversal objectively in real time. </a:t>
+            </a:r>
+            <a:r>
+              <a:rPr lang="en-IN" sz="1200" dirty="0" err="1" smtClean="0"/>
+              <a:t>Nowcasting</a:t>
+            </a:r>
+            <a:r>
+              <a:rPr lang="en-IN" sz="1200" dirty="0" smtClean="0"/>
+              <a:t> is the basis of a robust decision-making process</a:t>
+            </a:r>
+          </a:p>
+          <a:p>
+            <a:pPr marL="0" marR="0" indent="0" algn="l" defTabSz="914400" rtl="0" eaLnBrk="1" fontAlgn="auto" latinLnBrk="0" hangingPunct="1">
+              <a:lnSpc>
+                <a:spcPct val="100000"/>
+              </a:lnSpc>
+              <a:spcBef>
+                <a:spcPts val="0"/>
+              </a:spcBef>
+              <a:spcAft>
+                <a:spcPts val="0"/>
+              </a:spcAft>
+              <a:buClrTx/>
+              <a:buSzTx/>
+              <a:buFont typeface="Wingdings"/>
+              <a:buChar char="Ø"/>
+              <a:tabLst/>
+              <a:defRPr/>
+            </a:pPr>
+            <a:r>
+              <a:rPr lang="en-IN" sz="1200" dirty="0" smtClean="0"/>
+              <a:t> </a:t>
+            </a:r>
+            <a:r>
+              <a:rPr lang="en-IN" dirty="0" smtClean="0"/>
+              <a:t>Based on quantitative data and Normally based on qualitative data</a:t>
+            </a:r>
+          </a:p>
+          <a:p>
+            <a:pPr marL="0" marR="0" indent="0" algn="l" defTabSz="914400" rtl="0" eaLnBrk="1" fontAlgn="auto" latinLnBrk="0" hangingPunct="1">
+              <a:lnSpc>
+                <a:spcPct val="100000"/>
+              </a:lnSpc>
+              <a:spcBef>
+                <a:spcPts val="0"/>
+              </a:spcBef>
+              <a:spcAft>
+                <a:spcPts val="0"/>
+              </a:spcAft>
+              <a:buClrTx/>
+              <a:buSzTx/>
+              <a:buFont typeface="Wingdings"/>
+              <a:buChar char="Ø"/>
+              <a:tabLst/>
+              <a:defRPr/>
+            </a:pPr>
+            <a:endParaRPr lang="en-IN" dirty="0" smtClean="0"/>
+          </a:p>
+          <a:p>
+            <a:pPr>
+              <a:buFont typeface="Wingdings"/>
+              <a:buChar char="Ø"/>
+            </a:pPr>
+            <a:endParaRPr lang="en-IN" dirty="0"/>
+          </a:p>
+        </p:txBody>
+      </p:sp>
+      <p:sp>
+        <p:nvSpPr>
+          <p:cNvPr id="4" name="Slide Number Placeholder 3"/>
+          <p:cNvSpPr>
+            <a:spLocks noGrp="1"/>
+          </p:cNvSpPr>
+          <p:nvPr>
+            <p:ph type="sldNum" sz="quarter" idx="10"/>
+          </p:nvPr>
+        </p:nvSpPr>
+        <p:spPr/>
+        <p:txBody>
+          <a:bodyPr/>
+          <a:lstStyle/>
+          <a:p>
+            <a:fld id="{FED785B5-32BA-45FE-AA03-11ED072E14FE}" type="slidenum">
+              <a:rPr lang="en-IN" smtClean="0"/>
+              <a:pPr/>
+              <a:t>16</a:t>
+            </a:fld>
+            <a:endParaRPr lang="en-IN"/>
+          </a:p>
+        </p:txBody>
+      </p:sp>
+    </p:spTree>
+  </p:cSld>
+  <p:clrMapOvr>
+    <a:masterClrMapping/>
+  </p:clrMapOvr>
+</p:notes>
+</file>
+
 <file path=ppt/slideLayouts/slideLayout1.xml><?xml version="1.0" encoding="utf-8"?>
 <p:sldLayout xmlns:a="http://schemas.openxmlformats.org/drawingml/2006/main" xmlns:r="http://schemas.openxmlformats.org/officeDocument/2006/relationships" xmlns:p="http://schemas.openxmlformats.org/presentationml/2006/main" type="title" preserve="1">
   <p:cSld name="Title Slide">
@@ -3926,7 +4904,8 @@
           <a:p>
             <a:fld id="{48D33415-11E2-4AA1-AF7B-4CB9D8C17AFB}" type="datetimeFigureOut">
               <a:rPr lang="en-US" smtClean="0"/>
-              <a:t>6/15/2022</a:t>
+              <a:pPr/>
+              <a:t>6/16/2022</a:t>
             </a:fld>
             <a:endParaRPr lang="en-IN"/>
           </a:p>
@@ -3968,6 +4947,7 @@
           <a:p>
             <a:fld id="{CA7EEAE4-1C43-495E-B411-4C36855AAD26}" type="slidenum">
               <a:rPr lang="en-IN" smtClean="0"/>
+              <a:pPr/>
               <a:t>‹#›</a:t>
             </a:fld>
             <a:endParaRPr lang="en-IN"/>
@@ -4091,7 +5071,8 @@
           <a:p>
             <a:fld id="{48D33415-11E2-4AA1-AF7B-4CB9D8C17AFB}" type="datetimeFigureOut">
               <a:rPr lang="en-US" smtClean="0"/>
-              <a:t>6/15/2022</a:t>
+              <a:pPr/>
+              <a:t>6/16/2022</a:t>
             </a:fld>
             <a:endParaRPr lang="en-IN"/>
           </a:p>
@@ -4133,6 +5114,7 @@
           <a:p>
             <a:fld id="{CA7EEAE4-1C43-495E-B411-4C36855AAD26}" type="slidenum">
               <a:rPr lang="en-IN" smtClean="0"/>
+              <a:pPr/>
               <a:t>‹#›</a:t>
             </a:fld>
             <a:endParaRPr lang="en-IN"/>
@@ -4266,7 +5248,8 @@
           <a:p>
             <a:fld id="{48D33415-11E2-4AA1-AF7B-4CB9D8C17AFB}" type="datetimeFigureOut">
               <a:rPr lang="en-US" smtClean="0"/>
-              <a:t>6/15/2022</a:t>
+              <a:pPr/>
+              <a:t>6/16/2022</a:t>
             </a:fld>
             <a:endParaRPr lang="en-IN"/>
           </a:p>
@@ -4308,6 +5291,7 @@
           <a:p>
             <a:fld id="{CA7EEAE4-1C43-495E-B411-4C36855AAD26}" type="slidenum">
               <a:rPr lang="en-IN" smtClean="0"/>
+              <a:pPr/>
               <a:t>‹#›</a:t>
             </a:fld>
             <a:endParaRPr lang="en-IN"/>
@@ -4431,7 +5415,8 @@
           <a:p>
             <a:fld id="{48D33415-11E2-4AA1-AF7B-4CB9D8C17AFB}" type="datetimeFigureOut">
               <a:rPr lang="en-US" smtClean="0"/>
-              <a:t>6/15/2022</a:t>
+              <a:pPr/>
+              <a:t>6/16/2022</a:t>
             </a:fld>
             <a:endParaRPr lang="en-IN"/>
           </a:p>
@@ -4473,6 +5458,7 @@
           <a:p>
             <a:fld id="{CA7EEAE4-1C43-495E-B411-4C36855AAD26}" type="slidenum">
               <a:rPr lang="en-IN" smtClean="0"/>
+              <a:pPr/>
               <a:t>‹#›</a:t>
             </a:fld>
             <a:endParaRPr lang="en-IN"/>
@@ -4672,7 +5658,8 @@
           <a:p>
             <a:fld id="{48D33415-11E2-4AA1-AF7B-4CB9D8C17AFB}" type="datetimeFigureOut">
               <a:rPr lang="en-US" smtClean="0"/>
-              <a:t>6/15/2022</a:t>
+              <a:pPr/>
+              <a:t>6/16/2022</a:t>
             </a:fld>
             <a:endParaRPr lang="en-IN"/>
           </a:p>
@@ -4714,6 +5701,7 @@
           <a:p>
             <a:fld id="{CA7EEAE4-1C43-495E-B411-4C36855AAD26}" type="slidenum">
               <a:rPr lang="en-IN" smtClean="0"/>
+              <a:pPr/>
               <a:t>‹#›</a:t>
             </a:fld>
             <a:endParaRPr lang="en-IN"/>
@@ -4955,7 +5943,8 @@
           <a:p>
             <a:fld id="{48D33415-11E2-4AA1-AF7B-4CB9D8C17AFB}" type="datetimeFigureOut">
               <a:rPr lang="en-US" smtClean="0"/>
-              <a:t>6/15/2022</a:t>
+              <a:pPr/>
+              <a:t>6/16/2022</a:t>
             </a:fld>
             <a:endParaRPr lang="en-IN"/>
           </a:p>
@@ -4997,6 +5986,7 @@
           <a:p>
             <a:fld id="{CA7EEAE4-1C43-495E-B411-4C36855AAD26}" type="slidenum">
               <a:rPr lang="en-IN" smtClean="0"/>
+              <a:pPr/>
               <a:t>‹#›</a:t>
             </a:fld>
             <a:endParaRPr lang="en-IN"/>
@@ -5372,7 +6362,8 @@
           <a:p>
             <a:fld id="{48D33415-11E2-4AA1-AF7B-4CB9D8C17AFB}" type="datetimeFigureOut">
               <a:rPr lang="en-US" smtClean="0"/>
-              <a:t>6/15/2022</a:t>
+              <a:pPr/>
+              <a:t>6/16/2022</a:t>
             </a:fld>
             <a:endParaRPr lang="en-IN"/>
           </a:p>
@@ -5414,6 +6405,7 @@
           <a:p>
             <a:fld id="{CA7EEAE4-1C43-495E-B411-4C36855AAD26}" type="slidenum">
               <a:rPr lang="en-IN" smtClean="0"/>
+              <a:pPr/>
               <a:t>‹#›</a:t>
             </a:fld>
             <a:endParaRPr lang="en-IN"/>
@@ -5485,7 +6477,8 @@
           <a:p>
             <a:fld id="{48D33415-11E2-4AA1-AF7B-4CB9D8C17AFB}" type="datetimeFigureOut">
               <a:rPr lang="en-US" smtClean="0"/>
-              <a:t>6/15/2022</a:t>
+              <a:pPr/>
+              <a:t>6/16/2022</a:t>
             </a:fld>
             <a:endParaRPr lang="en-IN"/>
           </a:p>
@@ -5527,6 +6520,7 @@
           <a:p>
             <a:fld id="{CA7EEAE4-1C43-495E-B411-4C36855AAD26}" type="slidenum">
               <a:rPr lang="en-IN" smtClean="0"/>
+              <a:pPr/>
               <a:t>‹#›</a:t>
             </a:fld>
             <a:endParaRPr lang="en-IN"/>
@@ -5575,7 +6569,8 @@
           <a:p>
             <a:fld id="{48D33415-11E2-4AA1-AF7B-4CB9D8C17AFB}" type="datetimeFigureOut">
               <a:rPr lang="en-US" smtClean="0"/>
-              <a:t>6/15/2022</a:t>
+              <a:pPr/>
+              <a:t>6/16/2022</a:t>
             </a:fld>
             <a:endParaRPr lang="en-IN"/>
           </a:p>
@@ -5617,6 +6612,7 @@
           <a:p>
             <a:fld id="{CA7EEAE4-1C43-495E-B411-4C36855AAD26}" type="slidenum">
               <a:rPr lang="en-IN" smtClean="0"/>
+              <a:pPr/>
               <a:t>‹#›</a:t>
             </a:fld>
             <a:endParaRPr lang="en-IN"/>
@@ -5847,7 +6843,8 @@
           <a:p>
             <a:fld id="{48D33415-11E2-4AA1-AF7B-4CB9D8C17AFB}" type="datetimeFigureOut">
               <a:rPr lang="en-US" smtClean="0"/>
-              <a:t>6/15/2022</a:t>
+              <a:pPr/>
+              <a:t>6/16/2022</a:t>
             </a:fld>
             <a:endParaRPr lang="en-IN"/>
           </a:p>
@@ -5889,6 +6886,7 @@
           <a:p>
             <a:fld id="{CA7EEAE4-1C43-495E-B411-4C36855AAD26}" type="slidenum">
               <a:rPr lang="en-IN" smtClean="0"/>
+              <a:pPr/>
               <a:t>‹#›</a:t>
             </a:fld>
             <a:endParaRPr lang="en-IN"/>
@@ -6095,7 +7093,8 @@
           <a:p>
             <a:fld id="{48D33415-11E2-4AA1-AF7B-4CB9D8C17AFB}" type="datetimeFigureOut">
               <a:rPr lang="en-US" smtClean="0"/>
-              <a:t>6/15/2022</a:t>
+              <a:pPr/>
+              <a:t>6/16/2022</a:t>
             </a:fld>
             <a:endParaRPr lang="en-IN"/>
           </a:p>
@@ -6137,6 +7136,7 @@
           <a:p>
             <a:fld id="{CA7EEAE4-1C43-495E-B411-4C36855AAD26}" type="slidenum">
               <a:rPr lang="en-IN" smtClean="0"/>
+              <a:pPr/>
               <a:t>‹#›</a:t>
             </a:fld>
             <a:endParaRPr lang="en-IN"/>
@@ -6303,7 +7303,8 @@
           <a:p>
             <a:fld id="{48D33415-11E2-4AA1-AF7B-4CB9D8C17AFB}" type="datetimeFigureOut">
               <a:rPr lang="en-US" smtClean="0"/>
-              <a:t>6/15/2022</a:t>
+              <a:pPr/>
+              <a:t>6/16/2022</a:t>
             </a:fld>
             <a:endParaRPr lang="en-IN"/>
           </a:p>
@@ -6381,6 +7382,7 @@
           <a:p>
             <a:fld id="{CA7EEAE4-1C43-495E-B411-4C36855AAD26}" type="slidenum">
               <a:rPr lang="en-IN" smtClean="0"/>
+              <a:pPr/>
               <a:t>‹#›</a:t>
             </a:fld>
             <a:endParaRPr lang="en-IN"/>
@@ -6998,7 +8000,7 @@
           <p:nvPr/>
         </p:nvPicPr>
         <p:blipFill rotWithShape="1">
-          <a:blip r:embed="rId2" cstate="print">
+          <a:blip r:embed="rId3" cstate="print">
             <a:extLst>
               <a:ext uri="{28A0092B-C50C-407E-A947-70E740481C1C}">
                 <a14:useLocalDpi xmlns:a14="http://schemas.microsoft.com/office/drawing/2010/main" xmlns="" val="0"/>
@@ -7103,7 +8105,7 @@
           <p:nvPr/>
         </p:nvPicPr>
         <p:blipFill rotWithShape="1">
-          <a:blip r:embed="rId3">
+          <a:blip r:embed="rId4">
             <a:extLst>
               <a:ext uri="{28A0092B-C50C-407E-A947-70E740481C1C}">
                 <a14:useLocalDpi xmlns:a14="http://schemas.microsoft.com/office/drawing/2010/main" xmlns="" val="0"/>
@@ -7208,7 +8210,7 @@
           <p:nvPr/>
         </p:nvPicPr>
         <p:blipFill>
-          <a:blip r:embed="rId4"/>
+          <a:blip r:embed="rId5"/>
           <a:stretch>
             <a:fillRect/>
           </a:stretch>
@@ -7386,426 +8388,6 @@
       </p:grpSpPr>
       <p:sp>
         <p:nvSpPr>
-          <p:cNvPr id="2" name="Rectangle 1">
-            <a:extLst>
-              <a:ext uri="{FF2B5EF4-FFF2-40B4-BE49-F238E27FC236}">
-                <a16:creationId xmlns:a16="http://schemas.microsoft.com/office/drawing/2014/main" xmlns="" id="{59F3BFEE-6275-7AD1-77CC-F759C3E141B5}"/>
-              </a:ext>
-            </a:extLst>
-          </p:cNvPr>
-          <p:cNvSpPr/>
-          <p:nvPr/>
-        </p:nvSpPr>
-        <p:spPr>
-          <a:xfrm>
-            <a:off x="1428728" y="0"/>
-            <a:ext cx="6172782" cy="944475"/>
-          </a:xfrm>
-          <a:prstGeom prst="rect">
-            <a:avLst/>
-          </a:prstGeom>
-        </p:spPr>
-        <p:txBody>
-          <a:bodyPr vert="horz" lIns="91440" tIns="45720" rIns="91440" bIns="45720" rtlCol="0" anchor="b">
-            <a:normAutofit/>
-          </a:bodyPr>
-          <a:lstStyle/>
-          <a:p>
-            <a:pPr>
-              <a:lnSpc>
-                <a:spcPct val="90000"/>
-              </a:lnSpc>
-              <a:spcBef>
-                <a:spcPct val="0"/>
-              </a:spcBef>
-              <a:spcAft>
-                <a:spcPts val="600"/>
-              </a:spcAft>
-            </a:pPr>
-            <a:r>
-              <a:rPr lang="en-US" sz="4800" b="1" cap="none" spc="0" dirty="0">
-                <a:ln w="0"/>
-                <a:effectLst>
-                  <a:outerShdw blurRad="38100" dist="19050" dir="2700000" algn="tl" rotWithShape="0">
-                    <a:schemeClr val="dk1">
-                      <a:alpha val="40000"/>
-                    </a:schemeClr>
-                  </a:outerShdw>
-                </a:effectLst>
-                <a:latin typeface="+mj-lt"/>
-                <a:ea typeface="+mj-ea"/>
-                <a:cs typeface="+mj-cs"/>
-              </a:rPr>
-              <a:t>MARINA SMAILES</a:t>
-            </a:r>
-          </a:p>
-        </p:txBody>
-      </p:sp>
-      <p:sp>
-        <p:nvSpPr>
-          <p:cNvPr id="3" name="Rectangle 2">
-            <a:extLst>
-              <a:ext uri="{FF2B5EF4-FFF2-40B4-BE49-F238E27FC236}">
-                <a16:creationId xmlns:a16="http://schemas.microsoft.com/office/drawing/2014/main" xmlns="" id="{8ABD315B-F9C5-2840-A456-C06952414EB7}"/>
-              </a:ext>
-            </a:extLst>
-          </p:cNvPr>
-          <p:cNvSpPr/>
-          <p:nvPr/>
-        </p:nvSpPr>
-        <p:spPr>
-          <a:xfrm>
-            <a:off x="0" y="1214422"/>
-            <a:ext cx="5572132" cy="5214974"/>
-          </a:xfrm>
-          <a:prstGeom prst="rect">
-            <a:avLst/>
-          </a:prstGeom>
-        </p:spPr>
-        <p:txBody>
-          <a:bodyPr vert="horz" lIns="91440" tIns="45720" rIns="91440" bIns="45720" rtlCol="0" anchor="b">
-            <a:noAutofit/>
-          </a:bodyPr>
-          <a:lstStyle/>
-          <a:p>
-            <a:pPr marL="685800" indent="-685800">
-              <a:spcBef>
-                <a:spcPct val="0"/>
-              </a:spcBef>
-              <a:spcAft>
-                <a:spcPts val="600"/>
-              </a:spcAft>
-              <a:buClr>
-                <a:schemeClr val="tx1"/>
-              </a:buClr>
-              <a:buFont typeface="Wingdings" pitchFamily="2" charset="2"/>
-              <a:buChar char="Ø"/>
-            </a:pPr>
-            <a:r>
-              <a:rPr lang="en-US" sz="3600" b="1" cap="none" spc="0" dirty="0">
-                <a:ln w="0"/>
-                <a:effectLst>
-                  <a:outerShdw blurRad="38100" dist="19050" dir="2700000" algn="tl" rotWithShape="0">
-                    <a:schemeClr val="dk1">
-                      <a:alpha val="40000"/>
-                    </a:schemeClr>
-                  </a:outerShdw>
-                </a:effectLst>
-                <a:latin typeface="+mj-lt"/>
-                <a:ea typeface="+mj-ea"/>
-                <a:cs typeface="+mj-cs"/>
-              </a:rPr>
-              <a:t>Senior Analyst</a:t>
-            </a:r>
-          </a:p>
-          <a:p>
-            <a:pPr marL="685800" indent="-685800">
-              <a:spcBef>
-                <a:spcPct val="0"/>
-              </a:spcBef>
-              <a:spcAft>
-                <a:spcPts val="600"/>
-              </a:spcAft>
-              <a:buClr>
-                <a:schemeClr val="tx1"/>
-              </a:buClr>
-              <a:buFont typeface="Wingdings" pitchFamily="2" charset="2"/>
-              <a:buChar char="Ø"/>
-            </a:pPr>
-            <a:r>
-              <a:rPr lang="en-US" sz="3600" b="1" dirty="0">
-                <a:ln w="0"/>
-                <a:effectLst>
-                  <a:outerShdw blurRad="38100" dist="19050" dir="2700000" algn="tl" rotWithShape="0">
-                    <a:schemeClr val="dk1">
-                      <a:alpha val="40000"/>
-                    </a:schemeClr>
-                  </a:outerShdw>
-                </a:effectLst>
-                <a:latin typeface="+mj-lt"/>
-                <a:ea typeface="+mj-ea"/>
-                <a:cs typeface="+mj-cs"/>
-              </a:rPr>
-              <a:t>Data Exploration and Integration Lab</a:t>
-            </a:r>
-          </a:p>
-          <a:p>
-            <a:pPr marL="685800" indent="-685800">
-              <a:spcBef>
-                <a:spcPct val="0"/>
-              </a:spcBef>
-              <a:spcAft>
-                <a:spcPts val="600"/>
-              </a:spcAft>
-              <a:buClr>
-                <a:schemeClr val="tx1"/>
-              </a:buClr>
-              <a:buFont typeface="Wingdings" pitchFamily="2" charset="2"/>
-              <a:buChar char="Ø"/>
-            </a:pPr>
-            <a:r>
-              <a:rPr lang="en-US" sz="3600" b="1" dirty="0">
-                <a:ln w="0"/>
-                <a:effectLst>
-                  <a:outerShdw blurRad="38100" dist="19050" dir="2700000" algn="tl" rotWithShape="0">
-                    <a:schemeClr val="dk1">
-                      <a:alpha val="40000"/>
-                    </a:schemeClr>
-                  </a:outerShdw>
-                </a:effectLst>
-                <a:latin typeface="+mj-lt"/>
-                <a:ea typeface="+mj-ea"/>
-                <a:cs typeface="+mj-cs"/>
-              </a:rPr>
-              <a:t>Microdata, Demographic Analysis</a:t>
-            </a:r>
-          </a:p>
-          <a:p>
-            <a:pPr>
-              <a:spcBef>
-                <a:spcPct val="0"/>
-              </a:spcBef>
-              <a:spcAft>
-                <a:spcPts val="600"/>
-              </a:spcAft>
-              <a:buClr>
-                <a:schemeClr val="tx1"/>
-              </a:buClr>
-            </a:pPr>
-            <a:endParaRPr lang="en-US" sz="3600" b="1" cap="none" spc="0" dirty="0">
-              <a:ln w="0"/>
-              <a:effectLst>
-                <a:outerShdw blurRad="38100" dist="19050" dir="2700000" algn="tl" rotWithShape="0">
-                  <a:schemeClr val="dk1">
-                    <a:alpha val="40000"/>
-                  </a:schemeClr>
-                </a:outerShdw>
-              </a:effectLst>
-              <a:latin typeface="+mj-lt"/>
-              <a:ea typeface="+mj-ea"/>
-              <a:cs typeface="+mj-cs"/>
-            </a:endParaRPr>
-          </a:p>
-        </p:txBody>
-      </p:sp>
-      <p:pic>
-        <p:nvPicPr>
-          <p:cNvPr id="4" name="Picture 3" descr="MARINA SMAILES.jpg"/>
-          <p:cNvPicPr>
-            <a:picLocks noChangeAspect="1"/>
-          </p:cNvPicPr>
-          <p:nvPr/>
-        </p:nvPicPr>
-        <p:blipFill>
-          <a:blip r:embed="rId2"/>
-          <a:stretch>
-            <a:fillRect/>
-          </a:stretch>
-        </p:blipFill>
-        <p:spPr>
-          <a:xfrm>
-            <a:off x="5643570" y="2857496"/>
-            <a:ext cx="2862256" cy="2862256"/>
-          </a:xfrm>
-          <a:prstGeom prst="rect">
-            <a:avLst/>
-          </a:prstGeom>
-        </p:spPr>
-      </p:pic>
-    </p:spTree>
-  </p:cSld>
-  <p:clrMapOvr>
-    <a:masterClrMapping/>
-  </p:clrMapOvr>
-</p:sld>
-</file>
-
-<file path=ppt/slides/slide11.xml><?xml version="1.0" encoding="utf-8"?>
-<p:sld xmlns:a="http://schemas.openxmlformats.org/drawingml/2006/main" xmlns:r="http://schemas.openxmlformats.org/officeDocument/2006/relationships" xmlns:p="http://schemas.openxmlformats.org/presentationml/2006/main">
-  <p:cSld>
-    <p:spTree>
-      <p:nvGrpSpPr>
-        <p:cNvPr id="1" name=""/>
-        <p:cNvGrpSpPr/>
-        <p:nvPr/>
-      </p:nvGrpSpPr>
-      <p:grpSpPr>
-        <a:xfrm>
-          <a:off x="0" y="0"/>
-          <a:ext cx="0" cy="0"/>
-          <a:chOff x="0" y="0"/>
-          <a:chExt cx="0" cy="0"/>
-        </a:xfrm>
-      </p:grpSpPr>
-      <p:sp>
-        <p:nvSpPr>
-          <p:cNvPr id="73" name="Freeform: Shape 72">
-            <a:extLst>
-              <a:ext uri="{FF2B5EF4-FFF2-40B4-BE49-F238E27FC236}">
-                <a16:creationId xmlns:a16="http://schemas.microsoft.com/office/drawing/2014/main" xmlns="" id="{B670DBD5-770C-4383-9F54-5B86E86BD5BB}"/>
-              </a:ext>
-              <a:ext uri="{C183D7F6-B498-43B3-948B-1728B52AA6E4}">
-                <adec:decorative xmlns:adec="http://schemas.microsoft.com/office/drawing/2017/decorative" xmlns="" val="1"/>
-              </a:ext>
-            </a:extLst>
-          </p:cNvPr>
-          <p:cNvSpPr>
-            <a:spLocks noGrp="1" noRot="1" noChangeAspect="1" noMove="1" noResize="1" noEditPoints="1" noAdjustHandles="1" noChangeArrowheads="1" noChangeShapeType="1" noTextEdit="1"/>
-          </p:cNvSpPr>
-          <p:nvPr>
-            <p:extLst>
-              <p:ext uri="{386F3935-93C4-4BCD-93E2-E3B085C9AB24}">
-                <p16:designElem xmlns:p16="http://schemas.microsoft.com/office/powerpoint/2015/main" xmlns="" val="1"/>
-              </p:ext>
-            </p:extLst>
-          </p:nvPr>
-        </p:nvSpPr>
-        <p:spPr>
-          <a:xfrm>
-            <a:off x="907708" y="0"/>
-            <a:ext cx="7328585" cy="6858000"/>
-          </a:xfrm>
-          <a:custGeom>
-            <a:avLst/>
-            <a:gdLst>
-              <a:gd name="connsiteX0" fmla="*/ 1422188 w 9771446"/>
-              <a:gd name="connsiteY0" fmla="*/ 0 h 6858000"/>
-              <a:gd name="connsiteX1" fmla="*/ 8349258 w 9771446"/>
-              <a:gd name="connsiteY1" fmla="*/ 0 h 6858000"/>
-              <a:gd name="connsiteX2" fmla="*/ 8502224 w 9771446"/>
-              <a:gd name="connsiteY2" fmla="*/ 159673 h 6858000"/>
-              <a:gd name="connsiteX3" fmla="*/ 9771446 w 9771446"/>
-              <a:gd name="connsiteY3" fmla="*/ 3429001 h 6858000"/>
-              <a:gd name="connsiteX4" fmla="*/ 8502224 w 9771446"/>
-              <a:gd name="connsiteY4" fmla="*/ 6698330 h 6858000"/>
-              <a:gd name="connsiteX5" fmla="*/ 8349260 w 9771446"/>
-              <a:gd name="connsiteY5" fmla="*/ 6858000 h 6858000"/>
-              <a:gd name="connsiteX6" fmla="*/ 1422186 w 9771446"/>
-              <a:gd name="connsiteY6" fmla="*/ 6858000 h 6858000"/>
-              <a:gd name="connsiteX7" fmla="*/ 1269223 w 9771446"/>
-              <a:gd name="connsiteY7" fmla="*/ 6698330 h 6858000"/>
-              <a:gd name="connsiteX8" fmla="*/ 0 w 9771446"/>
-              <a:gd name="connsiteY8" fmla="*/ 3429001 h 6858000"/>
-              <a:gd name="connsiteX9" fmla="*/ 1269223 w 9771446"/>
-              <a:gd name="connsiteY9" fmla="*/ 159673 h 6858000"/>
-            </a:gdLst>
-            <a:ahLst/>
-            <a:cxnLst>
-              <a:cxn ang="0">
-                <a:pos x="connsiteX0" y="connsiteY0"/>
-              </a:cxn>
-              <a:cxn ang="0">
-                <a:pos x="connsiteX1" y="connsiteY1"/>
-              </a:cxn>
-              <a:cxn ang="0">
-                <a:pos x="connsiteX2" y="connsiteY2"/>
-              </a:cxn>
-              <a:cxn ang="0">
-                <a:pos x="connsiteX3" y="connsiteY3"/>
-              </a:cxn>
-              <a:cxn ang="0">
-                <a:pos x="connsiteX4" y="connsiteY4"/>
-              </a:cxn>
-              <a:cxn ang="0">
-                <a:pos x="connsiteX5" y="connsiteY5"/>
-              </a:cxn>
-              <a:cxn ang="0">
-                <a:pos x="connsiteX6" y="connsiteY6"/>
-              </a:cxn>
-              <a:cxn ang="0">
-                <a:pos x="connsiteX7" y="connsiteY7"/>
-              </a:cxn>
-              <a:cxn ang="0">
-                <a:pos x="connsiteX8" y="connsiteY8"/>
-              </a:cxn>
-              <a:cxn ang="0">
-                <a:pos x="connsiteX9" y="connsiteY9"/>
-              </a:cxn>
-            </a:cxnLst>
-            <a:rect l="l" t="t" r="r" b="b"/>
-            <a:pathLst>
-              <a:path w="9771446" h="6858000">
-                <a:moveTo>
-                  <a:pt x="1422188" y="0"/>
-                </a:moveTo>
-                <a:lnTo>
-                  <a:pt x="8349258" y="0"/>
-                </a:lnTo>
-                <a:lnTo>
-                  <a:pt x="8502224" y="159673"/>
-                </a:lnTo>
-                <a:cubicBezTo>
-                  <a:pt x="9290813" y="1023162"/>
-                  <a:pt x="9771446" y="2170221"/>
-                  <a:pt x="9771446" y="3429001"/>
-                </a:cubicBezTo>
-                <a:cubicBezTo>
-                  <a:pt x="9771446" y="4687781"/>
-                  <a:pt x="9290813" y="5834840"/>
-                  <a:pt x="8502224" y="6698330"/>
-                </a:cubicBezTo>
-                <a:lnTo>
-                  <a:pt x="8349260" y="6858000"/>
-                </a:lnTo>
-                <a:lnTo>
-                  <a:pt x="1422186" y="6858000"/>
-                </a:lnTo>
-                <a:lnTo>
-                  <a:pt x="1269223" y="6698330"/>
-                </a:lnTo>
-                <a:cubicBezTo>
-                  <a:pt x="480633" y="5834840"/>
-                  <a:pt x="0" y="4687781"/>
-                  <a:pt x="0" y="3429001"/>
-                </a:cubicBezTo>
-                <a:cubicBezTo>
-                  <a:pt x="0" y="2170221"/>
-                  <a:pt x="480633" y="1023162"/>
-                  <a:pt x="1269223" y="159673"/>
-                </a:cubicBezTo>
-                <a:close/>
-              </a:path>
-            </a:pathLst>
-          </a:custGeom>
-          <a:solidFill>
-            <a:schemeClr val="bg1">
-              <a:lumMod val="85000"/>
-              <a:alpha val="62000"/>
-            </a:schemeClr>
-          </a:solidFill>
-          <a:ln>
-            <a:noFill/>
-          </a:ln>
-        </p:spPr>
-        <p:style>
-          <a:lnRef idx="2">
-            <a:schemeClr val="accent1">
-              <a:shade val="50000"/>
-            </a:schemeClr>
-          </a:lnRef>
-          <a:fillRef idx="1">
-            <a:schemeClr val="accent1"/>
-          </a:fillRef>
-          <a:effectRef idx="0">
-            <a:schemeClr val="accent1"/>
-          </a:effectRef>
-          <a:fontRef idx="minor">
-            <a:schemeClr val="lt1"/>
-          </a:fontRef>
-        </p:style>
-        <p:txBody>
-          <a:bodyPr wrap="square" rtlCol="0" anchor="ctr">
-            <a:noAutofit/>
-          </a:bodyPr>
-          <a:lstStyle/>
-          <a:p>
-            <a:pPr algn="ctr"/>
-            <a:endParaRPr lang="en-US"/>
-          </a:p>
-        </p:txBody>
-      </p:sp>
-      <p:sp>
-        <p:nvSpPr>
           <p:cNvPr id="4" name="Slide Number Placeholder 3">
             <a:extLst>
               <a:ext uri="{FF2B5EF4-FFF2-40B4-BE49-F238E27FC236}">
@@ -7844,7 +8426,7 @@
                   <a:spcPts val="600"/>
                 </a:spcAft>
               </a:pPr>
-              <a:t>11</a:t>
+              <a:t>10</a:t>
             </a:fld>
             <a:endParaRPr lang="en-US"/>
           </a:p>
@@ -7929,45 +8511,6 @@
       </p:sp>
       <p:pic>
         <p:nvPicPr>
-          <p:cNvPr id="14" name="Graphic 13" descr="Play with solid fill">
-            <a:extLst>
-              <a:ext uri="{FF2B5EF4-FFF2-40B4-BE49-F238E27FC236}">
-                <a16:creationId xmlns:a16="http://schemas.microsoft.com/office/drawing/2014/main" xmlns="" id="{6C0DF9D8-0F7C-C63A-D917-FC62C4F6BBB0}"/>
-              </a:ext>
-            </a:extLst>
-          </p:cNvPr>
-          <p:cNvPicPr>
-            <a:picLocks noChangeAspect="1"/>
-          </p:cNvPicPr>
-          <p:nvPr/>
-        </p:nvPicPr>
-        <p:blipFill>
-          <a:blip r:embed="rId2" cstate="print">
-            <a:extLst>
-              <a:ext uri="{28A0092B-C50C-407E-A947-70E740481C1C}">
-                <a14:useLocalDpi xmlns:a14="http://schemas.microsoft.com/office/drawing/2010/main" xmlns="" val="0"/>
-              </a:ext>
-              <a:ext uri="{96DAC541-7B7A-43D3-8B79-37D633B846F1}">
-                <asvg:svgBlip xmlns:asvg="http://schemas.microsoft.com/office/drawing/2016/SVG/main" xmlns="" r:embed="rId3"/>
-              </a:ext>
-            </a:extLst>
-          </a:blip>
-          <a:stretch>
-            <a:fillRect/>
-          </a:stretch>
-        </p:blipFill>
-        <p:spPr>
-          <a:xfrm>
-            <a:off x="0" y="3786190"/>
-            <a:ext cx="576431" cy="523221"/>
-          </a:xfrm>
-          <a:prstGeom prst="rect">
-            <a:avLst/>
-          </a:prstGeom>
-        </p:spPr>
-      </p:pic>
-      <p:pic>
-        <p:nvPicPr>
           <p:cNvPr id="17" name="Graphic 16" descr="Play with solid fill">
             <a:extLst>
               <a:ext uri="{FF2B5EF4-FFF2-40B4-BE49-F238E27FC236}">
@@ -7981,13 +8524,13 @@
           <p:nvPr/>
         </p:nvPicPr>
         <p:blipFill>
-          <a:blip r:embed="rId2" cstate="print">
+          <a:blip r:embed="rId3" cstate="print">
             <a:extLst>
               <a:ext uri="{28A0092B-C50C-407E-A947-70E740481C1C}">
                 <a14:useLocalDpi xmlns:a14="http://schemas.microsoft.com/office/drawing/2010/main" xmlns="" val="0"/>
               </a:ext>
               <a:ext uri="{96DAC541-7B7A-43D3-8B79-37D633B846F1}">
-                <asvg:svgBlip xmlns:asvg="http://schemas.microsoft.com/office/drawing/2016/SVG/main" xmlns="" r:embed="rId3"/>
+                <asvg:svgBlip xmlns:asvg="http://schemas.microsoft.com/office/drawing/2016/SVG/main" xmlns="" r:embed="rId4"/>
               </a:ext>
             </a:extLst>
           </a:blip>
@@ -7998,45 +8541,6 @@
         <p:spPr>
           <a:xfrm>
             <a:off x="5768" y="1559346"/>
-            <a:ext cx="576431" cy="523221"/>
-          </a:xfrm>
-          <a:prstGeom prst="rect">
-            <a:avLst/>
-          </a:prstGeom>
-        </p:spPr>
-      </p:pic>
-      <p:pic>
-        <p:nvPicPr>
-          <p:cNvPr id="18" name="Graphic 17" descr="Play with solid fill">
-            <a:extLst>
-              <a:ext uri="{FF2B5EF4-FFF2-40B4-BE49-F238E27FC236}">
-                <a16:creationId xmlns:a16="http://schemas.microsoft.com/office/drawing/2014/main" xmlns="" id="{97425CFD-E759-3D64-33DA-DAB7FA423609}"/>
-              </a:ext>
-            </a:extLst>
-          </p:cNvPr>
-          <p:cNvPicPr>
-            <a:picLocks noChangeAspect="1"/>
-          </p:cNvPicPr>
-          <p:nvPr/>
-        </p:nvPicPr>
-        <p:blipFill>
-          <a:blip r:embed="rId2" cstate="print">
-            <a:extLst>
-              <a:ext uri="{28A0092B-C50C-407E-A947-70E740481C1C}">
-                <a14:useLocalDpi xmlns:a14="http://schemas.microsoft.com/office/drawing/2010/main" xmlns="" val="0"/>
-              </a:ext>
-              <a:ext uri="{96DAC541-7B7A-43D3-8B79-37D633B846F1}">
-                <asvg:svgBlip xmlns:asvg="http://schemas.microsoft.com/office/drawing/2016/SVG/main" xmlns="" r:embed="rId3"/>
-              </a:ext>
-            </a:extLst>
-          </a:blip>
-          <a:stretch>
-            <a:fillRect/>
-          </a:stretch>
-        </p:blipFill>
-        <p:spPr>
-          <a:xfrm>
-            <a:off x="5768" y="5252782"/>
             <a:ext cx="576431" cy="523221"/>
           </a:xfrm>
           <a:prstGeom prst="rect">
@@ -8133,20 +8637,7 @@
                   </a:outerShdw>
                 </a:effectLst>
               </a:rPr>
-              <a:t>lag</a:t>
-            </a:r>
-            <a:r>
-              <a:rPr lang="en-IN" sz="2800" dirty="0" smtClean="0">
-                <a:ln w="0"/>
-                <a:effectLst>
-                  <a:outerShdw blurRad="38100" dist="19050" dir="2700000" algn="tl" rotWithShape="0">
-                    <a:schemeClr val="dk1">
-                      <a:alpha val="40000"/>
-                    </a:schemeClr>
-                  </a:outerShdw>
-                </a:effectLst>
-              </a:rPr>
-              <a:t>.</a:t>
+              <a:t>lag.</a:t>
             </a:r>
           </a:p>
           <a:p>
@@ -8461,104 +8952,46 @@
           </a:p>
         </p:txBody>
       </p:sp>
+    </p:spTree>
+    <p:extLst>
+      <p:ext uri="{BB962C8B-B14F-4D97-AF65-F5344CB8AC3E}">
+        <p14:creationId xmlns:p14="http://schemas.microsoft.com/office/powerpoint/2010/main" xmlns="" val="1109819447"/>
+      </p:ext>
+    </p:extLst>
+  </p:cSld>
+  <p:clrMapOvr>
+    <a:masterClrMapping/>
+  </p:clrMapOvr>
+</p:sld>
+</file>
+
+<file path=ppt/slides/slide11.xml><?xml version="1.0" encoding="utf-8"?>
+<p:sld xmlns:a="http://schemas.openxmlformats.org/drawingml/2006/main" xmlns:r="http://schemas.openxmlformats.org/officeDocument/2006/relationships" xmlns:p="http://schemas.openxmlformats.org/presentationml/2006/main">
+  <p:cSld>
+    <p:spTree>
+      <p:nvGrpSpPr>
+        <p:cNvPr id="1" name=""/>
+        <p:cNvGrpSpPr/>
+        <p:nvPr/>
+      </p:nvGrpSpPr>
+      <p:grpSpPr>
+        <a:xfrm>
+          <a:off x="0" y="0"/>
+          <a:ext cx="0" cy="0"/>
+          <a:chOff x="0" y="0"/>
+          <a:chExt cx="0" cy="0"/>
+        </a:xfrm>
+      </p:grpSpPr>
       <p:sp>
         <p:nvSpPr>
-          <p:cNvPr id="21" name="TextBox 20">
-            <a:extLst>
-              <a:ext uri="{FF2B5EF4-FFF2-40B4-BE49-F238E27FC236}">
-                <a16:creationId xmlns:a16="http://schemas.microsoft.com/office/drawing/2014/main" xmlns="" id="{78A48A6C-19DB-897F-CC0B-B2C3E0F4D3FD}"/>
-              </a:ext>
-            </a:extLst>
-          </p:cNvPr>
+          <p:cNvPr id="3" name="TextBox 2"/>
           <p:cNvSpPr txBox="1"/>
           <p:nvPr/>
         </p:nvSpPr>
         <p:spPr>
           <a:xfrm>
-            <a:off x="493166" y="5252782"/>
-            <a:ext cx="6677876" cy="1720471"/>
-          </a:xfrm>
-          <a:prstGeom prst="rect">
-            <a:avLst/>
-          </a:prstGeom>
-          <a:noFill/>
-        </p:spPr>
-        <p:txBody>
-          <a:bodyPr wrap="square">
-            <a:spAutoFit/>
-          </a:bodyPr>
-          <a:lstStyle/>
-          <a:p>
-            <a:pPr>
-              <a:lnSpc>
-                <a:spcPct val="90000"/>
-              </a:lnSpc>
-              <a:spcBef>
-                <a:spcPct val="0"/>
-              </a:spcBef>
-              <a:spcAft>
-                <a:spcPts val="600"/>
-              </a:spcAft>
-            </a:pPr>
-            <a:r>
-              <a:rPr lang="en-CA" sz="2800" dirty="0">
-                <a:ln w="0"/>
-                <a:effectLst>
-                  <a:outerShdw blurRad="38100" dist="19050" dir="2700000" algn="tl" rotWithShape="0">
-                    <a:schemeClr val="dk1">
-                      <a:alpha val="40000"/>
-                    </a:schemeClr>
-                  </a:outerShdw>
-                </a:effectLst>
-              </a:rPr>
-              <a:t>Use related queries, topics, keywords of different industrial categories to capture business cycles for economic factors.</a:t>
-            </a:r>
-            <a:endParaRPr lang="en-GB" sz="2800" dirty="0">
-              <a:ln w="0"/>
-              <a:effectLst>
-                <a:outerShdw blurRad="38100" dist="19050" dir="2700000" algn="tl" rotWithShape="0">
-                  <a:schemeClr val="dk1">
-                    <a:alpha val="40000"/>
-                  </a:schemeClr>
-                </a:outerShdw>
-              </a:effectLst>
-            </a:endParaRPr>
-          </a:p>
-          <a:p>
-            <a:pPr>
-              <a:lnSpc>
-                <a:spcPct val="90000"/>
-              </a:lnSpc>
-              <a:spcBef>
-                <a:spcPct val="0"/>
-              </a:spcBef>
-              <a:spcAft>
-                <a:spcPts val="600"/>
-              </a:spcAft>
-            </a:pPr>
-            <a:endParaRPr lang="en-CA" sz="2800" dirty="0">
-              <a:ln w="0"/>
-              <a:effectLst>
-                <a:outerShdw blurRad="38100" dist="19050" dir="2700000" algn="tl" rotWithShape="0">
-                  <a:schemeClr val="dk1">
-                    <a:alpha val="40000"/>
-                  </a:schemeClr>
-                </a:outerShdw>
-              </a:effectLst>
-            </a:endParaRPr>
-          </a:p>
-        </p:txBody>
-      </p:sp>
-      <p:sp>
-        <p:nvSpPr>
-          <p:cNvPr id="11" name="TextBox 10"/>
-          <p:cNvSpPr txBox="1"/>
-          <p:nvPr/>
-        </p:nvSpPr>
-        <p:spPr>
-          <a:xfrm>
-            <a:off x="571472" y="3500438"/>
-            <a:ext cx="6929486" cy="646331"/>
+            <a:off x="285720" y="1357298"/>
+            <a:ext cx="4643470" cy="400110"/>
           </a:xfrm>
           <a:prstGeom prst="rect">
             <a:avLst/>
@@ -8572,54 +9005,145 @@
           <a:lstStyle/>
           <a:p>
             <a:r>
-              <a:rPr lang="en-CA" dirty="0" smtClean="0">
-                <a:ln w="0"/>
-                <a:effectLst>
-                  <a:outerShdw blurRad="38100" dist="19050" dir="2700000" algn="tl" rotWithShape="0">
-                    <a:schemeClr val="dk1">
-                      <a:alpha val="40000"/>
-                    </a:schemeClr>
-                  </a:outerShdw>
-                </a:effectLst>
-              </a:rPr>
-              <a:t>Aim to develop a model for Statistics Canada to </a:t>
-            </a:r>
-            <a:r>
-              <a:rPr lang="en-CA" dirty="0" err="1" smtClean="0">
-                <a:ln w="0"/>
-                <a:effectLst>
-                  <a:outerShdw blurRad="38100" dist="19050" dir="2700000" algn="tl" rotWithShape="0">
-                    <a:schemeClr val="dk1">
-                      <a:alpha val="40000"/>
-                    </a:schemeClr>
-                  </a:outerShdw>
-                </a:effectLst>
-              </a:rPr>
-              <a:t>nowcast</a:t>
-            </a:r>
-            <a:r>
-              <a:rPr lang="en-CA" dirty="0" smtClean="0">
-                <a:ln w="0"/>
-                <a:effectLst>
-                  <a:outerShdw blurRad="38100" dist="19050" dir="2700000" algn="tl" rotWithShape="0">
-                    <a:schemeClr val="dk1">
-                      <a:alpha val="40000"/>
-                    </a:schemeClr>
-                  </a:outerShdw>
-                </a:effectLst>
-              </a:rPr>
-              <a:t> much ahead of the actual time macroeconomic factors in real time using Google trends.</a:t>
-            </a:r>
+              <a:rPr lang="en-IN" sz="2000" b="1" dirty="0" smtClean="0"/>
+              <a:t>Retail Trade Sales (RTS) monthly (x 1,000</a:t>
+            </a:r>
+            <a:r>
+              <a:rPr lang="en-IN" dirty="0" smtClean="0"/>
+              <a:t>) </a:t>
+            </a:r>
+            <a:endParaRPr lang="en-IN" dirty="0"/>
+          </a:p>
+        </p:txBody>
+      </p:sp>
+      <p:pic>
+        <p:nvPicPr>
+          <p:cNvPr id="4" name="Picture 2"/>
+          <p:cNvPicPr>
+            <a:picLocks noChangeAspect="1" noChangeArrowheads="1"/>
+          </p:cNvPicPr>
+          <p:nvPr/>
+        </p:nvPicPr>
+        <p:blipFill>
+          <a:blip r:embed="rId3"/>
+          <a:srcRect l="16471" t="62500" r="15995" b="21875"/>
+          <a:stretch>
+            <a:fillRect/>
+          </a:stretch>
+        </p:blipFill>
+        <p:spPr bwMode="auto">
+          <a:xfrm>
+            <a:off x="214282" y="2000240"/>
+            <a:ext cx="8786874" cy="1143008"/>
+          </a:xfrm>
+          <a:prstGeom prst="rect">
+            <a:avLst/>
+          </a:prstGeom>
+          <a:noFill/>
+          <a:ln w="9525">
+            <a:noFill/>
+            <a:miter lim="800000"/>
+            <a:headEnd/>
+            <a:tailEnd/>
+          </a:ln>
+          <a:effectLst/>
+        </p:spPr>
+      </p:pic>
+      <p:sp>
+        <p:nvSpPr>
+          <p:cNvPr id="7" name="TextBox 6"/>
+          <p:cNvSpPr txBox="1"/>
+          <p:nvPr/>
+        </p:nvSpPr>
+        <p:spPr>
+          <a:xfrm>
+            <a:off x="785786" y="357166"/>
+            <a:ext cx="8358214" cy="584775"/>
+          </a:xfrm>
+          <a:prstGeom prst="rect">
+            <a:avLst/>
+          </a:prstGeom>
+          <a:noFill/>
+        </p:spPr>
+        <p:txBody>
+          <a:bodyPr wrap="square" rtlCol="0">
+            <a:spAutoFit/>
+          </a:bodyPr>
+          <a:lstStyle/>
+          <a:p>
+            <a:pPr algn="ctr"/>
+            <a:r>
+              <a:rPr lang="en-IN" sz="3200" b="1" dirty="0" smtClean="0"/>
+              <a:t>What does a lag within information means? </a:t>
+            </a:r>
+            <a:endParaRPr lang="en-IN" sz="3200" b="1" dirty="0"/>
+          </a:p>
+        </p:txBody>
+      </p:sp>
+      <p:sp>
+        <p:nvSpPr>
+          <p:cNvPr id="8" name="TextBox 7"/>
+          <p:cNvSpPr txBox="1"/>
+          <p:nvPr/>
+        </p:nvSpPr>
+        <p:spPr>
+          <a:xfrm>
+            <a:off x="214282" y="4143380"/>
+            <a:ext cx="8929718" cy="2308324"/>
+          </a:xfrm>
+          <a:prstGeom prst="rect">
+            <a:avLst/>
+          </a:prstGeom>
+          <a:noFill/>
+        </p:spPr>
+        <p:txBody>
+          <a:bodyPr wrap="square" rtlCol="0">
+            <a:spAutoFit/>
+          </a:bodyPr>
+          <a:lstStyle/>
+          <a:p>
+            <a:pPr>
+              <a:spcAft>
+                <a:spcPts val="1200"/>
+              </a:spcAft>
+              <a:buFont typeface="Wingdings" pitchFamily="2" charset="2"/>
+              <a:buChar char="Ø"/>
+            </a:pPr>
+            <a:r>
+              <a:rPr lang="en-IN" sz="2400" dirty="0" smtClean="0"/>
+              <a:t> Unreleased values of April 2022, May 2022 with gap of 2months.</a:t>
+            </a:r>
+          </a:p>
+          <a:p>
+            <a:pPr>
+              <a:spcAft>
+                <a:spcPts val="1200"/>
+              </a:spcAft>
+            </a:pPr>
+            <a:r>
+              <a:rPr lang="en-IN" sz="2400" dirty="0" smtClean="0"/>
+              <a:t> </a:t>
+            </a:r>
+          </a:p>
+          <a:p>
+            <a:pPr>
+              <a:spcAft>
+                <a:spcPts val="1200"/>
+              </a:spcAft>
+              <a:buFont typeface="Wingdings" pitchFamily="2" charset="2"/>
+              <a:buChar char="Ø"/>
+            </a:pPr>
+            <a:r>
+              <a:rPr lang="en-IN" sz="2400" dirty="0" smtClean="0"/>
+              <a:t> Solution: Use Google Trends feature of current period real-time information to estimate current period indicators of interest.</a:t>
+            </a:r>
+          </a:p>
+          <a:p>
             <a:endParaRPr lang="en-IN" dirty="0"/>
           </a:p>
         </p:txBody>
       </p:sp>
     </p:spTree>
-    <p:extLst>
-      <p:ext uri="{BB962C8B-B14F-4D97-AF65-F5344CB8AC3E}">
-        <p14:creationId xmlns:p14="http://schemas.microsoft.com/office/powerpoint/2010/main" xmlns="" val="1109819447"/>
-      </p:ext>
-    </p:extLst>
   </p:cSld>
   <p:clrMapOvr>
     <a:masterClrMapping/>
@@ -8644,39 +9168,78 @@
           <a:chExt cx="0" cy="0"/>
         </a:xfrm>
       </p:grpSpPr>
-      <p:pic>
-        <p:nvPicPr>
-          <p:cNvPr id="1027" name="Picture 3"/>
-          <p:cNvPicPr>
-            <a:picLocks noChangeAspect="1" noChangeArrowheads="1"/>
-          </p:cNvPicPr>
-          <p:nvPr/>
-        </p:nvPicPr>
-        <p:blipFill>
-          <a:blip r:embed="rId2"/>
-          <a:srcRect l="16508" t="8984" r="16508" b="5078"/>
-          <a:stretch>
-            <a:fillRect/>
-          </a:stretch>
-        </p:blipFill>
-        <p:spPr bwMode="auto">
+      <p:sp>
+        <p:nvSpPr>
+          <p:cNvPr id="2" name="Title 1"/>
+          <p:cNvSpPr>
+            <a:spLocks noGrp="1"/>
+          </p:cNvSpPr>
+          <p:nvPr>
+            <p:ph type="title"/>
+          </p:nvPr>
+        </p:nvSpPr>
+        <p:spPr/>
+        <p:txBody>
+          <a:bodyPr>
+            <a:noAutofit/>
+          </a:bodyPr>
+          <a:lstStyle/>
+          <a:p>
+            <a:r>
+              <a:rPr lang="en-IN" sz="3600" b="1" dirty="0" smtClean="0"/>
+              <a:t>What makes Google Trends a powerful tool for economic predictions?</a:t>
+            </a:r>
+            <a:endParaRPr lang="en-IN" sz="3600" b="1" dirty="0"/>
+          </a:p>
+        </p:txBody>
+      </p:sp>
+      <p:sp>
+        <p:nvSpPr>
+          <p:cNvPr id="3" name="Content Placeholder 2"/>
+          <p:cNvSpPr>
+            <a:spLocks noGrp="1"/>
+          </p:cNvSpPr>
+          <p:nvPr>
+            <p:ph idx="1"/>
+          </p:nvPr>
+        </p:nvSpPr>
+        <p:spPr>
           <a:xfrm>
-            <a:off x="357158" y="428603"/>
-            <a:ext cx="8572560" cy="6183487"/>
+            <a:off x="214282" y="1600200"/>
+            <a:ext cx="8715436" cy="4525963"/>
           </a:xfrm>
-          <a:prstGeom prst="rect">
-            <a:avLst/>
-          </a:prstGeom>
-          <a:noFill/>
-          <a:ln w="9525">
-            <a:noFill/>
-            <a:miter lim="800000"/>
-            <a:headEnd/>
-            <a:tailEnd/>
-          </a:ln>
-          <a:effectLst/>
         </p:spPr>
-      </p:pic>
+        <p:txBody>
+          <a:bodyPr>
+            <a:normAutofit lnSpcReduction="10000"/>
+          </a:bodyPr>
+          <a:lstStyle/>
+          <a:p>
+            <a:r>
+              <a:rPr lang="en-IN" dirty="0" smtClean="0"/>
+              <a:t>Economic activity is changing rapidly and search behaviour can be informative when they are latest and in raw form.</a:t>
+            </a:r>
+          </a:p>
+          <a:p>
+            <a:r>
+              <a:rPr lang="en-IN" dirty="0" smtClean="0"/>
+              <a:t>Shows how frequently a given search term is entered into Google’s search engine relative to the site’s total search volume over a given period of time. </a:t>
+            </a:r>
+          </a:p>
+          <a:p>
+            <a:r>
+              <a:rPr lang="en-IN" dirty="0" smtClean="0"/>
+              <a:t>Compares the search volume of different queries over time within different interest and regions.</a:t>
+            </a:r>
+          </a:p>
+          <a:p>
+            <a:endParaRPr lang="en-IN" dirty="0" smtClean="0"/>
+          </a:p>
+          <a:p>
+            <a:endParaRPr lang="en-IN" dirty="0"/>
+          </a:p>
+        </p:txBody>
+      </p:sp>
     </p:spTree>
   </p:cSld>
   <p:clrMapOvr>
@@ -8704,83 +9267,18 @@
       </p:grpSpPr>
       <p:sp>
         <p:nvSpPr>
-          <p:cNvPr id="2" name="Rectangle 1">
-            <a:extLst>
-              <a:ext uri="{FF2B5EF4-FFF2-40B4-BE49-F238E27FC236}">
-                <a16:creationId xmlns:a16="http://schemas.microsoft.com/office/drawing/2014/main" xmlns="" id="{430A6DD4-D65F-6546-7369-90CB32F81A12}"/>
-              </a:ext>
-            </a:extLst>
-          </p:cNvPr>
+          <p:cNvPr id="2" name="Rectangle 1"/>
           <p:cNvSpPr/>
           <p:nvPr/>
         </p:nvSpPr>
         <p:spPr>
           <a:xfrm>
-            <a:off x="-277346" y="233805"/>
-            <a:ext cx="5713219" cy="707886"/>
+            <a:off x="0" y="0"/>
+            <a:ext cx="9144000" cy="6934206"/>
           </a:xfrm>
           <a:prstGeom prst="rect">
             <a:avLst/>
           </a:prstGeom>
-          <a:noFill/>
-        </p:spPr>
-        <p:txBody>
-          <a:bodyPr wrap="square" lIns="91440" tIns="45720" rIns="91440" bIns="45720">
-            <a:spAutoFit/>
-          </a:bodyPr>
-          <a:lstStyle/>
-          <a:p>
-            <a:pPr algn="ctr"/>
-            <a:r>
-              <a:rPr lang="en-GB" sz="4000" b="1" dirty="0">
-                <a:ln w="0"/>
-                <a:effectLst>
-                  <a:outerShdw blurRad="38100" dist="19050" dir="2700000" algn="tl" rotWithShape="0">
-                    <a:schemeClr val="dk1">
-                      <a:alpha val="40000"/>
-                    </a:schemeClr>
-                  </a:outerShdw>
-                </a:effectLst>
-              </a:rPr>
-              <a:t>RESEARCH QUESTIONS</a:t>
-            </a:r>
-            <a:endParaRPr lang="en-GB" sz="4000" b="1" cap="none" spc="0" dirty="0">
-              <a:ln w="0"/>
-              <a:solidFill>
-                <a:schemeClr val="tx1"/>
-              </a:solidFill>
-              <a:effectLst>
-                <a:outerShdw blurRad="38100" dist="19050" dir="2700000" algn="tl" rotWithShape="0">
-                  <a:schemeClr val="dk1">
-                    <a:alpha val="40000"/>
-                  </a:schemeClr>
-                </a:outerShdw>
-              </a:effectLst>
-            </a:endParaRPr>
-          </a:p>
-        </p:txBody>
-      </p:sp>
-      <p:sp>
-        <p:nvSpPr>
-          <p:cNvPr id="3" name="TextBox 2">
-            <a:extLst>
-              <a:ext uri="{FF2B5EF4-FFF2-40B4-BE49-F238E27FC236}">
-                <a16:creationId xmlns:a16="http://schemas.microsoft.com/office/drawing/2014/main" xmlns="" id="{012D1EC2-56BF-9885-87A1-A9401EEB312F}"/>
-              </a:ext>
-            </a:extLst>
-          </p:cNvPr>
-          <p:cNvSpPr txBox="1"/>
-          <p:nvPr/>
-        </p:nvSpPr>
-        <p:spPr>
-          <a:xfrm>
-            <a:off x="500034" y="1428736"/>
-            <a:ext cx="6864470" cy="1091966"/>
-          </a:xfrm>
-          <a:prstGeom prst="rect">
-            <a:avLst/>
-          </a:prstGeom>
-          <a:noFill/>
         </p:spPr>
         <p:txBody>
           <a:bodyPr wrap="square">
@@ -8788,58 +9286,7 @@
           </a:bodyPr>
           <a:lstStyle/>
           <a:p>
-            <a:pPr>
-              <a:lnSpc>
-                <a:spcPct val="120000"/>
-              </a:lnSpc>
-            </a:pPr>
-            <a:r>
-              <a:rPr lang="en-IN" sz="2800" dirty="0">
-                <a:ln w="0"/>
-                <a:effectLst>
-                  <a:outerShdw blurRad="38100" dist="19050" dir="2700000" algn="tl" rotWithShape="0">
-                    <a:schemeClr val="dk1">
-                      <a:alpha val="40000"/>
-                    </a:schemeClr>
-                  </a:outerShdw>
-                </a:effectLst>
-                <a:ea typeface="+mj-ea"/>
-                <a:cs typeface="+mj-cs"/>
-              </a:rPr>
-              <a:t>Nowcast quarterly Gross Domestic Product (GDP)</a:t>
-            </a:r>
-          </a:p>
-        </p:txBody>
-      </p:sp>
-      <p:sp>
-        <p:nvSpPr>
-          <p:cNvPr id="4" name="TextBox 3">
-            <a:extLst>
-              <a:ext uri="{FF2B5EF4-FFF2-40B4-BE49-F238E27FC236}">
-                <a16:creationId xmlns:a16="http://schemas.microsoft.com/office/drawing/2014/main" xmlns="" id="{E7C6D2BA-9245-45C0-C828-74DD3265E1DA}"/>
-              </a:ext>
-            </a:extLst>
-          </p:cNvPr>
-          <p:cNvSpPr txBox="1"/>
-          <p:nvPr/>
-        </p:nvSpPr>
-        <p:spPr>
-          <a:xfrm>
-            <a:off x="644362" y="2949696"/>
-            <a:ext cx="9337838" cy="480131"/>
-          </a:xfrm>
-          <a:prstGeom prst="rect">
-            <a:avLst/>
-          </a:prstGeom>
-          <a:noFill/>
-        </p:spPr>
-        <p:txBody>
-          <a:bodyPr wrap="square">
-            <a:spAutoFit/>
-          </a:bodyPr>
-          <a:lstStyle/>
-          <a:p>
-            <a:pPr>
+            <a:pPr algn="ctr">
               <a:lnSpc>
                 <a:spcPct val="90000"/>
               </a:lnSpc>
@@ -8851,278 +9298,6 @@
               </a:spcAft>
             </a:pPr>
             <a:r>
-              <a:rPr lang="en-IN" sz="2800" dirty="0">
-                <a:ln w="0"/>
-                <a:effectLst>
-                  <a:outerShdw blurRad="38100" dist="19050" dir="2700000" algn="tl" rotWithShape="0">
-                    <a:schemeClr val="dk1">
-                      <a:alpha val="40000"/>
-                    </a:schemeClr>
-                  </a:outerShdw>
-                </a:effectLst>
-                <a:ea typeface="+mj-ea"/>
-                <a:cs typeface="+mj-cs"/>
-              </a:rPr>
-              <a:t>Nowcast monthly retail trade sales</a:t>
-            </a:r>
-            <a:endParaRPr lang="en-US" sz="2800" dirty="0">
-              <a:ln w="0"/>
-              <a:effectLst>
-                <a:outerShdw blurRad="38100" dist="19050" dir="2700000" algn="tl" rotWithShape="0">
-                  <a:schemeClr val="dk1">
-                    <a:alpha val="40000"/>
-                  </a:schemeClr>
-                </a:outerShdw>
-              </a:effectLst>
-              <a:ea typeface="+mj-ea"/>
-              <a:cs typeface="+mj-cs"/>
-            </a:endParaRPr>
-          </a:p>
-        </p:txBody>
-      </p:sp>
-      <p:sp>
-        <p:nvSpPr>
-          <p:cNvPr id="5" name="TextBox 4">
-            <a:extLst>
-              <a:ext uri="{FF2B5EF4-FFF2-40B4-BE49-F238E27FC236}">
-                <a16:creationId xmlns:a16="http://schemas.microsoft.com/office/drawing/2014/main" xmlns="" id="{16456762-A7D1-B535-CABB-B1766FEC0DA8}"/>
-              </a:ext>
-            </a:extLst>
-          </p:cNvPr>
-          <p:cNvSpPr txBox="1"/>
-          <p:nvPr/>
-        </p:nvSpPr>
-        <p:spPr>
-          <a:xfrm>
-            <a:off x="629406" y="3986851"/>
-            <a:ext cx="7380253" cy="480131"/>
-          </a:xfrm>
-          <a:prstGeom prst="rect">
-            <a:avLst/>
-          </a:prstGeom>
-          <a:noFill/>
-        </p:spPr>
-        <p:txBody>
-          <a:bodyPr wrap="square">
-            <a:spAutoFit/>
-          </a:bodyPr>
-          <a:lstStyle/>
-          <a:p>
-            <a:pPr>
-              <a:lnSpc>
-                <a:spcPct val="90000"/>
-              </a:lnSpc>
-              <a:spcBef>
-                <a:spcPct val="0"/>
-              </a:spcBef>
-              <a:spcAft>
-                <a:spcPts val="600"/>
-              </a:spcAft>
-            </a:pPr>
-            <a:r>
-              <a:rPr lang="en-IN" sz="2800" dirty="0">
-                <a:ln w="0"/>
-                <a:effectLst>
-                  <a:outerShdw blurRad="38100" dist="19050" dir="2700000" algn="tl" rotWithShape="0">
-                    <a:schemeClr val="dk1">
-                      <a:alpha val="40000"/>
-                    </a:schemeClr>
-                  </a:outerShdw>
-                </a:effectLst>
-                <a:ea typeface="+mj-ea"/>
-                <a:cs typeface="+mj-cs"/>
-              </a:rPr>
-              <a:t>Nowcast monthly retail E-commerce sales</a:t>
-            </a:r>
-            <a:endParaRPr lang="en-US" sz="2800" dirty="0" err="1">
-              <a:ln w="0"/>
-              <a:effectLst>
-                <a:outerShdw blurRad="38100" dist="19050" dir="2700000" algn="tl" rotWithShape="0">
-                  <a:schemeClr val="dk1">
-                    <a:alpha val="40000"/>
-                  </a:schemeClr>
-                </a:outerShdw>
-              </a:effectLst>
-              <a:ea typeface="+mj-ea"/>
-              <a:cs typeface="+mj-cs"/>
-            </a:endParaRPr>
-          </a:p>
-        </p:txBody>
-      </p:sp>
-    </p:spTree>
-  </p:cSld>
-  <p:clrMapOvr>
-    <a:masterClrMapping/>
-  </p:clrMapOvr>
-</p:sld>
-</file>
-
-<file path=ppt/slides/slide14.xml><?xml version="1.0" encoding="utf-8"?>
-<p:sld xmlns:a="http://schemas.openxmlformats.org/drawingml/2006/main" xmlns:r="http://schemas.openxmlformats.org/officeDocument/2006/relationships" xmlns:p="http://schemas.openxmlformats.org/presentationml/2006/main">
-  <p:cSld>
-    <p:spTree>
-      <p:nvGrpSpPr>
-        <p:cNvPr id="1" name=""/>
-        <p:cNvGrpSpPr/>
-        <p:nvPr/>
-      </p:nvGrpSpPr>
-      <p:grpSpPr>
-        <a:xfrm>
-          <a:off x="0" y="0"/>
-          <a:ext cx="0" cy="0"/>
-          <a:chOff x="0" y="0"/>
-          <a:chExt cx="0" cy="0"/>
-        </a:xfrm>
-      </p:grpSpPr>
-      <p:pic>
-        <p:nvPicPr>
-          <p:cNvPr id="2050" name="Picture 2"/>
-          <p:cNvPicPr>
-            <a:picLocks noChangeAspect="1" noChangeArrowheads="1"/>
-          </p:cNvPicPr>
-          <p:nvPr/>
-        </p:nvPicPr>
-        <p:blipFill>
-          <a:blip r:embed="rId2"/>
-          <a:srcRect l="16471" t="9765" r="15995" b="6250"/>
-          <a:stretch>
-            <a:fillRect/>
-          </a:stretch>
-        </p:blipFill>
-        <p:spPr bwMode="auto">
-          <a:xfrm>
-            <a:off x="142844" y="214290"/>
-            <a:ext cx="8786874" cy="6143644"/>
-          </a:xfrm>
-          <a:prstGeom prst="rect">
-            <a:avLst/>
-          </a:prstGeom>
-          <a:noFill/>
-          <a:ln w="9525">
-            <a:noFill/>
-            <a:miter lim="800000"/>
-            <a:headEnd/>
-            <a:tailEnd/>
-          </a:ln>
-          <a:effectLst/>
-        </p:spPr>
-      </p:pic>
-    </p:spTree>
-  </p:cSld>
-  <p:clrMapOvr>
-    <a:masterClrMapping/>
-  </p:clrMapOvr>
-</p:sld>
-</file>
-
-<file path=ppt/slides/slide15.xml><?xml version="1.0" encoding="utf-8"?>
-<p:sld xmlns:a="http://schemas.openxmlformats.org/drawingml/2006/main" xmlns:r="http://schemas.openxmlformats.org/officeDocument/2006/relationships" xmlns:p="http://schemas.openxmlformats.org/presentationml/2006/main">
-  <p:cSld>
-    <p:spTree>
-      <p:nvGrpSpPr>
-        <p:cNvPr id="1" name=""/>
-        <p:cNvGrpSpPr/>
-        <p:nvPr/>
-      </p:nvGrpSpPr>
-      <p:grpSpPr>
-        <a:xfrm>
-          <a:off x="0" y="0"/>
-          <a:ext cx="0" cy="0"/>
-          <a:chOff x="0" y="0"/>
-          <a:chExt cx="0" cy="0"/>
-        </a:xfrm>
-      </p:grpSpPr>
-      <p:pic>
-        <p:nvPicPr>
-          <p:cNvPr id="3074" name="Picture 2"/>
-          <p:cNvPicPr>
-            <a:picLocks noChangeAspect="1" noChangeArrowheads="1"/>
-          </p:cNvPicPr>
-          <p:nvPr/>
-        </p:nvPicPr>
-        <p:blipFill>
-          <a:blip r:embed="rId2"/>
-          <a:srcRect l="16471" t="9765" r="15995" b="12109"/>
-          <a:stretch>
-            <a:fillRect/>
-          </a:stretch>
-        </p:blipFill>
-        <p:spPr bwMode="auto">
-          <a:xfrm>
-            <a:off x="214282" y="357166"/>
-            <a:ext cx="8786874" cy="5715040"/>
-          </a:xfrm>
-          <a:prstGeom prst="rect">
-            <a:avLst/>
-          </a:prstGeom>
-          <a:noFill/>
-          <a:ln w="9525">
-            <a:noFill/>
-            <a:miter lim="800000"/>
-            <a:headEnd/>
-            <a:tailEnd/>
-          </a:ln>
-          <a:effectLst/>
-        </p:spPr>
-      </p:pic>
-    </p:spTree>
-  </p:cSld>
-  <p:clrMapOvr>
-    <a:masterClrMapping/>
-  </p:clrMapOvr>
-</p:sld>
-</file>
-
-<file path=ppt/slides/slide16.xml><?xml version="1.0" encoding="utf-8"?>
-<p:sld xmlns:a="http://schemas.openxmlformats.org/drawingml/2006/main" xmlns:r="http://schemas.openxmlformats.org/officeDocument/2006/relationships" xmlns:p="http://schemas.openxmlformats.org/presentationml/2006/main">
-  <p:cSld>
-    <p:spTree>
-      <p:nvGrpSpPr>
-        <p:cNvPr id="1" name=""/>
-        <p:cNvGrpSpPr/>
-        <p:nvPr/>
-      </p:nvGrpSpPr>
-      <p:grpSpPr>
-        <a:xfrm>
-          <a:off x="0" y="0"/>
-          <a:ext cx="0" cy="0"/>
-          <a:chOff x="0" y="0"/>
-          <a:chExt cx="0" cy="0"/>
-        </a:xfrm>
-      </p:grpSpPr>
-      <p:sp>
-        <p:nvSpPr>
-          <p:cNvPr id="2" name="Rectangle 1"/>
-          <p:cNvSpPr/>
-          <p:nvPr/>
-        </p:nvSpPr>
-        <p:spPr>
-          <a:xfrm>
-            <a:off x="0" y="0"/>
-            <a:ext cx="8143900" cy="7518981"/>
-          </a:xfrm>
-          <a:prstGeom prst="rect">
-            <a:avLst/>
-          </a:prstGeom>
-        </p:spPr>
-        <p:txBody>
-          <a:bodyPr wrap="square">
-            <a:spAutoFit/>
-          </a:bodyPr>
-          <a:lstStyle/>
-          <a:p>
-            <a:pPr>
-              <a:lnSpc>
-                <a:spcPct val="90000"/>
-              </a:lnSpc>
-              <a:spcBef>
-                <a:spcPct val="0"/>
-              </a:spcBef>
-              <a:spcAft>
-                <a:spcPts val="600"/>
-              </a:spcAft>
-            </a:pPr>
-            <a:r>
               <a:rPr lang="en-CA" sz="2800" b="1" dirty="0" smtClean="0">
                 <a:ln w="0"/>
                 <a:effectLst>
@@ -9133,33 +9308,7 @@
                   </a:outerShdw>
                 </a:effectLst>
               </a:rPr>
-              <a:t> Why use Google Trends for </a:t>
-            </a:r>
-            <a:r>
-              <a:rPr lang="en-CA" sz="2800" b="1" dirty="0" err="1" smtClean="0">
-                <a:ln w="0"/>
-                <a:effectLst>
-                  <a:outerShdw blurRad="38100" dist="19050" dir="2700000" algn="tl" rotWithShape="0">
-                    <a:schemeClr val="dk1">
-                      <a:alpha val="40000"/>
-                    </a:schemeClr>
-                  </a:outerShdw>
-                </a:effectLst>
-              </a:rPr>
-              <a:t>nowcasting</a:t>
-            </a:r>
-            <a:r>
-              <a:rPr lang="en-CA" sz="2800" b="1" dirty="0" smtClean="0">
-                <a:ln w="0"/>
-                <a:effectLst>
-                  <a:outerShdw blurRad="38100" dist="19050" dir="2700000" algn="tl" rotWithShape="0">
-                    <a:schemeClr val="dk1">
-                      <a:alpha val="40000"/>
-                    </a:schemeClr>
-                  </a:outerShdw>
-                </a:effectLst>
-              </a:rPr>
-              <a:t>? </a:t>
+              <a:t> Why use Google Trends over historical time series data? </a:t>
             </a:r>
           </a:p>
           <a:p>
@@ -9230,6 +9379,17 @@
             <a:endParaRPr lang="en-IN" sz="2800" b="1" dirty="0"/>
           </a:p>
           <a:p>
+            <a:pPr algn="ctr"/>
+            <a:r>
+              <a:rPr lang="en-IN" b="1" dirty="0" smtClean="0"/>
+              <a:t>                   Figure _ :</a:t>
+            </a:r>
+            <a:r>
+              <a:rPr lang="en-IN" dirty="0" smtClean="0"/>
+              <a:t> GDP fitted and predicted value using historical  time series data </a:t>
+            </a:r>
+          </a:p>
+          <a:p>
             <a:endParaRPr lang="en-IN" sz="2800" b="1" dirty="0" smtClean="0"/>
           </a:p>
           <a:p>
@@ -9237,20 +9397,6 @@
           </a:p>
           <a:p>
             <a:endParaRPr lang="en-IN" sz="2800" b="1" dirty="0" smtClean="0"/>
-          </a:p>
-          <a:p>
-            <a:r>
-              <a:rPr lang="en-IN" sz="2800" b="1" dirty="0" smtClean="0"/>
-              <a:t>Figure </a:t>
-            </a:r>
-            <a:r>
-              <a:rPr lang="en-IN" sz="2800" b="1" dirty="0"/>
-              <a:t>_ :</a:t>
-            </a:r>
-            <a:r>
-              <a:rPr lang="en-IN" sz="2800" dirty="0"/>
-              <a:t> GDP fitted and predicted value without using Google trends </a:t>
-            </a:r>
           </a:p>
           <a:p>
             <a:r>
@@ -9316,7 +9462,7 @@
 </p:sld>
 </file>
 
-<file path=ppt/slides/slide17.xml><?xml version="1.0" encoding="utf-8"?>
+<file path=ppt/slides/slide14.xml><?xml version="1.0" encoding="utf-8"?>
 <p:sld xmlns:a="http://schemas.openxmlformats.org/drawingml/2006/main" xmlns:r="http://schemas.openxmlformats.org/officeDocument/2006/relationships" xmlns:p="http://schemas.openxmlformats.org/presentationml/2006/main">
   <p:cSld>
     <p:spTree>
@@ -9419,7 +9565,7 @@
               <a:tabLst/>
             </a:pPr>
             <a:r>
-              <a:rPr kumimoji="0" lang="en-IN" sz="1200" b="1" i="0" u="none" strike="noStrike" cap="none" normalizeH="0" baseline="0" dirty="0" smtClean="0">
+              <a:rPr kumimoji="0" lang="en-IN" sz="1400" b="1" i="0" u="none" strike="noStrike" cap="none" normalizeH="0" baseline="0" dirty="0" smtClean="0">
                 <a:ln>
                   <a:noFill/>
                 </a:ln>
@@ -9433,7 +9579,7 @@
               <a:t>Figure _ :</a:t>
             </a:r>
             <a:r>
-              <a:rPr kumimoji="0" lang="en-IN" sz="1200" b="0" i="0" u="none" strike="noStrike" cap="none" normalizeH="0" baseline="0" dirty="0" smtClean="0">
+              <a:rPr kumimoji="0" lang="en-IN" sz="1400" b="0" i="0" u="none" strike="noStrike" cap="none" normalizeH="0" baseline="0" dirty="0" smtClean="0">
                 <a:ln>
                   <a:noFill/>
                 </a:ln>
@@ -9446,7 +9592,7 @@
               </a:rPr>
               <a:t> GDP fitted and predicted value with Google trends </a:t>
             </a:r>
-            <a:endParaRPr kumimoji="0" lang="en-US" sz="3600" b="0" i="0" u="none" strike="noStrike" cap="none" normalizeH="0" baseline="0" dirty="0" smtClean="0">
+            <a:endParaRPr kumimoji="0" lang="en-US" sz="4000" b="0" i="0" u="none" strike="noStrike" cap="none" normalizeH="0" baseline="0" dirty="0" smtClean="0">
               <a:ln>
                 <a:noFill/>
               </a:ln>
@@ -9461,6 +9607,1164 @@
         </p:txBody>
       </p:sp>
     </p:spTree>
+  </p:cSld>
+  <p:clrMapOvr>
+    <a:masterClrMapping/>
+  </p:clrMapOvr>
+</p:sld>
+</file>
+
+<file path=ppt/slides/slide15.xml><?xml version="1.0" encoding="utf-8"?>
+<p:sld xmlns:a="http://schemas.openxmlformats.org/drawingml/2006/main" xmlns:r="http://schemas.openxmlformats.org/officeDocument/2006/relationships" xmlns:p="http://schemas.openxmlformats.org/presentationml/2006/main">
+  <p:cSld>
+    <p:spTree>
+      <p:nvGrpSpPr>
+        <p:cNvPr id="1" name=""/>
+        <p:cNvGrpSpPr/>
+        <p:nvPr/>
+      </p:nvGrpSpPr>
+      <p:grpSpPr>
+        <a:xfrm>
+          <a:off x="0" y="0"/>
+          <a:ext cx="0" cy="0"/>
+          <a:chOff x="0" y="0"/>
+          <a:chExt cx="0" cy="0"/>
+        </a:xfrm>
+      </p:grpSpPr>
+      <p:sp>
+        <p:nvSpPr>
+          <p:cNvPr id="2" name="Rectangle 1">
+            <a:extLst>
+              <a:ext uri="{FF2B5EF4-FFF2-40B4-BE49-F238E27FC236}">
+                <a16:creationId xmlns:a16="http://schemas.microsoft.com/office/drawing/2014/main" xmlns="" id="{430A6DD4-D65F-6546-7369-90CB32F81A12}"/>
+              </a:ext>
+            </a:extLst>
+          </p:cNvPr>
+          <p:cNvSpPr/>
+          <p:nvPr/>
+        </p:nvSpPr>
+        <p:spPr>
+          <a:xfrm>
+            <a:off x="-1143040" y="285728"/>
+            <a:ext cx="5713219" cy="707886"/>
+          </a:xfrm>
+          <a:prstGeom prst="rect">
+            <a:avLst/>
+          </a:prstGeom>
+          <a:noFill/>
+        </p:spPr>
+        <p:txBody>
+          <a:bodyPr wrap="square" lIns="91440" tIns="45720" rIns="91440" bIns="45720">
+            <a:spAutoFit/>
+          </a:bodyPr>
+          <a:lstStyle/>
+          <a:p>
+            <a:pPr algn="ctr"/>
+            <a:r>
+              <a:rPr lang="en-GB" sz="4000" b="1" dirty="0" smtClean="0">
+                <a:ln w="0"/>
+                <a:effectLst>
+                  <a:outerShdw blurRad="38100" dist="19050" dir="2700000" algn="tl" rotWithShape="0">
+                    <a:schemeClr val="dk1">
+                      <a:alpha val="40000"/>
+                    </a:schemeClr>
+                  </a:outerShdw>
+                </a:effectLst>
+              </a:rPr>
+              <a:t>OBJECTIVE</a:t>
+            </a:r>
+            <a:endParaRPr lang="en-GB" sz="4000" b="1" cap="none" spc="0" dirty="0">
+              <a:ln w="0"/>
+              <a:solidFill>
+                <a:schemeClr val="tx1"/>
+              </a:solidFill>
+              <a:effectLst>
+                <a:outerShdw blurRad="38100" dist="19050" dir="2700000" algn="tl" rotWithShape="0">
+                  <a:schemeClr val="dk1">
+                    <a:alpha val="40000"/>
+                  </a:schemeClr>
+                </a:outerShdw>
+              </a:effectLst>
+            </a:endParaRPr>
+          </a:p>
+        </p:txBody>
+      </p:sp>
+      <p:sp>
+        <p:nvSpPr>
+          <p:cNvPr id="3" name="TextBox 2">
+            <a:extLst>
+              <a:ext uri="{FF2B5EF4-FFF2-40B4-BE49-F238E27FC236}">
+                <a16:creationId xmlns:a16="http://schemas.microsoft.com/office/drawing/2014/main" xmlns="" id="{012D1EC2-56BF-9885-87A1-A9401EEB312F}"/>
+              </a:ext>
+            </a:extLst>
+          </p:cNvPr>
+          <p:cNvSpPr txBox="1"/>
+          <p:nvPr/>
+        </p:nvSpPr>
+        <p:spPr>
+          <a:xfrm>
+            <a:off x="500034" y="1428736"/>
+            <a:ext cx="8286808" cy="609398"/>
+          </a:xfrm>
+          <a:prstGeom prst="rect">
+            <a:avLst/>
+          </a:prstGeom>
+          <a:noFill/>
+        </p:spPr>
+        <p:txBody>
+          <a:bodyPr wrap="square">
+            <a:spAutoFit/>
+          </a:bodyPr>
+          <a:lstStyle/>
+          <a:p>
+            <a:pPr>
+              <a:lnSpc>
+                <a:spcPct val="120000"/>
+              </a:lnSpc>
+              <a:buFont typeface="Wingdings" pitchFamily="2" charset="2"/>
+              <a:buChar char="Ø"/>
+            </a:pPr>
+            <a:r>
+              <a:rPr lang="en-IN" sz="2800" dirty="0" smtClean="0">
+                <a:ln w="0"/>
+                <a:effectLst>
+                  <a:outerShdw blurRad="38100" dist="19050" dir="2700000" algn="tl" rotWithShape="0">
+                    <a:schemeClr val="dk1">
+                      <a:alpha val="40000"/>
+                    </a:schemeClr>
+                  </a:outerShdw>
+                </a:effectLst>
+                <a:ea typeface="+mj-ea"/>
+                <a:cs typeface="+mj-cs"/>
+              </a:rPr>
+              <a:t> </a:t>
+            </a:r>
+            <a:r>
+              <a:rPr lang="en-IN" sz="2800" dirty="0" err="1" smtClean="0">
+                <a:ln w="0"/>
+                <a:effectLst>
+                  <a:outerShdw blurRad="38100" dist="19050" dir="2700000" algn="tl" rotWithShape="0">
+                    <a:schemeClr val="dk1">
+                      <a:alpha val="40000"/>
+                    </a:schemeClr>
+                  </a:outerShdw>
+                </a:effectLst>
+                <a:ea typeface="+mj-ea"/>
+                <a:cs typeface="+mj-cs"/>
+              </a:rPr>
+              <a:t>Nowcast</a:t>
+            </a:r>
+            <a:r>
+              <a:rPr lang="en-IN" sz="2800" dirty="0" smtClean="0">
+                <a:ln w="0"/>
+                <a:effectLst>
+                  <a:outerShdw blurRad="38100" dist="19050" dir="2700000" algn="tl" rotWithShape="0">
+                    <a:schemeClr val="dk1">
+                      <a:alpha val="40000"/>
+                    </a:schemeClr>
+                  </a:outerShdw>
+                </a:effectLst>
+                <a:ea typeface="+mj-ea"/>
+                <a:cs typeface="+mj-cs"/>
+              </a:rPr>
+              <a:t> </a:t>
+            </a:r>
+            <a:r>
+              <a:rPr lang="en-IN" sz="2800" dirty="0">
+                <a:ln w="0"/>
+                <a:effectLst>
+                  <a:outerShdw blurRad="38100" dist="19050" dir="2700000" algn="tl" rotWithShape="0">
+                    <a:schemeClr val="dk1">
+                      <a:alpha val="40000"/>
+                    </a:schemeClr>
+                  </a:outerShdw>
+                </a:effectLst>
+                <a:ea typeface="+mj-ea"/>
+                <a:cs typeface="+mj-cs"/>
+              </a:rPr>
+              <a:t>quarterly Gross Domestic Product (GDP)</a:t>
+            </a:r>
+          </a:p>
+        </p:txBody>
+      </p:sp>
+      <p:sp>
+        <p:nvSpPr>
+          <p:cNvPr id="4" name="TextBox 3">
+            <a:extLst>
+              <a:ext uri="{FF2B5EF4-FFF2-40B4-BE49-F238E27FC236}">
+                <a16:creationId xmlns:a16="http://schemas.microsoft.com/office/drawing/2014/main" xmlns="" id="{E7C6D2BA-9245-45C0-C828-74DD3265E1DA}"/>
+              </a:ext>
+            </a:extLst>
+          </p:cNvPr>
+          <p:cNvSpPr txBox="1"/>
+          <p:nvPr/>
+        </p:nvSpPr>
+        <p:spPr>
+          <a:xfrm>
+            <a:off x="571472" y="2714620"/>
+            <a:ext cx="9337838" cy="480131"/>
+          </a:xfrm>
+          <a:prstGeom prst="rect">
+            <a:avLst/>
+          </a:prstGeom>
+          <a:noFill/>
+        </p:spPr>
+        <p:txBody>
+          <a:bodyPr wrap="square">
+            <a:spAutoFit/>
+          </a:bodyPr>
+          <a:lstStyle/>
+          <a:p>
+            <a:pPr>
+              <a:lnSpc>
+                <a:spcPct val="90000"/>
+              </a:lnSpc>
+              <a:spcBef>
+                <a:spcPct val="0"/>
+              </a:spcBef>
+              <a:spcAft>
+                <a:spcPts val="600"/>
+              </a:spcAft>
+              <a:buFont typeface="Wingdings" pitchFamily="2" charset="2"/>
+              <a:buChar char="Ø"/>
+            </a:pPr>
+            <a:r>
+              <a:rPr lang="en-IN" sz="2800" dirty="0" smtClean="0">
+                <a:ln w="0"/>
+                <a:effectLst>
+                  <a:outerShdw blurRad="38100" dist="19050" dir="2700000" algn="tl" rotWithShape="0">
+                    <a:schemeClr val="dk1">
+                      <a:alpha val="40000"/>
+                    </a:schemeClr>
+                  </a:outerShdw>
+                </a:effectLst>
+                <a:ea typeface="+mj-ea"/>
+                <a:cs typeface="+mj-cs"/>
+              </a:rPr>
+              <a:t> </a:t>
+            </a:r>
+            <a:r>
+              <a:rPr lang="en-IN" sz="2800" dirty="0" err="1" smtClean="0">
+                <a:ln w="0"/>
+                <a:effectLst>
+                  <a:outerShdw blurRad="38100" dist="19050" dir="2700000" algn="tl" rotWithShape="0">
+                    <a:schemeClr val="dk1">
+                      <a:alpha val="40000"/>
+                    </a:schemeClr>
+                  </a:outerShdw>
+                </a:effectLst>
+                <a:ea typeface="+mj-ea"/>
+                <a:cs typeface="+mj-cs"/>
+              </a:rPr>
+              <a:t>Nowcast</a:t>
+            </a:r>
+            <a:r>
+              <a:rPr lang="en-IN" sz="2800" dirty="0" smtClean="0">
+                <a:ln w="0"/>
+                <a:effectLst>
+                  <a:outerShdw blurRad="38100" dist="19050" dir="2700000" algn="tl" rotWithShape="0">
+                    <a:schemeClr val="dk1">
+                      <a:alpha val="40000"/>
+                    </a:schemeClr>
+                  </a:outerShdw>
+                </a:effectLst>
+                <a:ea typeface="+mj-ea"/>
+                <a:cs typeface="+mj-cs"/>
+              </a:rPr>
+              <a:t> </a:t>
+            </a:r>
+            <a:r>
+              <a:rPr lang="en-IN" sz="2800" dirty="0">
+                <a:ln w="0"/>
+                <a:effectLst>
+                  <a:outerShdw blurRad="38100" dist="19050" dir="2700000" algn="tl" rotWithShape="0">
+                    <a:schemeClr val="dk1">
+                      <a:alpha val="40000"/>
+                    </a:schemeClr>
+                  </a:outerShdw>
+                </a:effectLst>
+                <a:ea typeface="+mj-ea"/>
+                <a:cs typeface="+mj-cs"/>
+              </a:rPr>
+              <a:t>monthly retail trade sales</a:t>
+            </a:r>
+            <a:endParaRPr lang="en-US" sz="2800" dirty="0">
+              <a:ln w="0"/>
+              <a:effectLst>
+                <a:outerShdw blurRad="38100" dist="19050" dir="2700000" algn="tl" rotWithShape="0">
+                  <a:schemeClr val="dk1">
+                    <a:alpha val="40000"/>
+                  </a:schemeClr>
+                </a:outerShdw>
+              </a:effectLst>
+              <a:ea typeface="+mj-ea"/>
+              <a:cs typeface="+mj-cs"/>
+            </a:endParaRPr>
+          </a:p>
+        </p:txBody>
+      </p:sp>
+      <p:sp>
+        <p:nvSpPr>
+          <p:cNvPr id="5" name="TextBox 4">
+            <a:extLst>
+              <a:ext uri="{FF2B5EF4-FFF2-40B4-BE49-F238E27FC236}">
+                <a16:creationId xmlns:a16="http://schemas.microsoft.com/office/drawing/2014/main" xmlns="" id="{16456762-A7D1-B535-CABB-B1766FEC0DA8}"/>
+              </a:ext>
+            </a:extLst>
+          </p:cNvPr>
+          <p:cNvSpPr txBox="1"/>
+          <p:nvPr/>
+        </p:nvSpPr>
+        <p:spPr>
+          <a:xfrm>
+            <a:off x="571472" y="3929066"/>
+            <a:ext cx="7380253" cy="480131"/>
+          </a:xfrm>
+          <a:prstGeom prst="rect">
+            <a:avLst/>
+          </a:prstGeom>
+          <a:noFill/>
+        </p:spPr>
+        <p:txBody>
+          <a:bodyPr wrap="square">
+            <a:spAutoFit/>
+          </a:bodyPr>
+          <a:lstStyle/>
+          <a:p>
+            <a:pPr>
+              <a:lnSpc>
+                <a:spcPct val="90000"/>
+              </a:lnSpc>
+              <a:spcBef>
+                <a:spcPct val="0"/>
+              </a:spcBef>
+              <a:spcAft>
+                <a:spcPts val="600"/>
+              </a:spcAft>
+              <a:buFont typeface="Wingdings" pitchFamily="2" charset="2"/>
+              <a:buChar char="Ø"/>
+            </a:pPr>
+            <a:r>
+              <a:rPr lang="en-IN" sz="2800" dirty="0" smtClean="0">
+                <a:ln w="0"/>
+                <a:effectLst>
+                  <a:outerShdw blurRad="38100" dist="19050" dir="2700000" algn="tl" rotWithShape="0">
+                    <a:schemeClr val="dk1">
+                      <a:alpha val="40000"/>
+                    </a:schemeClr>
+                  </a:outerShdw>
+                </a:effectLst>
+                <a:ea typeface="+mj-ea"/>
+                <a:cs typeface="+mj-cs"/>
+              </a:rPr>
+              <a:t> </a:t>
+            </a:r>
+            <a:r>
+              <a:rPr lang="en-IN" sz="2800" dirty="0" err="1" smtClean="0">
+                <a:ln w="0"/>
+                <a:effectLst>
+                  <a:outerShdw blurRad="38100" dist="19050" dir="2700000" algn="tl" rotWithShape="0">
+                    <a:schemeClr val="dk1">
+                      <a:alpha val="40000"/>
+                    </a:schemeClr>
+                  </a:outerShdw>
+                </a:effectLst>
+                <a:ea typeface="+mj-ea"/>
+                <a:cs typeface="+mj-cs"/>
+              </a:rPr>
+              <a:t>Nowcast</a:t>
+            </a:r>
+            <a:r>
+              <a:rPr lang="en-IN" sz="2800" dirty="0" smtClean="0">
+                <a:ln w="0"/>
+                <a:effectLst>
+                  <a:outerShdw blurRad="38100" dist="19050" dir="2700000" algn="tl" rotWithShape="0">
+                    <a:schemeClr val="dk1">
+                      <a:alpha val="40000"/>
+                    </a:schemeClr>
+                  </a:outerShdw>
+                </a:effectLst>
+                <a:ea typeface="+mj-ea"/>
+                <a:cs typeface="+mj-cs"/>
+              </a:rPr>
+              <a:t> </a:t>
+            </a:r>
+            <a:r>
+              <a:rPr lang="en-IN" sz="2800" dirty="0">
+                <a:ln w="0"/>
+                <a:effectLst>
+                  <a:outerShdw blurRad="38100" dist="19050" dir="2700000" algn="tl" rotWithShape="0">
+                    <a:schemeClr val="dk1">
+                      <a:alpha val="40000"/>
+                    </a:schemeClr>
+                  </a:outerShdw>
+                </a:effectLst>
+                <a:ea typeface="+mj-ea"/>
+                <a:cs typeface="+mj-cs"/>
+              </a:rPr>
+              <a:t>monthly retail E-commerce sales</a:t>
+            </a:r>
+            <a:endParaRPr lang="en-US" sz="2800" dirty="0" err="1">
+              <a:ln w="0"/>
+              <a:effectLst>
+                <a:outerShdw blurRad="38100" dist="19050" dir="2700000" algn="tl" rotWithShape="0">
+                  <a:schemeClr val="dk1">
+                    <a:alpha val="40000"/>
+                  </a:schemeClr>
+                </a:outerShdw>
+              </a:effectLst>
+              <a:ea typeface="+mj-ea"/>
+              <a:cs typeface="+mj-cs"/>
+            </a:endParaRPr>
+          </a:p>
+        </p:txBody>
+      </p:sp>
+      <p:sp>
+        <p:nvSpPr>
+          <p:cNvPr id="6" name="TextBox 5"/>
+          <p:cNvSpPr txBox="1"/>
+          <p:nvPr/>
+        </p:nvSpPr>
+        <p:spPr>
+          <a:xfrm>
+            <a:off x="0" y="5143512"/>
+            <a:ext cx="9286940" cy="757130"/>
+          </a:xfrm>
+          <a:prstGeom prst="rect">
+            <a:avLst/>
+          </a:prstGeom>
+          <a:noFill/>
+        </p:spPr>
+        <p:txBody>
+          <a:bodyPr wrap="square" rtlCol="0">
+            <a:spAutoFit/>
+          </a:bodyPr>
+          <a:lstStyle/>
+          <a:p>
+            <a:pPr>
+              <a:lnSpc>
+                <a:spcPct val="90000"/>
+              </a:lnSpc>
+              <a:spcBef>
+                <a:spcPct val="0"/>
+              </a:spcBef>
+              <a:spcAft>
+                <a:spcPts val="600"/>
+              </a:spcAft>
+            </a:pPr>
+            <a:r>
+              <a:rPr lang="en-CA" sz="2400" dirty="0" smtClean="0">
+                <a:ln w="0"/>
+                <a:effectLst>
+                  <a:outerShdw blurRad="38100" dist="19050" dir="2700000" algn="tl" rotWithShape="0">
+                    <a:schemeClr val="dk1">
+                      <a:alpha val="40000"/>
+                    </a:schemeClr>
+                  </a:outerShdw>
+                </a:effectLst>
+                <a:ea typeface="+mj-ea"/>
+                <a:cs typeface="+mj-cs"/>
+              </a:rPr>
+              <a:t>Using related queries, topics, keywords of different industrial categories to capture business cycles for economic factors.</a:t>
+            </a:r>
+            <a:endParaRPr lang="en-GB" sz="2400" dirty="0" err="1" smtClean="0">
+              <a:ln w="0"/>
+              <a:effectLst>
+                <a:outerShdw blurRad="38100" dist="19050" dir="2700000" algn="tl" rotWithShape="0">
+                  <a:schemeClr val="dk1">
+                    <a:alpha val="40000"/>
+                  </a:schemeClr>
+                </a:outerShdw>
+              </a:effectLst>
+              <a:ea typeface="+mj-ea"/>
+              <a:cs typeface="+mj-cs"/>
+            </a:endParaRPr>
+          </a:p>
+        </p:txBody>
+      </p:sp>
+    </p:spTree>
+  </p:cSld>
+  <p:clrMapOvr>
+    <a:masterClrMapping/>
+  </p:clrMapOvr>
+</p:sld>
+</file>
+
+<file path=ppt/slides/slide16.xml><?xml version="1.0" encoding="utf-8"?>
+<p:sld xmlns:a="http://schemas.openxmlformats.org/drawingml/2006/main" xmlns:r="http://schemas.openxmlformats.org/officeDocument/2006/relationships" xmlns:p="http://schemas.openxmlformats.org/presentationml/2006/main">
+  <p:cSld>
+    <p:spTree>
+      <p:nvGrpSpPr>
+        <p:cNvPr id="1" name=""/>
+        <p:cNvGrpSpPr/>
+        <p:nvPr/>
+      </p:nvGrpSpPr>
+      <p:grpSpPr>
+        <a:xfrm>
+          <a:off x="0" y="0"/>
+          <a:ext cx="0" cy="0"/>
+          <a:chOff x="0" y="0"/>
+          <a:chExt cx="0" cy="0"/>
+        </a:xfrm>
+      </p:grpSpPr>
+      <p:sp>
+        <p:nvSpPr>
+          <p:cNvPr id="2" name="Title 1"/>
+          <p:cNvSpPr>
+            <a:spLocks noGrp="1"/>
+          </p:cNvSpPr>
+          <p:nvPr>
+            <p:ph type="title"/>
+          </p:nvPr>
+        </p:nvSpPr>
+        <p:spPr>
+          <a:xfrm>
+            <a:off x="500034" y="500042"/>
+            <a:ext cx="8229600" cy="725470"/>
+          </a:xfrm>
+        </p:spPr>
+        <p:txBody>
+          <a:bodyPr>
+            <a:normAutofit fontScale="90000"/>
+          </a:bodyPr>
+          <a:lstStyle/>
+          <a:p>
+            <a:r>
+              <a:rPr lang="en-IN" b="1" dirty="0" smtClean="0"/>
+              <a:t>Why </a:t>
+            </a:r>
+            <a:r>
+              <a:rPr lang="en-IN" b="1" dirty="0" err="1" smtClean="0"/>
+              <a:t>nowcasting</a:t>
+            </a:r>
+            <a:r>
+              <a:rPr lang="en-IN" b="1" dirty="0" smtClean="0"/>
+              <a:t> not </a:t>
+            </a:r>
+            <a:r>
+              <a:rPr lang="en-IN" b="1" dirty="0" err="1" smtClean="0"/>
+              <a:t>forescasting</a:t>
+            </a:r>
+            <a:r>
+              <a:rPr lang="en-IN" b="1" dirty="0" smtClean="0"/>
+              <a:t>?</a:t>
+            </a:r>
+            <a:br>
+              <a:rPr lang="en-IN" b="1" dirty="0" smtClean="0"/>
+            </a:br>
+            <a:endParaRPr lang="en-IN" b="1" dirty="0"/>
+          </a:p>
+        </p:txBody>
+      </p:sp>
+      <p:sp>
+        <p:nvSpPr>
+          <p:cNvPr id="3" name="Text Placeholder 2"/>
+          <p:cNvSpPr>
+            <a:spLocks noGrp="1"/>
+          </p:cNvSpPr>
+          <p:nvPr>
+            <p:ph type="body" idx="1"/>
+          </p:nvPr>
+        </p:nvSpPr>
+        <p:spPr>
+          <a:xfrm>
+            <a:off x="0" y="2285968"/>
+            <a:ext cx="4040188" cy="571504"/>
+          </a:xfrm>
+        </p:spPr>
+        <p:txBody>
+          <a:bodyPr/>
+          <a:lstStyle/>
+          <a:p>
+            <a:pPr algn="ctr"/>
+            <a:r>
+              <a:rPr lang="en-IN" dirty="0" err="1" smtClean="0"/>
+              <a:t>Nowcasting</a:t>
+            </a:r>
+            <a:endParaRPr lang="en-IN" dirty="0"/>
+          </a:p>
+        </p:txBody>
+      </p:sp>
+      <p:sp>
+        <p:nvSpPr>
+          <p:cNvPr id="4" name="Content Placeholder 3"/>
+          <p:cNvSpPr>
+            <a:spLocks noGrp="1"/>
+          </p:cNvSpPr>
+          <p:nvPr>
+            <p:ph sz="half" idx="2"/>
+          </p:nvPr>
+        </p:nvSpPr>
+        <p:spPr>
+          <a:xfrm>
+            <a:off x="428596" y="3286100"/>
+            <a:ext cx="4211668" cy="3571900"/>
+          </a:xfrm>
+        </p:spPr>
+        <p:txBody>
+          <a:bodyPr/>
+          <a:lstStyle/>
+          <a:p>
+            <a:pPr>
+              <a:lnSpc>
+                <a:spcPct val="150000"/>
+              </a:lnSpc>
+              <a:spcAft>
+                <a:spcPts val="600"/>
+              </a:spcAft>
+            </a:pPr>
+            <a:r>
+              <a:rPr lang="en-IN" dirty="0" smtClean="0"/>
+              <a:t>Short-time forecasting.</a:t>
+            </a:r>
+          </a:p>
+          <a:p>
+            <a:pPr>
+              <a:lnSpc>
+                <a:spcPct val="150000"/>
+              </a:lnSpc>
+              <a:spcBef>
+                <a:spcPts val="1200"/>
+              </a:spcBef>
+              <a:spcAft>
+                <a:spcPts val="600"/>
+              </a:spcAft>
+            </a:pPr>
+            <a:r>
+              <a:rPr lang="en-IN" dirty="0" smtClean="0"/>
+              <a:t>Understanding current situation. </a:t>
+            </a:r>
+          </a:p>
+          <a:p>
+            <a:endParaRPr lang="en-IN" dirty="0" smtClean="0"/>
+          </a:p>
+        </p:txBody>
+      </p:sp>
+      <p:sp>
+        <p:nvSpPr>
+          <p:cNvPr id="5" name="Text Placeholder 4"/>
+          <p:cNvSpPr>
+            <a:spLocks noGrp="1"/>
+          </p:cNvSpPr>
+          <p:nvPr>
+            <p:ph type="body" sz="quarter" idx="3"/>
+          </p:nvPr>
+        </p:nvSpPr>
+        <p:spPr>
+          <a:xfrm>
+            <a:off x="4429124" y="2285968"/>
+            <a:ext cx="4041775" cy="571504"/>
+          </a:xfrm>
+        </p:spPr>
+        <p:txBody>
+          <a:bodyPr/>
+          <a:lstStyle/>
+          <a:p>
+            <a:pPr algn="ctr"/>
+            <a:r>
+              <a:rPr lang="en-IN" dirty="0" smtClean="0"/>
+              <a:t>Forecasting</a:t>
+            </a:r>
+            <a:endParaRPr lang="en-IN" dirty="0"/>
+          </a:p>
+        </p:txBody>
+      </p:sp>
+      <p:sp>
+        <p:nvSpPr>
+          <p:cNvPr id="6" name="Content Placeholder 5"/>
+          <p:cNvSpPr>
+            <a:spLocks noGrp="1"/>
+          </p:cNvSpPr>
+          <p:nvPr>
+            <p:ph sz="quarter" idx="4"/>
+          </p:nvPr>
+        </p:nvSpPr>
+        <p:spPr>
+          <a:xfrm>
+            <a:off x="4714876" y="3214662"/>
+            <a:ext cx="4041775" cy="3643338"/>
+          </a:xfrm>
+        </p:spPr>
+        <p:txBody>
+          <a:bodyPr>
+            <a:normAutofit/>
+          </a:bodyPr>
+          <a:lstStyle/>
+          <a:p>
+            <a:pPr>
+              <a:lnSpc>
+                <a:spcPct val="150000"/>
+              </a:lnSpc>
+              <a:spcAft>
+                <a:spcPts val="600"/>
+              </a:spcAft>
+            </a:pPr>
+            <a:r>
+              <a:rPr lang="en-IN" dirty="0" smtClean="0"/>
+              <a:t>Long-time forecasting.</a:t>
+            </a:r>
+          </a:p>
+          <a:p>
+            <a:pPr>
+              <a:lnSpc>
+                <a:spcPct val="150000"/>
+              </a:lnSpc>
+              <a:spcBef>
+                <a:spcPts val="1200"/>
+              </a:spcBef>
+              <a:spcAft>
+                <a:spcPts val="600"/>
+              </a:spcAft>
+            </a:pPr>
+            <a:r>
+              <a:rPr lang="en-IN" dirty="0" smtClean="0"/>
+              <a:t>Estimation of future condition.</a:t>
+            </a:r>
+          </a:p>
+        </p:txBody>
+      </p:sp>
+      <p:sp>
+        <p:nvSpPr>
+          <p:cNvPr id="7" name="TextBox 6"/>
+          <p:cNvSpPr txBox="1"/>
+          <p:nvPr/>
+        </p:nvSpPr>
+        <p:spPr>
+          <a:xfrm>
+            <a:off x="285720" y="1214422"/>
+            <a:ext cx="8358246" cy="461665"/>
+          </a:xfrm>
+          <a:prstGeom prst="rect">
+            <a:avLst/>
+          </a:prstGeom>
+          <a:noFill/>
+        </p:spPr>
+        <p:txBody>
+          <a:bodyPr wrap="square" rtlCol="0">
+            <a:spAutoFit/>
+          </a:bodyPr>
+          <a:lstStyle/>
+          <a:p>
+            <a:r>
+              <a:rPr lang="en-IN" sz="2400" b="1" dirty="0" smtClean="0">
+                <a:solidFill>
+                  <a:schemeClr val="bg2">
+                    <a:lumMod val="50000"/>
+                  </a:schemeClr>
+                </a:solidFill>
+              </a:rPr>
+              <a:t>‘</a:t>
+            </a:r>
+            <a:r>
+              <a:rPr lang="en-IN" sz="2400" b="1" dirty="0" err="1" smtClean="0">
+                <a:solidFill>
+                  <a:schemeClr val="bg2">
+                    <a:lumMod val="50000"/>
+                  </a:schemeClr>
+                </a:solidFill>
+              </a:rPr>
+              <a:t>Nowcasting</a:t>
+            </a:r>
+            <a:r>
+              <a:rPr lang="en-IN" sz="2400" b="1" dirty="0" smtClean="0">
+                <a:solidFill>
+                  <a:schemeClr val="bg2">
+                    <a:lumMod val="50000"/>
+                  </a:schemeClr>
+                </a:solidFill>
+              </a:rPr>
+              <a:t>’ (or “predicting the present”) ; </a:t>
+            </a:r>
+            <a:r>
+              <a:rPr lang="en-IN" sz="2400" b="1" dirty="0" err="1" smtClean="0">
+                <a:solidFill>
+                  <a:schemeClr val="bg2">
+                    <a:lumMod val="50000"/>
+                  </a:schemeClr>
+                </a:solidFill>
+              </a:rPr>
+              <a:t>Choi</a:t>
+            </a:r>
+            <a:r>
+              <a:rPr lang="en-IN" sz="2400" b="1" dirty="0" smtClean="0">
+                <a:solidFill>
+                  <a:schemeClr val="bg2">
+                    <a:lumMod val="50000"/>
+                  </a:schemeClr>
+                </a:solidFill>
+              </a:rPr>
+              <a:t> and Varian</a:t>
+            </a:r>
+          </a:p>
+        </p:txBody>
+      </p:sp>
+    </p:spTree>
+  </p:cSld>
+  <p:clrMapOvr>
+    <a:masterClrMapping/>
+  </p:clrMapOvr>
+</p:sld>
+</file>
+
+<file path=ppt/slides/slide17.xml><?xml version="1.0" encoding="utf-8"?>
+<p:sld xmlns:a="http://schemas.openxmlformats.org/drawingml/2006/main" xmlns:r="http://schemas.openxmlformats.org/officeDocument/2006/relationships" xmlns:p="http://schemas.openxmlformats.org/presentationml/2006/main">
+  <p:cSld>
+    <p:spTree>
+      <p:nvGrpSpPr>
+        <p:cNvPr id="1" name=""/>
+        <p:cNvGrpSpPr/>
+        <p:nvPr/>
+      </p:nvGrpSpPr>
+      <p:grpSpPr>
+        <a:xfrm>
+          <a:off x="0" y="0"/>
+          <a:ext cx="0" cy="0"/>
+          <a:chOff x="0" y="0"/>
+          <a:chExt cx="0" cy="0"/>
+        </a:xfrm>
+      </p:grpSpPr>
+      <p:sp>
+        <p:nvSpPr>
+          <p:cNvPr id="5" name="Rectangle 4">
+            <a:extLst>
+              <a:ext uri="{FF2B5EF4-FFF2-40B4-BE49-F238E27FC236}">
+                <a16:creationId xmlns="" xmlns:a16="http://schemas.microsoft.com/office/drawing/2014/main" id="{430A6DD4-D65F-6546-7369-90CB32F81A12}"/>
+              </a:ext>
+            </a:extLst>
+          </p:cNvPr>
+          <p:cNvSpPr/>
+          <p:nvPr/>
+        </p:nvSpPr>
+        <p:spPr>
+          <a:xfrm>
+            <a:off x="0" y="428604"/>
+            <a:ext cx="3066695" cy="707886"/>
+          </a:xfrm>
+          <a:prstGeom prst="rect">
+            <a:avLst/>
+          </a:prstGeom>
+          <a:noFill/>
+        </p:spPr>
+        <p:txBody>
+          <a:bodyPr wrap="square" lIns="91440" tIns="45720" rIns="91440" bIns="45720">
+            <a:spAutoFit/>
+          </a:bodyPr>
+          <a:lstStyle/>
+          <a:p>
+            <a:pPr algn="ctr"/>
+            <a:r>
+              <a:rPr lang="en-GB" sz="4000" b="1" cap="none" spc="0" dirty="0">
+                <a:ln w="0"/>
+                <a:solidFill>
+                  <a:schemeClr val="tx1"/>
+                </a:solidFill>
+                <a:effectLst>
+                  <a:outerShdw blurRad="38100" dist="19050" dir="2700000" algn="tl" rotWithShape="0">
+                    <a:schemeClr val="dk1">
+                      <a:alpha val="40000"/>
+                    </a:schemeClr>
+                  </a:outerShdw>
+                </a:effectLst>
+              </a:rPr>
+              <a:t>DATASET</a:t>
+            </a:r>
+          </a:p>
+        </p:txBody>
+      </p:sp>
+      <p:sp>
+        <p:nvSpPr>
+          <p:cNvPr id="6" name="TextBox 5">
+            <a:extLst>
+              <a:ext uri="{FF2B5EF4-FFF2-40B4-BE49-F238E27FC236}">
+                <a16:creationId xmlns="" xmlns:a16="http://schemas.microsoft.com/office/drawing/2014/main" id="{012D1EC2-56BF-9885-87A1-A9401EEB312F}"/>
+              </a:ext>
+            </a:extLst>
+          </p:cNvPr>
+          <p:cNvSpPr txBox="1"/>
+          <p:nvPr/>
+        </p:nvSpPr>
+        <p:spPr>
+          <a:xfrm>
+            <a:off x="459388" y="2964397"/>
+            <a:ext cx="5115578" cy="1643527"/>
+          </a:xfrm>
+          <a:prstGeom prst="rect">
+            <a:avLst/>
+          </a:prstGeom>
+          <a:noFill/>
+        </p:spPr>
+        <p:txBody>
+          <a:bodyPr wrap="square">
+            <a:spAutoFit/>
+          </a:bodyPr>
+          <a:lstStyle/>
+          <a:p>
+            <a:pPr>
+              <a:lnSpc>
+                <a:spcPct val="90000"/>
+              </a:lnSpc>
+              <a:spcBef>
+                <a:spcPct val="0"/>
+              </a:spcBef>
+              <a:spcAft>
+                <a:spcPts val="600"/>
+              </a:spcAft>
+              <a:buFont typeface="Wingdings" pitchFamily="2" charset="2"/>
+              <a:buChar char="Ø"/>
+            </a:pPr>
+            <a:r>
+              <a:rPr lang="en-US" sz="2800" kern="1200" cap="none" spc="0" dirty="0" smtClean="0">
+                <a:ln w="0"/>
+                <a:solidFill>
+                  <a:schemeClr val="tx1"/>
+                </a:solidFill>
+                <a:effectLst>
+                  <a:outerShdw blurRad="38100" dist="19050" dir="2700000" algn="tl" rotWithShape="0">
+                    <a:schemeClr val="dk1">
+                      <a:alpha val="40000"/>
+                    </a:schemeClr>
+                  </a:outerShdw>
+                </a:effectLst>
+                <a:ea typeface="+mj-ea"/>
+                <a:cs typeface="+mj-cs"/>
+              </a:rPr>
+              <a:t> Google </a:t>
+            </a:r>
+            <a:r>
+              <a:rPr lang="en-US" sz="2800" kern="1200" cap="none" spc="0" dirty="0">
+                <a:ln w="0"/>
+                <a:solidFill>
+                  <a:schemeClr val="tx1"/>
+                </a:solidFill>
+                <a:effectLst>
+                  <a:outerShdw blurRad="38100" dist="19050" dir="2700000" algn="tl" rotWithShape="0">
+                    <a:schemeClr val="dk1">
+                      <a:alpha val="40000"/>
+                    </a:schemeClr>
+                  </a:outerShdw>
+                </a:effectLst>
+                <a:ea typeface="+mj-ea"/>
+                <a:cs typeface="+mj-cs"/>
+              </a:rPr>
+              <a:t>Trends</a:t>
+            </a:r>
+            <a:r>
+              <a:rPr lang="en-IN" sz="2800" dirty="0">
+                <a:ln w="0"/>
+                <a:effectLst>
+                  <a:outerShdw blurRad="38100" dist="19050" dir="2700000" algn="tl" rotWithShape="0">
+                    <a:schemeClr val="dk1">
+                      <a:alpha val="40000"/>
+                    </a:schemeClr>
+                  </a:outerShdw>
+                </a:effectLst>
+                <a:ea typeface="+mj-ea"/>
+                <a:cs typeface="+mj-cs"/>
+              </a:rPr>
+              <a:t> extract in real time for different macroeconomic indicators as per the related queries, topics, and keywords.</a:t>
+            </a:r>
+            <a:endParaRPr lang="en-US" sz="2800" dirty="0">
+              <a:ln w="0"/>
+              <a:effectLst>
+                <a:outerShdw blurRad="38100" dist="19050" dir="2700000" algn="tl" rotWithShape="0">
+                  <a:schemeClr val="dk1">
+                    <a:alpha val="40000"/>
+                  </a:schemeClr>
+                </a:outerShdw>
+              </a:effectLst>
+              <a:ea typeface="+mj-ea"/>
+              <a:cs typeface="+mj-cs"/>
+            </a:endParaRPr>
+          </a:p>
+        </p:txBody>
+      </p:sp>
+      <p:sp>
+        <p:nvSpPr>
+          <p:cNvPr id="9" name="TextBox 8">
+            <a:extLst>
+              <a:ext uri="{FF2B5EF4-FFF2-40B4-BE49-F238E27FC236}">
+                <a16:creationId xmlns="" xmlns:a16="http://schemas.microsoft.com/office/drawing/2014/main" id="{E7C6D2BA-9245-45C0-C828-74DD3265E1DA}"/>
+              </a:ext>
+            </a:extLst>
+          </p:cNvPr>
+          <p:cNvSpPr txBox="1"/>
+          <p:nvPr/>
+        </p:nvSpPr>
+        <p:spPr>
+          <a:xfrm>
+            <a:off x="483272" y="1631331"/>
+            <a:ext cx="5091694" cy="1255728"/>
+          </a:xfrm>
+          <a:prstGeom prst="rect">
+            <a:avLst/>
+          </a:prstGeom>
+          <a:noFill/>
+        </p:spPr>
+        <p:txBody>
+          <a:bodyPr wrap="square">
+            <a:spAutoFit/>
+          </a:bodyPr>
+          <a:lstStyle/>
+          <a:p>
+            <a:pPr>
+              <a:lnSpc>
+                <a:spcPct val="90000"/>
+              </a:lnSpc>
+              <a:spcBef>
+                <a:spcPct val="0"/>
+              </a:spcBef>
+              <a:spcAft>
+                <a:spcPts val="600"/>
+              </a:spcAft>
+              <a:buFont typeface="Wingdings" pitchFamily="2" charset="2"/>
+              <a:buChar char="Ø"/>
+            </a:pPr>
+            <a:r>
+              <a:rPr lang="en-US" sz="2800" kern="1200" cap="none" spc="0" dirty="0" smtClean="0">
+                <a:ln w="0"/>
+                <a:solidFill>
+                  <a:schemeClr val="tx1"/>
+                </a:solidFill>
+                <a:effectLst>
+                  <a:outerShdw blurRad="38100" dist="19050" dir="2700000" algn="tl" rotWithShape="0">
+                    <a:schemeClr val="dk1">
+                      <a:alpha val="40000"/>
+                    </a:schemeClr>
+                  </a:outerShdw>
+                </a:effectLst>
+                <a:ea typeface="+mj-ea"/>
+                <a:cs typeface="+mj-cs"/>
+              </a:rPr>
+              <a:t> Statistics </a:t>
+            </a:r>
+            <a:r>
+              <a:rPr lang="en-US" sz="2800" kern="1200" cap="none" spc="0" dirty="0">
+                <a:ln w="0"/>
+                <a:solidFill>
+                  <a:schemeClr val="tx1"/>
+                </a:solidFill>
+                <a:effectLst>
+                  <a:outerShdw blurRad="38100" dist="19050" dir="2700000" algn="tl" rotWithShape="0">
+                    <a:schemeClr val="dk1">
+                      <a:alpha val="40000"/>
+                    </a:schemeClr>
+                  </a:outerShdw>
+                </a:effectLst>
+                <a:ea typeface="+mj-ea"/>
+                <a:cs typeface="+mj-cs"/>
+              </a:rPr>
+              <a:t>Canada’s historical time series data for the indicators.</a:t>
+            </a:r>
+          </a:p>
+        </p:txBody>
+      </p:sp>
+      <p:sp>
+        <p:nvSpPr>
+          <p:cNvPr id="11" name="TextBox 10">
+            <a:extLst>
+              <a:ext uri="{FF2B5EF4-FFF2-40B4-BE49-F238E27FC236}">
+                <a16:creationId xmlns="" xmlns:a16="http://schemas.microsoft.com/office/drawing/2014/main" id="{16456762-A7D1-B535-CABB-B1766FEC0DA8}"/>
+              </a:ext>
+            </a:extLst>
+          </p:cNvPr>
+          <p:cNvSpPr txBox="1"/>
+          <p:nvPr/>
+        </p:nvSpPr>
+        <p:spPr>
+          <a:xfrm>
+            <a:off x="459388" y="4770096"/>
+            <a:ext cx="5115578" cy="867930"/>
+          </a:xfrm>
+          <a:prstGeom prst="rect">
+            <a:avLst/>
+          </a:prstGeom>
+          <a:noFill/>
+        </p:spPr>
+        <p:txBody>
+          <a:bodyPr wrap="square">
+            <a:spAutoFit/>
+          </a:bodyPr>
+          <a:lstStyle/>
+          <a:p>
+            <a:pPr>
+              <a:lnSpc>
+                <a:spcPct val="90000"/>
+              </a:lnSpc>
+              <a:spcBef>
+                <a:spcPct val="0"/>
+              </a:spcBef>
+              <a:spcAft>
+                <a:spcPts val="600"/>
+              </a:spcAft>
+              <a:buFont typeface="Wingdings" pitchFamily="2" charset="2"/>
+              <a:buChar char="Ø"/>
+            </a:pPr>
+            <a:r>
+              <a:rPr lang="en-US" sz="2800" dirty="0" smtClean="0">
+                <a:ln w="0"/>
+                <a:effectLst>
+                  <a:outerShdw blurRad="38100" dist="19050" dir="2700000" algn="tl" rotWithShape="0">
+                    <a:schemeClr val="dk1">
+                      <a:alpha val="40000"/>
+                    </a:schemeClr>
+                  </a:outerShdw>
+                </a:effectLst>
+                <a:ea typeface="+mj-ea"/>
+                <a:cs typeface="+mj-cs"/>
+              </a:rPr>
+              <a:t> Google </a:t>
+            </a:r>
+            <a:r>
+              <a:rPr lang="en-US" sz="2800" dirty="0">
+                <a:ln w="0"/>
+                <a:effectLst>
+                  <a:outerShdw blurRad="38100" dist="19050" dir="2700000" algn="tl" rotWithShape="0">
+                    <a:schemeClr val="dk1">
+                      <a:alpha val="40000"/>
+                    </a:schemeClr>
+                  </a:outerShdw>
+                </a:effectLst>
+                <a:ea typeface="+mj-ea"/>
+                <a:cs typeface="+mj-cs"/>
+              </a:rPr>
+              <a:t>Trends data available from the year </a:t>
+            </a:r>
+            <a:r>
+              <a:rPr lang="en-IN" sz="2800" dirty="0">
+                <a:ln w="0"/>
+                <a:effectLst>
+                  <a:outerShdw blurRad="38100" dist="19050" dir="2700000" algn="tl" rotWithShape="0">
+                    <a:schemeClr val="dk1">
+                      <a:alpha val="40000"/>
+                    </a:schemeClr>
+                  </a:outerShdw>
+                </a:effectLst>
+                <a:ea typeface="+mj-ea"/>
+                <a:cs typeface="+mj-cs"/>
+              </a:rPr>
+              <a:t>2004 onwards.</a:t>
+            </a:r>
+            <a:endParaRPr lang="en-US" sz="2800" dirty="0">
+              <a:ln w="0"/>
+              <a:effectLst>
+                <a:outerShdw blurRad="38100" dist="19050" dir="2700000" algn="tl" rotWithShape="0">
+                  <a:schemeClr val="dk1">
+                    <a:alpha val="40000"/>
+                  </a:schemeClr>
+                </a:outerShdw>
+              </a:effectLst>
+              <a:ea typeface="+mj-ea"/>
+              <a:cs typeface="+mj-cs"/>
+            </a:endParaRPr>
+          </a:p>
+        </p:txBody>
+      </p:sp>
+    </p:spTree>
+    <p:extLst>
+      <p:ext uri="{BB962C8B-B14F-4D97-AF65-F5344CB8AC3E}">
+        <p14:creationId xmlns="" xmlns:p14="http://schemas.microsoft.com/office/powerpoint/2010/main" val="245748726"/>
+      </p:ext>
+    </p:extLst>
   </p:cSld>
   <p:clrMapOvr>
     <a:masterClrMapping/>
@@ -9487,284 +10791,930 @@
       </p:grpSpPr>
       <p:sp>
         <p:nvSpPr>
-          <p:cNvPr id="2" name="Title 1"/>
+          <p:cNvPr id="4" name="Slide Number Placeholder 3">
+            <a:extLst>
+              <a:ext uri="{FF2B5EF4-FFF2-40B4-BE49-F238E27FC236}">
+                <a16:creationId xmlns="" xmlns:a16="http://schemas.microsoft.com/office/drawing/2014/main" id="{3C224C33-7AA5-3260-CBDC-107D456E4B1D}"/>
+              </a:ext>
+            </a:extLst>
+          </p:cNvPr>
           <p:cNvSpPr>
             <a:spLocks noGrp="1"/>
           </p:cNvSpPr>
           <p:nvPr>
-            <p:ph type="ctrTitle"/>
+            <p:ph type="sldNum" sz="quarter" idx="12"/>
           </p:nvPr>
         </p:nvSpPr>
         <p:spPr>
           <a:xfrm>
-            <a:off x="500034" y="285729"/>
-            <a:ext cx="7772400" cy="857255"/>
+            <a:off x="6457950" y="6356351"/>
+            <a:ext cx="2057400" cy="365125"/>
           </a:xfrm>
         </p:spPr>
         <p:txBody>
-          <a:bodyPr/>
+          <a:bodyPr vert="horz" lIns="91440" tIns="45720" rIns="91440" bIns="45720" rtlCol="0" anchor="ctr">
+            <a:normAutofit/>
+          </a:bodyPr>
           <a:lstStyle/>
           <a:p>
-            <a:r>
-              <a:rPr lang="en-IN" b="1" dirty="0" smtClean="0"/>
-              <a:t>What does </a:t>
-            </a:r>
-            <a:r>
-              <a:rPr lang="en-IN" b="1" dirty="0" err="1" smtClean="0"/>
-              <a:t>nowcasting</a:t>
-            </a:r>
-            <a:r>
-              <a:rPr lang="en-IN" b="1" dirty="0" smtClean="0"/>
-              <a:t> mean?</a:t>
-            </a:r>
-            <a:endParaRPr lang="en-IN" b="1" dirty="0"/>
+            <a:pPr>
+              <a:spcAft>
+                <a:spcPts val="600"/>
+              </a:spcAft>
+            </a:pPr>
+            <a:fld id="{76B8FEF2-1166-4001-8604-5999A6307F98}" type="slidenum">
+              <a:rPr lang="en-US" smtClean="0"/>
+              <a:pPr>
+                <a:spcAft>
+                  <a:spcPts val="600"/>
+                </a:spcAft>
+              </a:pPr>
+              <a:t>18</a:t>
+            </a:fld>
+            <a:endParaRPr lang="en-US"/>
           </a:p>
         </p:txBody>
       </p:sp>
+      <p:graphicFrame>
+        <p:nvGraphicFramePr>
+          <p:cNvPr id="13" name="Table 13">
+            <a:extLst>
+              <a:ext uri="{FF2B5EF4-FFF2-40B4-BE49-F238E27FC236}">
+                <a16:creationId xmlns="" xmlns:a16="http://schemas.microsoft.com/office/drawing/2014/main" id="{939AE341-686E-314D-FE87-1A4475BDC901}"/>
+              </a:ext>
+            </a:extLst>
+          </p:cNvPr>
+          <p:cNvGraphicFramePr>
+            <a:graphicFrameLocks noGrp="1"/>
+          </p:cNvGraphicFramePr>
+          <p:nvPr>
+            <p:extLst>
+              <p:ext uri="{D42A27DB-BD31-4B8C-83A1-F6EECF244321}">
+                <p14:modId xmlns="" xmlns:p14="http://schemas.microsoft.com/office/powerpoint/2010/main" val="3886499807"/>
+              </p:ext>
+            </p:extLst>
+          </p:nvPr>
+        </p:nvGraphicFramePr>
+        <p:xfrm>
+          <a:off x="1571604" y="714356"/>
+          <a:ext cx="6087594" cy="2011716"/>
+        </p:xfrm>
+        <a:graphic>
+          <a:graphicData uri="http://schemas.openxmlformats.org/drawingml/2006/table">
+            <a:tbl>
+              <a:tblPr firstRow="1" bandRow="1">
+                <a:tableStyleId>{5940675A-B579-460E-94D1-54222C63F5DA}</a:tableStyleId>
+              </a:tblPr>
+              <a:tblGrid>
+                <a:gridCol w="2029198">
+                  <a:extLst>
+                    <a:ext uri="{9D8B030D-6E8A-4147-A177-3AD203B41FA5}">
+                      <a16:colId xmlns="" xmlns:a16="http://schemas.microsoft.com/office/drawing/2014/main" val="1348034430"/>
+                    </a:ext>
+                  </a:extLst>
+                </a:gridCol>
+                <a:gridCol w="2029198">
+                  <a:extLst>
+                    <a:ext uri="{9D8B030D-6E8A-4147-A177-3AD203B41FA5}">
+                      <a16:colId xmlns="" xmlns:a16="http://schemas.microsoft.com/office/drawing/2014/main" val="3726976691"/>
+                    </a:ext>
+                  </a:extLst>
+                </a:gridCol>
+                <a:gridCol w="2029198">
+                  <a:extLst>
+                    <a:ext uri="{9D8B030D-6E8A-4147-A177-3AD203B41FA5}">
+                      <a16:colId xmlns="" xmlns:a16="http://schemas.microsoft.com/office/drawing/2014/main" val="3772456516"/>
+                    </a:ext>
+                  </a:extLst>
+                </a:gridCol>
+              </a:tblGrid>
+              <a:tr h="436892">
+                <a:tc>
+                  <a:txBody>
+                    <a:bodyPr/>
+                    <a:lstStyle/>
+                    <a:p>
+                      <a:pPr algn="ctr"/>
+                      <a:r>
+                        <a:rPr lang="en-US" sz="2000" b="1" dirty="0"/>
+                        <a:t>Economic Indicator</a:t>
+                      </a:r>
+                      <a:endParaRPr lang="en-CA" sz="2000" b="1" dirty="0"/>
+                    </a:p>
+                  </a:txBody>
+                  <a:tcPr marL="68580" marR="68580">
+                    <a:solidFill>
+                      <a:schemeClr val="accent1">
+                        <a:lumMod val="60000"/>
+                        <a:lumOff val="40000"/>
+                      </a:schemeClr>
+                    </a:solidFill>
+                  </a:tcPr>
+                </a:tc>
+                <a:tc>
+                  <a:txBody>
+                    <a:bodyPr/>
+                    <a:lstStyle/>
+                    <a:p>
+                      <a:pPr algn="ctr"/>
+                      <a:r>
+                        <a:rPr lang="en-US" sz="2000" b="1" dirty="0"/>
+                        <a:t>Timeline</a:t>
+                      </a:r>
+                      <a:endParaRPr lang="en-CA" sz="2000" b="1" dirty="0"/>
+                    </a:p>
+                  </a:txBody>
+                  <a:tcPr marL="68580" marR="68580">
+                    <a:solidFill>
+                      <a:schemeClr val="accent1">
+                        <a:lumMod val="60000"/>
+                        <a:lumOff val="40000"/>
+                      </a:schemeClr>
+                    </a:solidFill>
+                  </a:tcPr>
+                </a:tc>
+                <a:tc>
+                  <a:txBody>
+                    <a:bodyPr/>
+                    <a:lstStyle/>
+                    <a:p>
+                      <a:pPr algn="ctr"/>
+                      <a:r>
+                        <a:rPr lang="en-US" sz="2000" b="1" dirty="0"/>
+                        <a:t>Frequency</a:t>
+                      </a:r>
+                      <a:endParaRPr lang="en-CA" sz="2000" b="1" dirty="0"/>
+                    </a:p>
+                  </a:txBody>
+                  <a:tcPr marL="68580" marR="68580">
+                    <a:solidFill>
+                      <a:schemeClr val="accent1">
+                        <a:lumMod val="60000"/>
+                        <a:lumOff val="40000"/>
+                      </a:schemeClr>
+                    </a:solidFill>
+                  </a:tcPr>
+                </a:tc>
+                <a:extLst>
+                  <a:ext uri="{0D108BD9-81ED-4DB2-BD59-A6C34878D82A}">
+                    <a16:rowId xmlns="" xmlns:a16="http://schemas.microsoft.com/office/drawing/2014/main" val="1683313195"/>
+                  </a:ext>
+                </a:extLst>
+              </a:tr>
+              <a:tr h="436892">
+                <a:tc>
+                  <a:txBody>
+                    <a:bodyPr/>
+                    <a:lstStyle/>
+                    <a:p>
+                      <a:pPr algn="ctr"/>
+                      <a:r>
+                        <a:rPr lang="en-US" sz="2000" dirty="0"/>
+                        <a:t>Retail trade sales</a:t>
+                      </a:r>
+                      <a:endParaRPr lang="en-CA" sz="2000" dirty="0"/>
+                    </a:p>
+                  </a:txBody>
+                  <a:tcPr marL="68580" marR="68580"/>
+                </a:tc>
+                <a:tc>
+                  <a:txBody>
+                    <a:bodyPr/>
+                    <a:lstStyle/>
+                    <a:p>
+                      <a:pPr algn="ctr"/>
+                      <a:r>
+                        <a:rPr lang="en-US" sz="2000" dirty="0"/>
+                        <a:t>1991-2022</a:t>
+                      </a:r>
+                      <a:endParaRPr lang="en-CA" sz="2000" dirty="0"/>
+                    </a:p>
+                  </a:txBody>
+                  <a:tcPr marL="68580" marR="68580"/>
+                </a:tc>
+                <a:tc>
+                  <a:txBody>
+                    <a:bodyPr/>
+                    <a:lstStyle/>
+                    <a:p>
+                      <a:pPr algn="ctr"/>
+                      <a:r>
+                        <a:rPr lang="en-US" sz="2000" dirty="0"/>
+                        <a:t>Monthly</a:t>
+                      </a:r>
+                      <a:endParaRPr lang="en-CA" sz="2000" dirty="0"/>
+                    </a:p>
+                  </a:txBody>
+                  <a:tcPr marL="68580" marR="68580"/>
+                </a:tc>
+                <a:extLst>
+                  <a:ext uri="{0D108BD9-81ED-4DB2-BD59-A6C34878D82A}">
+                    <a16:rowId xmlns="" xmlns:a16="http://schemas.microsoft.com/office/drawing/2014/main" val="4074424623"/>
+                  </a:ext>
+                </a:extLst>
+              </a:tr>
+              <a:tr h="436892">
+                <a:tc>
+                  <a:txBody>
+                    <a:bodyPr/>
+                    <a:lstStyle/>
+                    <a:p>
+                      <a:pPr algn="ctr"/>
+                      <a:r>
+                        <a:rPr lang="en-US" sz="2000" dirty="0"/>
+                        <a:t>E-commerce sales</a:t>
+                      </a:r>
+                      <a:endParaRPr lang="en-CA" sz="2000" dirty="0"/>
+                    </a:p>
+                  </a:txBody>
+                  <a:tcPr marL="68580" marR="68580"/>
+                </a:tc>
+                <a:tc>
+                  <a:txBody>
+                    <a:bodyPr/>
+                    <a:lstStyle/>
+                    <a:p>
+                      <a:pPr algn="ctr"/>
+                      <a:r>
+                        <a:rPr lang="en-US" sz="2000" dirty="0"/>
+                        <a:t>2016-2022</a:t>
+                      </a:r>
+                      <a:endParaRPr lang="en-CA" sz="2000" dirty="0"/>
+                    </a:p>
+                  </a:txBody>
+                  <a:tcPr marL="68580" marR="68580"/>
+                </a:tc>
+                <a:tc>
+                  <a:txBody>
+                    <a:bodyPr/>
+                    <a:lstStyle/>
+                    <a:p>
+                      <a:pPr algn="ctr"/>
+                      <a:r>
+                        <a:rPr lang="en-US" sz="2000" dirty="0"/>
+                        <a:t>Monthly</a:t>
+                      </a:r>
+                      <a:endParaRPr lang="en-CA" sz="2000" dirty="0"/>
+                    </a:p>
+                  </a:txBody>
+                  <a:tcPr marL="68580" marR="68580"/>
+                </a:tc>
+                <a:extLst>
+                  <a:ext uri="{0D108BD9-81ED-4DB2-BD59-A6C34878D82A}">
+                    <a16:rowId xmlns="" xmlns:a16="http://schemas.microsoft.com/office/drawing/2014/main" val="169931534"/>
+                  </a:ext>
+                </a:extLst>
+              </a:tr>
+              <a:tr h="436892">
+                <a:tc>
+                  <a:txBody>
+                    <a:bodyPr/>
+                    <a:lstStyle/>
+                    <a:p>
+                      <a:pPr algn="ctr"/>
+                      <a:r>
+                        <a:rPr lang="en-US" sz="2000" dirty="0"/>
+                        <a:t>GDP</a:t>
+                      </a:r>
+                      <a:endParaRPr lang="en-CA" sz="2000" dirty="0"/>
+                    </a:p>
+                  </a:txBody>
+                  <a:tcPr marL="68580" marR="68580"/>
+                </a:tc>
+                <a:tc>
+                  <a:txBody>
+                    <a:bodyPr/>
+                    <a:lstStyle/>
+                    <a:p>
+                      <a:pPr algn="ctr"/>
+                      <a:r>
+                        <a:rPr lang="en-US" sz="2000" dirty="0"/>
+                        <a:t>1997-2021</a:t>
+                      </a:r>
+                      <a:endParaRPr lang="en-CA" sz="2000" dirty="0"/>
+                    </a:p>
+                  </a:txBody>
+                  <a:tcPr marL="68580" marR="68580"/>
+                </a:tc>
+                <a:tc>
+                  <a:txBody>
+                    <a:bodyPr/>
+                    <a:lstStyle/>
+                    <a:p>
+                      <a:pPr algn="ctr"/>
+                      <a:r>
+                        <a:rPr lang="en-US" sz="2000" dirty="0"/>
+                        <a:t>Quarterly</a:t>
+                      </a:r>
+                      <a:endParaRPr lang="en-CA" sz="2000" dirty="0"/>
+                    </a:p>
+                  </a:txBody>
+                  <a:tcPr marL="68580" marR="68580"/>
+                </a:tc>
+                <a:extLst>
+                  <a:ext uri="{0D108BD9-81ED-4DB2-BD59-A6C34878D82A}">
+                    <a16:rowId xmlns="" xmlns:a16="http://schemas.microsoft.com/office/drawing/2014/main" val="314551065"/>
+                  </a:ext>
+                </a:extLst>
+              </a:tr>
+            </a:tbl>
+          </a:graphicData>
+        </a:graphic>
+      </p:graphicFrame>
       <p:sp>
         <p:nvSpPr>
-          <p:cNvPr id="3" name="Subtitle 2"/>
-          <p:cNvSpPr>
-            <a:spLocks noGrp="1"/>
-          </p:cNvSpPr>
-          <p:nvPr>
-            <p:ph type="subTitle" idx="1"/>
-          </p:nvPr>
+          <p:cNvPr id="15" name="Rectangle 14">
+            <a:extLst>
+              <a:ext uri="{FF2B5EF4-FFF2-40B4-BE49-F238E27FC236}">
+                <a16:creationId xmlns="" xmlns:a16="http://schemas.microsoft.com/office/drawing/2014/main" id="{691AD157-6A66-97C5-C686-96F59EFEA810}"/>
+              </a:ext>
+            </a:extLst>
+          </p:cNvPr>
+          <p:cNvSpPr/>
+          <p:nvPr/>
         </p:nvSpPr>
         <p:spPr>
           <a:xfrm>
-            <a:off x="428596" y="1285860"/>
-            <a:ext cx="7343804" cy="5286412"/>
+            <a:off x="2214546" y="0"/>
+            <a:ext cx="4947106" cy="523220"/>
           </a:xfrm>
+          <a:prstGeom prst="rect">
+            <a:avLst/>
+          </a:prstGeom>
+          <a:noFill/>
         </p:spPr>
         <p:txBody>
-          <a:bodyPr>
-            <a:normAutofit lnSpcReduction="10000"/>
+          <a:bodyPr wrap="square" lIns="91440" tIns="45720" rIns="91440" bIns="45720">
+            <a:spAutoFit/>
           </a:bodyPr>
           <a:lstStyle/>
           <a:p>
-            <a:pPr algn="l"/>
-            <a:r>
-              <a:rPr lang="en-IN" sz="1800" dirty="0"/>
-              <a:t>forecasts are different from the </a:t>
-            </a:r>
-            <a:r>
-              <a:rPr lang="en-IN" sz="1800" dirty="0" err="1"/>
-              <a:t>nowcasts</a:t>
-            </a:r>
-            <a:endParaRPr lang="en-IN" sz="1800" dirty="0" smtClean="0">
-              <a:solidFill>
-                <a:schemeClr val="tx1"/>
-              </a:solidFill>
-            </a:endParaRPr>
-          </a:p>
-          <a:p>
-            <a:pPr algn="l"/>
-            <a:r>
-              <a:rPr lang="en-IN" sz="1800" dirty="0" err="1" smtClean="0">
+            <a:pPr algn="ctr"/>
+            <a:r>
+              <a:rPr lang="en-GB" sz="2800" cap="none" spc="0" dirty="0">
+                <a:ln w="0"/>
                 <a:solidFill>
                   <a:schemeClr val="tx1"/>
                 </a:solidFill>
+                <a:effectLst>
+                  <a:outerShdw blurRad="38100" dist="19050" dir="2700000" algn="tl" rotWithShape="0">
+                    <a:schemeClr val="dk1">
+                      <a:alpha val="40000"/>
+                    </a:schemeClr>
+                  </a:outerShdw>
+                </a:effectLst>
               </a:rPr>
-              <a:t>Nowcasting</a:t>
-            </a:r>
-            <a:r>
-              <a:rPr lang="en-IN" sz="1800" dirty="0" smtClean="0">
+              <a:t>  Statistics Canada Data</a:t>
+            </a:r>
+          </a:p>
+        </p:txBody>
+      </p:sp>
+      <p:graphicFrame>
+        <p:nvGraphicFramePr>
+          <p:cNvPr id="16" name="Table 13">
+            <a:extLst>
+              <a:ext uri="{FF2B5EF4-FFF2-40B4-BE49-F238E27FC236}">
+                <a16:creationId xmlns="" xmlns:a16="http://schemas.microsoft.com/office/drawing/2014/main" id="{9671DB94-C2E2-7E50-A1B7-D78F5E6515DE}"/>
+              </a:ext>
+            </a:extLst>
+          </p:cNvPr>
+          <p:cNvGraphicFramePr>
+            <a:graphicFrameLocks noGrp="1"/>
+          </p:cNvGraphicFramePr>
+          <p:nvPr>
+            <p:extLst>
+              <p:ext uri="{D42A27DB-BD31-4B8C-83A1-F6EECF244321}">
+                <p14:modId xmlns="" xmlns:p14="http://schemas.microsoft.com/office/powerpoint/2010/main" val="1530719145"/>
+              </p:ext>
+            </p:extLst>
+          </p:nvPr>
+        </p:nvGraphicFramePr>
+        <p:xfrm>
+          <a:off x="428596" y="3643314"/>
+          <a:ext cx="8226530" cy="2844812"/>
+        </p:xfrm>
+        <a:graphic>
+          <a:graphicData uri="http://schemas.openxmlformats.org/drawingml/2006/table">
+            <a:tbl>
+              <a:tblPr firstRow="1" bandRow="1">
+                <a:tableStyleId>{5940675A-B579-460E-94D1-54222C63F5DA}</a:tableStyleId>
+              </a:tblPr>
+              <a:tblGrid>
+                <a:gridCol w="1645306">
+                  <a:extLst>
+                    <a:ext uri="{9D8B030D-6E8A-4147-A177-3AD203B41FA5}">
+                      <a16:colId xmlns="" xmlns:a16="http://schemas.microsoft.com/office/drawing/2014/main" val="1348034430"/>
+                    </a:ext>
+                  </a:extLst>
+                </a:gridCol>
+                <a:gridCol w="1645306">
+                  <a:extLst>
+                    <a:ext uri="{9D8B030D-6E8A-4147-A177-3AD203B41FA5}">
+                      <a16:colId xmlns="" xmlns:a16="http://schemas.microsoft.com/office/drawing/2014/main" val="3726976691"/>
+                    </a:ext>
+                  </a:extLst>
+                </a:gridCol>
+                <a:gridCol w="1645306">
+                  <a:extLst>
+                    <a:ext uri="{9D8B030D-6E8A-4147-A177-3AD203B41FA5}">
+                      <a16:colId xmlns="" xmlns:a16="http://schemas.microsoft.com/office/drawing/2014/main" val="3772456516"/>
+                    </a:ext>
+                  </a:extLst>
+                </a:gridCol>
+                <a:gridCol w="1645306">
+                  <a:extLst>
+                    <a:ext uri="{9D8B030D-6E8A-4147-A177-3AD203B41FA5}">
+                      <a16:colId xmlns="" xmlns:a16="http://schemas.microsoft.com/office/drawing/2014/main" val="2791159076"/>
+                    </a:ext>
+                  </a:extLst>
+                </a:gridCol>
+                <a:gridCol w="1645306">
+                  <a:extLst>
+                    <a:ext uri="{9D8B030D-6E8A-4147-A177-3AD203B41FA5}">
+                      <a16:colId xmlns="" xmlns:a16="http://schemas.microsoft.com/office/drawing/2014/main" val="4100380970"/>
+                    </a:ext>
+                  </a:extLst>
+                </a:gridCol>
+              </a:tblGrid>
+              <a:tr h="482533">
+                <a:tc>
+                  <a:txBody>
+                    <a:bodyPr/>
+                    <a:lstStyle/>
+                    <a:p>
+                      <a:pPr algn="ctr"/>
+                      <a:r>
+                        <a:rPr lang="en-US" sz="2000" b="1" dirty="0"/>
+                        <a:t>Economic Indicator</a:t>
+                      </a:r>
+                      <a:endParaRPr lang="en-CA" sz="2000" b="1" dirty="0"/>
+                    </a:p>
+                  </a:txBody>
+                  <a:tcPr marL="68580" marR="68580">
+                    <a:solidFill>
+                      <a:schemeClr val="accent1">
+                        <a:lumMod val="60000"/>
+                        <a:lumOff val="40000"/>
+                      </a:schemeClr>
+                    </a:solidFill>
+                  </a:tcPr>
+                </a:tc>
+                <a:tc>
+                  <a:txBody>
+                    <a:bodyPr/>
+                    <a:lstStyle/>
+                    <a:p>
+                      <a:pPr algn="ctr"/>
+                      <a:r>
+                        <a:rPr lang="en-US" sz="2000" b="1" dirty="0"/>
+                        <a:t>Timeline</a:t>
+                      </a:r>
+                      <a:endParaRPr lang="en-CA" sz="2000" b="1" dirty="0"/>
+                    </a:p>
+                  </a:txBody>
+                  <a:tcPr marL="68580" marR="68580">
+                    <a:solidFill>
+                      <a:schemeClr val="accent1">
+                        <a:lumMod val="60000"/>
+                        <a:lumOff val="40000"/>
+                      </a:schemeClr>
+                    </a:solidFill>
+                  </a:tcPr>
+                </a:tc>
+                <a:tc>
+                  <a:txBody>
+                    <a:bodyPr/>
+                    <a:lstStyle/>
+                    <a:p>
+                      <a:pPr algn="ctr"/>
+                      <a:r>
+                        <a:rPr lang="en-US" sz="2000" b="1" dirty="0"/>
+                        <a:t>Frequency</a:t>
+                      </a:r>
+                      <a:endParaRPr lang="en-CA" sz="2000" b="1" dirty="0"/>
+                    </a:p>
+                  </a:txBody>
+                  <a:tcPr marL="68580" marR="68580">
+                    <a:solidFill>
+                      <a:schemeClr val="accent1">
+                        <a:lumMod val="60000"/>
+                        <a:lumOff val="40000"/>
+                      </a:schemeClr>
+                    </a:solidFill>
+                  </a:tcPr>
+                </a:tc>
+                <a:tc>
+                  <a:txBody>
+                    <a:bodyPr/>
+                    <a:lstStyle/>
+                    <a:p>
+                      <a:pPr algn="ctr"/>
+                      <a:r>
+                        <a:rPr lang="en-US" sz="2000" b="1" dirty="0"/>
+                        <a:t>Num. of observations</a:t>
+                      </a:r>
+                      <a:endParaRPr lang="en-CA" sz="2000" b="1" dirty="0"/>
+                    </a:p>
+                  </a:txBody>
+                  <a:tcPr marL="68580" marR="68580">
+                    <a:solidFill>
+                      <a:schemeClr val="accent1">
+                        <a:lumMod val="60000"/>
+                        <a:lumOff val="40000"/>
+                      </a:schemeClr>
+                    </a:solidFill>
+                  </a:tcPr>
+                </a:tc>
+                <a:tc>
+                  <a:txBody>
+                    <a:bodyPr/>
+                    <a:lstStyle/>
+                    <a:p>
+                      <a:pPr algn="ctr"/>
+                      <a:r>
+                        <a:rPr lang="en-US" sz="2000" b="1" dirty="0"/>
+                        <a:t>Num. of predictors (trends)</a:t>
+                      </a:r>
+                      <a:endParaRPr lang="en-CA" sz="2000" b="1" dirty="0"/>
+                    </a:p>
+                  </a:txBody>
+                  <a:tcPr marL="68580" marR="68580">
+                    <a:solidFill>
+                      <a:schemeClr val="accent1">
+                        <a:lumMod val="60000"/>
+                        <a:lumOff val="40000"/>
+                      </a:schemeClr>
+                    </a:solidFill>
+                  </a:tcPr>
+                </a:tc>
+                <a:extLst>
+                  <a:ext uri="{0D108BD9-81ED-4DB2-BD59-A6C34878D82A}">
+                    <a16:rowId xmlns="" xmlns:a16="http://schemas.microsoft.com/office/drawing/2014/main" val="1683313195"/>
+                  </a:ext>
+                </a:extLst>
+              </a:tr>
+              <a:tr h="436892">
+                <a:tc>
+                  <a:txBody>
+                    <a:bodyPr/>
+                    <a:lstStyle/>
+                    <a:p>
+                      <a:pPr algn="ctr"/>
+                      <a:r>
+                        <a:rPr lang="en-US" sz="2000" dirty="0"/>
+                        <a:t>Retail trade sales</a:t>
+                      </a:r>
+                      <a:endParaRPr lang="en-CA" sz="2000" dirty="0"/>
+                    </a:p>
+                  </a:txBody>
+                  <a:tcPr marL="68580" marR="68580"/>
+                </a:tc>
+                <a:tc>
+                  <a:txBody>
+                    <a:bodyPr/>
+                    <a:lstStyle/>
+                    <a:p>
+                      <a:pPr algn="ctr"/>
+                      <a:r>
+                        <a:rPr lang="en-US" sz="2000" dirty="0"/>
+                        <a:t>2004-2022</a:t>
+                      </a:r>
+                      <a:endParaRPr lang="en-CA" sz="2000" dirty="0"/>
+                    </a:p>
+                  </a:txBody>
+                  <a:tcPr marL="68580" marR="68580"/>
+                </a:tc>
+                <a:tc>
+                  <a:txBody>
+                    <a:bodyPr/>
+                    <a:lstStyle/>
+                    <a:p>
+                      <a:pPr algn="ctr"/>
+                      <a:r>
+                        <a:rPr lang="en-US" sz="2000" dirty="0"/>
+                        <a:t>Monthly</a:t>
+                      </a:r>
+                      <a:endParaRPr lang="en-CA" sz="2000" dirty="0"/>
+                    </a:p>
+                  </a:txBody>
+                  <a:tcPr marL="68580" marR="68580"/>
+                </a:tc>
+                <a:tc>
+                  <a:txBody>
+                    <a:bodyPr/>
+                    <a:lstStyle/>
+                    <a:p>
+                      <a:pPr algn="ctr"/>
+                      <a:r>
+                        <a:rPr lang="en-US" sz="2000" dirty="0"/>
+                        <a:t>217</a:t>
+                      </a:r>
+                      <a:endParaRPr lang="en-CA" sz="2000" dirty="0"/>
+                    </a:p>
+                  </a:txBody>
+                  <a:tcPr marL="68580" marR="68580"/>
+                </a:tc>
+                <a:tc>
+                  <a:txBody>
+                    <a:bodyPr/>
+                    <a:lstStyle/>
+                    <a:p>
+                      <a:pPr algn="ctr"/>
+                      <a:r>
+                        <a:rPr lang="en-US" sz="2000" dirty="0"/>
+                        <a:t>396</a:t>
+                      </a:r>
+                      <a:endParaRPr lang="en-CA" sz="2000" dirty="0"/>
+                    </a:p>
+                  </a:txBody>
+                  <a:tcPr marL="68580" marR="68580"/>
+                </a:tc>
+                <a:extLst>
+                  <a:ext uri="{0D108BD9-81ED-4DB2-BD59-A6C34878D82A}">
+                    <a16:rowId xmlns="" xmlns:a16="http://schemas.microsoft.com/office/drawing/2014/main" val="4074424623"/>
+                  </a:ext>
+                </a:extLst>
+              </a:tr>
+              <a:tr h="436892">
+                <a:tc>
+                  <a:txBody>
+                    <a:bodyPr/>
+                    <a:lstStyle/>
+                    <a:p>
+                      <a:pPr algn="ctr"/>
+                      <a:r>
+                        <a:rPr lang="en-US" sz="2000" dirty="0"/>
+                        <a:t>E-commerce sales</a:t>
+                      </a:r>
+                      <a:endParaRPr lang="en-CA" sz="2000" dirty="0"/>
+                    </a:p>
+                  </a:txBody>
+                  <a:tcPr marL="68580" marR="68580"/>
+                </a:tc>
+                <a:tc>
+                  <a:txBody>
+                    <a:bodyPr/>
+                    <a:lstStyle/>
+                    <a:p>
+                      <a:pPr algn="ctr"/>
+                      <a:r>
+                        <a:rPr lang="en-US" sz="2000" dirty="0"/>
+                        <a:t>2016-2022</a:t>
+                      </a:r>
+                      <a:endParaRPr lang="en-CA" sz="2000" dirty="0"/>
+                    </a:p>
+                  </a:txBody>
+                  <a:tcPr marL="68580" marR="68580"/>
+                </a:tc>
+                <a:tc>
+                  <a:txBody>
+                    <a:bodyPr/>
+                    <a:lstStyle/>
+                    <a:p>
+                      <a:pPr algn="ctr"/>
+                      <a:r>
+                        <a:rPr lang="en-US" sz="2000" dirty="0"/>
+                        <a:t>Monthly</a:t>
+                      </a:r>
+                      <a:endParaRPr lang="en-CA" sz="2000" dirty="0"/>
+                    </a:p>
+                  </a:txBody>
+                  <a:tcPr marL="68580" marR="68580"/>
+                </a:tc>
+                <a:tc>
+                  <a:txBody>
+                    <a:bodyPr/>
+                    <a:lstStyle/>
+                    <a:p>
+                      <a:pPr algn="ctr"/>
+                      <a:r>
+                        <a:rPr lang="en-US" sz="2000" dirty="0"/>
+                        <a:t>74</a:t>
+                      </a:r>
+                      <a:endParaRPr lang="en-CA" sz="2000" dirty="0"/>
+                    </a:p>
+                  </a:txBody>
+                  <a:tcPr marL="68580" marR="68580"/>
+                </a:tc>
+                <a:tc>
+                  <a:txBody>
+                    <a:bodyPr/>
+                    <a:lstStyle/>
+                    <a:p>
+                      <a:pPr algn="ctr"/>
+                      <a:r>
+                        <a:rPr lang="en-US" sz="2000" dirty="0"/>
+                        <a:t>31</a:t>
+                      </a:r>
+                      <a:endParaRPr lang="en-CA" sz="2000" dirty="0"/>
+                    </a:p>
+                  </a:txBody>
+                  <a:tcPr marL="68580" marR="68580"/>
+                </a:tc>
+                <a:extLst>
+                  <a:ext uri="{0D108BD9-81ED-4DB2-BD59-A6C34878D82A}">
+                    <a16:rowId xmlns="" xmlns:a16="http://schemas.microsoft.com/office/drawing/2014/main" val="169931534"/>
+                  </a:ext>
+                </a:extLst>
+              </a:tr>
+              <a:tr h="436892">
+                <a:tc>
+                  <a:txBody>
+                    <a:bodyPr/>
+                    <a:lstStyle/>
+                    <a:p>
+                      <a:pPr algn="ctr"/>
+                      <a:r>
+                        <a:rPr lang="en-US" sz="2000" dirty="0"/>
+                        <a:t>GDP</a:t>
+                      </a:r>
+                      <a:endParaRPr lang="en-CA" sz="2000" dirty="0"/>
+                    </a:p>
+                  </a:txBody>
+                  <a:tcPr marL="68580" marR="68580"/>
+                </a:tc>
+                <a:tc>
+                  <a:txBody>
+                    <a:bodyPr/>
+                    <a:lstStyle/>
+                    <a:p>
+                      <a:pPr algn="ctr"/>
+                      <a:r>
+                        <a:rPr lang="en-US" sz="2000" dirty="0"/>
+                        <a:t>2004-2022</a:t>
+                      </a:r>
+                      <a:endParaRPr lang="en-CA" sz="2000" dirty="0"/>
+                    </a:p>
+                  </a:txBody>
+                  <a:tcPr marL="68580" marR="68580"/>
+                </a:tc>
+                <a:tc>
+                  <a:txBody>
+                    <a:bodyPr/>
+                    <a:lstStyle/>
+                    <a:p>
+                      <a:pPr algn="ctr"/>
+                      <a:r>
+                        <a:rPr lang="en-US" sz="2000" dirty="0"/>
+                        <a:t>Quarterly</a:t>
+                      </a:r>
+                      <a:endParaRPr lang="en-CA" sz="2000" dirty="0"/>
+                    </a:p>
+                  </a:txBody>
+                  <a:tcPr marL="68580" marR="68580"/>
+                </a:tc>
+                <a:tc>
+                  <a:txBody>
+                    <a:bodyPr/>
+                    <a:lstStyle/>
+                    <a:p>
+                      <a:pPr algn="ctr"/>
+                      <a:r>
+                        <a:rPr lang="en-US" sz="2000" dirty="0"/>
+                        <a:t>72</a:t>
+                      </a:r>
+                      <a:endParaRPr lang="en-CA" sz="2000" dirty="0"/>
+                    </a:p>
+                  </a:txBody>
+                  <a:tcPr marL="68580" marR="68580"/>
+                </a:tc>
+                <a:tc>
+                  <a:txBody>
+                    <a:bodyPr/>
+                    <a:lstStyle/>
+                    <a:p>
+                      <a:pPr algn="ctr"/>
+                      <a:r>
+                        <a:rPr lang="en-US" sz="2000" dirty="0"/>
+                        <a:t>446</a:t>
+                      </a:r>
+                      <a:endParaRPr lang="en-CA" sz="2000" dirty="0"/>
+                    </a:p>
+                  </a:txBody>
+                  <a:tcPr marL="68580" marR="68580"/>
+                </a:tc>
+                <a:extLst>
+                  <a:ext uri="{0D108BD9-81ED-4DB2-BD59-A6C34878D82A}">
+                    <a16:rowId xmlns="" xmlns:a16="http://schemas.microsoft.com/office/drawing/2014/main" val="314551065"/>
+                  </a:ext>
+                </a:extLst>
+              </a:tr>
+            </a:tbl>
+          </a:graphicData>
+        </a:graphic>
+      </p:graphicFrame>
+      <p:sp>
+        <p:nvSpPr>
+          <p:cNvPr id="17" name="Rectangle 16">
+            <a:extLst>
+              <a:ext uri="{FF2B5EF4-FFF2-40B4-BE49-F238E27FC236}">
+                <a16:creationId xmlns="" xmlns:a16="http://schemas.microsoft.com/office/drawing/2014/main" id="{B58467E7-E53D-0A0C-8D64-3D1284C55B68}"/>
+              </a:ext>
+            </a:extLst>
+          </p:cNvPr>
+          <p:cNvSpPr/>
+          <p:nvPr/>
+        </p:nvSpPr>
+        <p:spPr>
+          <a:xfrm>
+            <a:off x="2571736" y="2928934"/>
+            <a:ext cx="4344042" cy="523220"/>
+          </a:xfrm>
+          <a:prstGeom prst="rect">
+            <a:avLst/>
+          </a:prstGeom>
+          <a:noFill/>
+        </p:spPr>
+        <p:txBody>
+          <a:bodyPr wrap="square" lIns="91440" tIns="45720" rIns="91440" bIns="45720">
+            <a:spAutoFit/>
+          </a:bodyPr>
+          <a:lstStyle/>
+          <a:p>
+            <a:pPr algn="ctr"/>
+            <a:r>
+              <a:rPr lang="en-GB" sz="2800" cap="none" spc="0" dirty="0">
+                <a:ln w="0"/>
                 <a:solidFill>
                   <a:schemeClr val="tx1"/>
                 </a:solidFill>
+                <a:effectLst>
+                  <a:outerShdw blurRad="38100" dist="19050" dir="2700000" algn="tl" rotWithShape="0">
+                    <a:schemeClr val="dk1">
+                      <a:alpha val="40000"/>
+                    </a:schemeClr>
+                  </a:outerShdw>
+                </a:effectLst>
               </a:rPr>
-              <a:t> </a:t>
-            </a:r>
-            <a:r>
-              <a:rPr lang="en-IN" sz="1800" dirty="0">
+              <a:t>  </a:t>
+            </a:r>
+            <a:r>
+              <a:rPr lang="en-GB" sz="2800" dirty="0">
+                <a:ln w="0"/>
+                <a:effectLst>
+                  <a:outerShdw blurRad="38100" dist="19050" dir="2700000" algn="tl" rotWithShape="0">
+                    <a:schemeClr val="dk1">
+                      <a:alpha val="40000"/>
+                    </a:schemeClr>
+                  </a:outerShdw>
+                </a:effectLst>
+              </a:rPr>
+              <a:t>Selected D</a:t>
+            </a:r>
+            <a:r>
+              <a:rPr lang="en-GB" sz="2800" cap="none" spc="0" dirty="0">
+                <a:ln w="0"/>
                 <a:solidFill>
                   <a:schemeClr val="tx1"/>
                 </a:solidFill>
+                <a:effectLst>
+                  <a:outerShdw blurRad="38100" dist="19050" dir="2700000" algn="tl" rotWithShape="0">
+                    <a:schemeClr val="dk1">
+                      <a:alpha val="40000"/>
+                    </a:schemeClr>
+                  </a:outerShdw>
+                </a:effectLst>
               </a:rPr>
-              <a:t>in meteorology is short-time forecasting typically referring to a horizon of +0-6h. </a:t>
-            </a:r>
-            <a:r>
-              <a:rPr lang="en-IN" sz="1800" dirty="0" smtClean="0">
+              <a:t>ata for </a:t>
+            </a:r>
+            <a:r>
+              <a:rPr lang="en-GB" sz="2800" dirty="0">
+                <a:ln w="0"/>
+                <a:effectLst>
+                  <a:outerShdw blurRad="38100" dist="19050" dir="2700000" algn="tl" rotWithShape="0">
+                    <a:schemeClr val="dk1">
+                      <a:alpha val="40000"/>
+                    </a:schemeClr>
+                  </a:outerShdw>
+                </a:effectLst>
+              </a:rPr>
+              <a:t>A</a:t>
+            </a:r>
+            <a:r>
+              <a:rPr lang="en-GB" sz="2800" cap="none" spc="0" dirty="0">
+                <a:ln w="0"/>
                 <a:solidFill>
                   <a:schemeClr val="tx1"/>
                 </a:solidFill>
+                <a:effectLst>
+                  <a:outerShdw blurRad="38100" dist="19050" dir="2700000" algn="tl" rotWithShape="0">
+                    <a:schemeClr val="dk1">
+                      <a:alpha val="40000"/>
+                    </a:schemeClr>
+                  </a:outerShdw>
+                </a:effectLst>
               </a:rPr>
-              <a:t>In </a:t>
-            </a:r>
-            <a:r>
-              <a:rPr lang="en-IN" sz="1800" dirty="0">
-                <a:solidFill>
-                  <a:schemeClr val="tx1"/>
-                </a:solidFill>
-              </a:rPr>
-              <a:t>a practical sense now, </a:t>
-            </a:r>
-            <a:r>
-              <a:rPr lang="en-IN" sz="1800" dirty="0" err="1">
-                <a:solidFill>
-                  <a:schemeClr val="tx1"/>
-                </a:solidFill>
-              </a:rPr>
-              <a:t>nowcasting</a:t>
-            </a:r>
-            <a:r>
-              <a:rPr lang="en-IN" sz="1800" dirty="0">
-                <a:solidFill>
-                  <a:schemeClr val="tx1"/>
-                </a:solidFill>
-              </a:rPr>
-              <a:t> tends to be fast and aims at short term warnings, while NWP is complex and computationally expensive</a:t>
-            </a:r>
-            <a:r>
-              <a:rPr lang="en-IN" sz="1800" dirty="0" smtClean="0">
-                <a:solidFill>
-                  <a:schemeClr val="tx1"/>
-                </a:solidFill>
-              </a:rPr>
-              <a:t>.</a:t>
-            </a:r>
-          </a:p>
-          <a:p>
-            <a:r>
-              <a:rPr lang="en-IN" sz="1800" dirty="0"/>
-              <a:t> </a:t>
-            </a:r>
-            <a:r>
-              <a:rPr lang="en-IN" sz="1800" b="1" dirty="0"/>
-              <a:t>forecast</a:t>
-            </a:r>
-            <a:r>
-              <a:rPr lang="en-IN" sz="1800" dirty="0"/>
-              <a:t> is an estimation of a future </a:t>
-            </a:r>
-            <a:r>
-              <a:rPr lang="en-IN" sz="1800" dirty="0" err="1" smtClean="0"/>
-              <a:t>condition.</a:t>
-            </a:r>
-            <a:r>
-              <a:rPr lang="en-IN" sz="1800" b="1" dirty="0" err="1" smtClean="0"/>
-              <a:t>As</a:t>
-            </a:r>
-            <a:r>
-              <a:rPr lang="en-IN" sz="1800" b="1" dirty="0" smtClean="0"/>
-              <a:t> </a:t>
-            </a:r>
-            <a:r>
-              <a:rPr lang="en-IN" sz="1800" b="1" dirty="0"/>
-              <a:t>a verb forecast </a:t>
-            </a:r>
-            <a:r>
-              <a:rPr lang="en-IN" sz="1800" b="1" dirty="0" smtClean="0"/>
-              <a:t>is</a:t>
-            </a:r>
-            <a:r>
-              <a:rPr lang="en-IN" sz="1800" dirty="0"/>
-              <a:t> to estimate how something will be in the future.</a:t>
-            </a:r>
-            <a:endParaRPr lang="en-IN" sz="1800" dirty="0">
-              <a:solidFill>
-                <a:schemeClr val="tx1"/>
-              </a:solidFill>
-            </a:endParaRPr>
-          </a:p>
-          <a:p>
-            <a:pPr algn="l"/>
-            <a:r>
-              <a:rPr lang="en-IN" sz="1800" dirty="0" err="1"/>
-              <a:t>Nowcasting</a:t>
-            </a:r>
-            <a:r>
-              <a:rPr lang="en-IN" sz="1800" dirty="0"/>
-              <a:t> is the economic discipline of determining a trend or a trend reversal objectively in real time. </a:t>
-            </a:r>
-            <a:r>
-              <a:rPr lang="en-IN" sz="1800" dirty="0" err="1"/>
-              <a:t>Nowcasting</a:t>
-            </a:r>
-            <a:r>
-              <a:rPr lang="en-IN" sz="1800" dirty="0"/>
-              <a:t> is fact-based, focuses on the known and knowable, and therefore avoids forecasting. </a:t>
-            </a:r>
-            <a:r>
-              <a:rPr lang="en-IN" sz="1800" dirty="0" err="1"/>
-              <a:t>Nowcasting</a:t>
-            </a:r>
-            <a:r>
-              <a:rPr lang="en-IN" sz="1800" dirty="0"/>
-              <a:t> is the basis of a robust decision-making process</a:t>
-            </a:r>
-            <a:r>
-              <a:rPr lang="en-IN" sz="1800" dirty="0" smtClean="0"/>
-              <a:t>.</a:t>
-            </a:r>
-          </a:p>
-          <a:p>
-            <a:pPr algn="l"/>
-            <a:endParaRPr lang="en-IN" sz="1800" dirty="0">
-              <a:solidFill>
-                <a:schemeClr val="tx1"/>
-              </a:solidFill>
-            </a:endParaRPr>
-          </a:p>
-          <a:p>
-            <a:r>
-              <a:rPr lang="en-IN" sz="1800" dirty="0" smtClean="0">
-                <a:solidFill>
-                  <a:schemeClr val="tx1"/>
-                </a:solidFill>
-              </a:rPr>
-              <a:t>&gt;</a:t>
-            </a:r>
-            <a:r>
-              <a:rPr lang="en-IN" sz="1800" dirty="0"/>
-              <a:t>NOWCASTING refers to a very short time about events...i.e. one day, two or three... based on quantitative data.</a:t>
-            </a:r>
-          </a:p>
-          <a:p>
-            <a:r>
-              <a:rPr lang="en-IN" sz="1800" dirty="0"/>
-              <a:t>Forecasting refers to a very long future.... </a:t>
-            </a:r>
-            <a:r>
-              <a:rPr lang="en-IN" sz="1800" dirty="0" err="1"/>
-              <a:t>i.e</a:t>
-            </a:r>
-            <a:r>
-              <a:rPr lang="en-IN" sz="1800" dirty="0"/>
-              <a:t>, one year, a decade, etc. normally based on qualitative data, like Delphi, etc. But, today we have good applications based on A.I. that use quantitative data to predict the future</a:t>
-            </a:r>
-            <a:r>
-              <a:rPr lang="en-IN" sz="1800" dirty="0" smtClean="0"/>
-              <a:t>.</a:t>
-            </a:r>
-          </a:p>
-          <a:p>
-            <a:pPr algn="l"/>
-            <a:r>
-              <a:rPr lang="en-IN" sz="1800" dirty="0" smtClean="0"/>
-              <a:t>&gt; </a:t>
-            </a:r>
-            <a:r>
-              <a:rPr lang="en-IN" sz="1800" dirty="0" err="1"/>
-              <a:t>Nowcasting</a:t>
-            </a:r>
-            <a:r>
-              <a:rPr lang="en-IN" sz="1800" dirty="0"/>
-              <a:t> is more about understanding the current situation. </a:t>
-            </a:r>
-          </a:p>
-          <a:p>
-            <a:pPr algn="l"/>
-            <a:endParaRPr lang="en-IN" sz="1800" dirty="0">
-              <a:solidFill>
-                <a:schemeClr val="tx1"/>
-              </a:solidFill>
-            </a:endParaRPr>
+              <a:t>nalysis</a:t>
+            </a:r>
           </a:p>
         </p:txBody>
       </p:sp>
     </p:spTree>
+    <p:extLst>
+      <p:ext uri="{BB962C8B-B14F-4D97-AF65-F5344CB8AC3E}">
+        <p14:creationId xmlns="" xmlns:p14="http://schemas.microsoft.com/office/powerpoint/2010/main" val="2811548049"/>
+      </p:ext>
+    </p:extLst>
   </p:cSld>
   <p:clrMapOvr>
     <a:masterClrMapping/>
@@ -9791,62 +11741,296 @@
       </p:grpSpPr>
       <p:sp>
         <p:nvSpPr>
-          <p:cNvPr id="2" name="Rectangle 1"/>
+          <p:cNvPr id="15" name="Rectangle 14">
+            <a:extLst>
+              <a:ext uri="{FF2B5EF4-FFF2-40B4-BE49-F238E27FC236}">
+                <a16:creationId xmlns="" xmlns:a16="http://schemas.microsoft.com/office/drawing/2014/main" id="{691AD157-6A66-97C5-C686-96F59EFEA810}"/>
+              </a:ext>
+            </a:extLst>
+          </p:cNvPr>
           <p:cNvSpPr/>
           <p:nvPr/>
         </p:nvSpPr>
         <p:spPr>
           <a:xfrm>
-            <a:off x="500034" y="714356"/>
-            <a:ext cx="8358246" cy="3416320"/>
+            <a:off x="266331" y="1264689"/>
+            <a:ext cx="1571349" cy="830997"/>
+          </a:xfrm>
+          <a:prstGeom prst="rect">
+            <a:avLst/>
+          </a:prstGeom>
+          <a:noFill/>
+        </p:spPr>
+        <p:txBody>
+          <a:bodyPr wrap="square" lIns="91440" tIns="45720" rIns="91440" bIns="45720">
+            <a:spAutoFit/>
+          </a:bodyPr>
+          <a:lstStyle/>
+          <a:p>
+            <a:pPr algn="ctr"/>
+            <a:r>
+              <a:rPr lang="en-GB" sz="2400" cap="none" spc="0" dirty="0">
+                <a:ln w="0"/>
+                <a:solidFill>
+                  <a:schemeClr val="tx1"/>
+                </a:solidFill>
+                <a:effectLst>
+                  <a:outerShdw blurRad="38100" dist="19050" dir="2700000" algn="tl" rotWithShape="0">
+                    <a:schemeClr val="dk1">
+                      <a:alpha val="40000"/>
+                    </a:schemeClr>
+                  </a:outerShdw>
+                </a:effectLst>
+              </a:rPr>
+              <a:t>GDP time series</a:t>
+            </a:r>
+          </a:p>
+        </p:txBody>
+      </p:sp>
+      <p:sp>
+        <p:nvSpPr>
+          <p:cNvPr id="17" name="Rectangle 16">
+            <a:extLst>
+              <a:ext uri="{FF2B5EF4-FFF2-40B4-BE49-F238E27FC236}">
+                <a16:creationId xmlns="" xmlns:a16="http://schemas.microsoft.com/office/drawing/2014/main" id="{B58467E7-E53D-0A0C-8D64-3D1284C55B68}"/>
+              </a:ext>
+            </a:extLst>
+          </p:cNvPr>
+          <p:cNvSpPr/>
+          <p:nvPr/>
+        </p:nvSpPr>
+        <p:spPr>
+          <a:xfrm>
+            <a:off x="0" y="4000504"/>
+            <a:ext cx="1969356" cy="1200329"/>
+          </a:xfrm>
+          <a:prstGeom prst="rect">
+            <a:avLst/>
+          </a:prstGeom>
+          <a:noFill/>
+        </p:spPr>
+        <p:txBody>
+          <a:bodyPr wrap="square" lIns="91440" tIns="45720" rIns="91440" bIns="45720">
+            <a:spAutoFit/>
+          </a:bodyPr>
+          <a:lstStyle/>
+          <a:p>
+            <a:pPr algn="ctr"/>
+            <a:r>
+              <a:rPr lang="en-GB" sz="2400" cap="none" spc="0" dirty="0">
+                <a:ln w="0"/>
+                <a:solidFill>
+                  <a:schemeClr val="tx1"/>
+                </a:solidFill>
+                <a:effectLst>
+                  <a:outerShdw blurRad="38100" dist="19050" dir="2700000" algn="tl" rotWithShape="0">
+                    <a:schemeClr val="dk1">
+                      <a:alpha val="40000"/>
+                    </a:schemeClr>
+                  </a:outerShdw>
+                </a:effectLst>
+              </a:rPr>
+              <a:t>  </a:t>
+            </a:r>
+            <a:r>
+              <a:rPr lang="en-GB" sz="2400" dirty="0">
+                <a:ln w="0"/>
+                <a:effectLst>
+                  <a:outerShdw blurRad="38100" dist="19050" dir="2700000" algn="tl" rotWithShape="0">
+                    <a:schemeClr val="dk1">
+                      <a:alpha val="40000"/>
+                    </a:schemeClr>
+                  </a:outerShdw>
+                </a:effectLst>
+              </a:rPr>
+              <a:t>Google Trends time series</a:t>
+            </a:r>
+            <a:endParaRPr lang="en-GB" sz="2400" cap="none" spc="0" dirty="0">
+              <a:ln w="0"/>
+              <a:solidFill>
+                <a:schemeClr val="tx1"/>
+              </a:solidFill>
+              <a:effectLst>
+                <a:outerShdw blurRad="38100" dist="19050" dir="2700000" algn="tl" rotWithShape="0">
+                  <a:schemeClr val="dk1">
+                    <a:alpha val="40000"/>
+                  </a:schemeClr>
+                </a:outerShdw>
+              </a:effectLst>
+            </a:endParaRPr>
+          </a:p>
+        </p:txBody>
+      </p:sp>
+      <p:pic>
+        <p:nvPicPr>
+          <p:cNvPr id="6" name="Picture 5" descr="Chart, line chart&#10;&#10;Description automatically generated">
+            <a:extLst>
+              <a:ext uri="{FF2B5EF4-FFF2-40B4-BE49-F238E27FC236}">
+                <a16:creationId xmlns="" xmlns:a16="http://schemas.microsoft.com/office/drawing/2014/main" id="{3EF5CD56-46BC-5D03-7B06-4D5330962E80}"/>
+              </a:ext>
+            </a:extLst>
+          </p:cNvPr>
+          <p:cNvPicPr>
+            <a:picLocks noChangeAspect="1"/>
+          </p:cNvPicPr>
+          <p:nvPr/>
+        </p:nvPicPr>
+        <p:blipFill>
+          <a:blip r:embed="rId2">
+            <a:extLst>
+              <a:ext uri="{28A0092B-C50C-407E-A947-70E740481C1C}">
+                <a14:useLocalDpi xmlns="" xmlns:a14="http://schemas.microsoft.com/office/drawing/2010/main" val="0"/>
+              </a:ext>
+            </a:extLst>
+          </a:blip>
+          <a:stretch>
+            <a:fillRect/>
+          </a:stretch>
+        </p:blipFill>
+        <p:spPr>
+          <a:xfrm>
+            <a:off x="1371601" y="29998"/>
+            <a:ext cx="8290696" cy="3684754"/>
           </a:xfrm>
           <a:prstGeom prst="rect">
             <a:avLst/>
           </a:prstGeom>
         </p:spPr>
+      </p:pic>
+      <p:pic>
+        <p:nvPicPr>
+          <p:cNvPr id="8" name="Picture 7" descr="A picture containing chart&#10;&#10;Description automatically generated">
+            <a:extLst>
+              <a:ext uri="{FF2B5EF4-FFF2-40B4-BE49-F238E27FC236}">
+                <a16:creationId xmlns="" xmlns:a16="http://schemas.microsoft.com/office/drawing/2014/main" id="{BF86694E-DACC-895B-634B-112B14EE719E}"/>
+              </a:ext>
+            </a:extLst>
+          </p:cNvPr>
+          <p:cNvPicPr>
+            <a:picLocks noChangeAspect="1"/>
+          </p:cNvPicPr>
+          <p:nvPr/>
+        </p:nvPicPr>
+        <p:blipFill>
+          <a:blip r:embed="rId3">
+            <a:extLst>
+              <a:ext uri="{28A0092B-C50C-407E-A947-70E740481C1C}">
+                <a14:useLocalDpi xmlns="" xmlns:a14="http://schemas.microsoft.com/office/drawing/2010/main" val="0"/>
+              </a:ext>
+            </a:extLst>
+          </a:blip>
+          <a:stretch>
+            <a:fillRect/>
+          </a:stretch>
+        </p:blipFill>
+        <p:spPr>
+          <a:xfrm>
+            <a:off x="1412953" y="3258596"/>
+            <a:ext cx="8345055" cy="3599403"/>
+          </a:xfrm>
+          <a:prstGeom prst="rect">
+            <a:avLst/>
+          </a:prstGeom>
+        </p:spPr>
+      </p:pic>
+      <p:sp>
+        <p:nvSpPr>
+          <p:cNvPr id="9" name="Arrow: Right 8">
+            <a:extLst>
+              <a:ext uri="{FF2B5EF4-FFF2-40B4-BE49-F238E27FC236}">
+                <a16:creationId xmlns="" xmlns:a16="http://schemas.microsoft.com/office/drawing/2014/main" id="{CD3D7629-8D8C-92A5-B12B-F24F9B329BB1}"/>
+              </a:ext>
+            </a:extLst>
+          </p:cNvPr>
+          <p:cNvSpPr/>
+          <p:nvPr/>
+        </p:nvSpPr>
+        <p:spPr>
+          <a:xfrm>
+            <a:off x="305638" y="1963186"/>
+            <a:ext cx="1598621" cy="373315"/>
+          </a:xfrm>
+          <a:prstGeom prst="rightArrow">
+            <a:avLst/>
+          </a:prstGeom>
+        </p:spPr>
+        <p:style>
+          <a:lnRef idx="2">
+            <a:schemeClr val="dk1">
+              <a:shade val="50000"/>
+            </a:schemeClr>
+          </a:lnRef>
+          <a:fillRef idx="1">
+            <a:schemeClr val="dk1"/>
+          </a:fillRef>
+          <a:effectRef idx="0">
+            <a:schemeClr val="dk1"/>
+          </a:effectRef>
+          <a:fontRef idx="minor">
+            <a:schemeClr val="lt1"/>
+          </a:fontRef>
+        </p:style>
         <p:txBody>
-          <a:bodyPr wrap="square">
-            <a:spAutoFit/>
-          </a:bodyPr>
+          <a:bodyPr rtlCol="0" anchor="ctr"/>
           <a:lstStyle/>
           <a:p>
-            <a:r>
-              <a:rPr lang="en-IN" b="1" dirty="0"/>
-              <a:t>Tools, Methodology, Techniques</a:t>
-            </a:r>
-            <a:endParaRPr lang="en-IN" dirty="0"/>
-          </a:p>
-          <a:p>
-            <a:r>
-              <a:rPr lang="en-IN" u="sng" dirty="0"/>
-              <a:t>You will not have enough time to describe in detail all of your implementation/analysis.</a:t>
-            </a:r>
-            <a:r>
-              <a:rPr lang="en-IN" dirty="0"/>
-              <a:t> The goal of the presentation is to give a high-level overview project and the findings and outcomes. This is intended to convey a summary of the work completed. This section may include:</a:t>
-            </a:r>
-          </a:p>
-          <a:p>
-            <a:r>
-              <a:rPr lang="en-IN" dirty="0"/>
-              <a:t>A summary and overview similar to the section in your report, with the goal of providing details of the problem you are solving</a:t>
-            </a:r>
-          </a:p>
-          <a:p>
-            <a:r>
-              <a:rPr lang="en-IN" dirty="0"/>
-              <a:t>A summary of the details of your solution. It will include a presentation (or sample) of the collected data and analysis. Tables and Figures should be included as necessary.  </a:t>
-            </a:r>
-          </a:p>
-          <a:p>
-            <a:r>
-              <a:rPr lang="en-IN" dirty="0"/>
-              <a:t>Some specific of your project's implementation (technical details where needed and appropriate) and comments on how the project objectives were translated into a realistic work plan, utilizing team skills.</a:t>
-            </a:r>
+            <a:pPr algn="ctr"/>
+            <a:endParaRPr lang="en-CA"/>
+          </a:p>
+        </p:txBody>
+      </p:sp>
+      <p:sp>
+        <p:nvSpPr>
+          <p:cNvPr id="18" name="Arrow: Right 17">
+            <a:extLst>
+              <a:ext uri="{FF2B5EF4-FFF2-40B4-BE49-F238E27FC236}">
+                <a16:creationId xmlns="" xmlns:a16="http://schemas.microsoft.com/office/drawing/2014/main" id="{276EDE40-E37D-FE69-BBD3-9944C9829C29}"/>
+              </a:ext>
+            </a:extLst>
+          </p:cNvPr>
+          <p:cNvSpPr/>
+          <p:nvPr/>
+        </p:nvSpPr>
+        <p:spPr>
+          <a:xfrm>
+            <a:off x="214282" y="5072074"/>
+            <a:ext cx="1598621" cy="373315"/>
+          </a:xfrm>
+          <a:prstGeom prst="rightArrow">
+            <a:avLst/>
+          </a:prstGeom>
+        </p:spPr>
+        <p:style>
+          <a:lnRef idx="2">
+            <a:schemeClr val="dk1">
+              <a:shade val="50000"/>
+            </a:schemeClr>
+          </a:lnRef>
+          <a:fillRef idx="1">
+            <a:schemeClr val="dk1"/>
+          </a:fillRef>
+          <a:effectRef idx="0">
+            <a:schemeClr val="dk1"/>
+          </a:effectRef>
+          <a:fontRef idx="minor">
+            <a:schemeClr val="lt1"/>
+          </a:fontRef>
+        </p:style>
+        <p:txBody>
+          <a:bodyPr rtlCol="0" anchor="ctr"/>
+          <a:lstStyle/>
+          <a:p>
+            <a:pPr algn="ctr"/>
+            <a:endParaRPr lang="en-CA"/>
           </a:p>
         </p:txBody>
       </p:sp>
     </p:spTree>
+    <p:extLst>
+      <p:ext uri="{BB962C8B-B14F-4D97-AF65-F5344CB8AC3E}">
+        <p14:creationId xmlns="" xmlns:p14="http://schemas.microsoft.com/office/powerpoint/2010/main" val="1304264832"/>
+      </p:ext>
+    </p:extLst>
   </p:cSld>
   <p:clrMapOvr>
     <a:masterClrMapping/>
@@ -10196,6 +12380,793 @@
         </p:txBody>
       </p:sp>
     </p:spTree>
+  </p:cSld>
+  <p:clrMapOvr>
+    <a:masterClrMapping/>
+  </p:clrMapOvr>
+</p:sld>
+</file>
+
+<file path=ppt/slides/slide20.xml><?xml version="1.0" encoding="utf-8"?>
+<p:sld xmlns:a="http://schemas.openxmlformats.org/drawingml/2006/main" xmlns:r="http://schemas.openxmlformats.org/officeDocument/2006/relationships" xmlns:p="http://schemas.openxmlformats.org/presentationml/2006/main">
+  <p:cSld>
+    <p:spTree>
+      <p:nvGrpSpPr>
+        <p:cNvPr id="1" name=""/>
+        <p:cNvGrpSpPr/>
+        <p:nvPr/>
+      </p:nvGrpSpPr>
+      <p:grpSpPr>
+        <a:xfrm>
+          <a:off x="0" y="0"/>
+          <a:ext cx="0" cy="0"/>
+          <a:chOff x="0" y="0"/>
+          <a:chExt cx="0" cy="0"/>
+        </a:xfrm>
+      </p:grpSpPr>
+      <p:sp>
+        <p:nvSpPr>
+          <p:cNvPr id="4" name="Slide Number Placeholder 3">
+            <a:extLst>
+              <a:ext uri="{FF2B5EF4-FFF2-40B4-BE49-F238E27FC236}">
+                <a16:creationId xmlns="" xmlns:a16="http://schemas.microsoft.com/office/drawing/2014/main" id="{3C224C33-7AA5-3260-CBDC-107D456E4B1D}"/>
+              </a:ext>
+            </a:extLst>
+          </p:cNvPr>
+          <p:cNvSpPr>
+            <a:spLocks noGrp="1"/>
+          </p:cNvSpPr>
+          <p:nvPr>
+            <p:ph type="sldNum" sz="quarter" idx="12"/>
+          </p:nvPr>
+        </p:nvSpPr>
+        <p:spPr>
+          <a:xfrm>
+            <a:off x="6457950" y="6356351"/>
+            <a:ext cx="2057400" cy="365125"/>
+          </a:xfrm>
+        </p:spPr>
+        <p:txBody>
+          <a:bodyPr vert="horz" lIns="91440" tIns="45720" rIns="91440" bIns="45720" rtlCol="0">
+            <a:normAutofit/>
+          </a:bodyPr>
+          <a:lstStyle/>
+          <a:p>
+            <a:pPr>
+              <a:spcAft>
+                <a:spcPts val="600"/>
+              </a:spcAft>
+            </a:pPr>
+            <a:fld id="{76B8FEF2-1166-4001-8604-5999A6307F98}" type="slidenum">
+              <a:rPr lang="en-US">
+                <a:solidFill>
+                  <a:schemeClr val="bg1"/>
+                </a:solidFill>
+              </a:rPr>
+              <a:pPr>
+                <a:spcAft>
+                  <a:spcPts val="600"/>
+                </a:spcAft>
+              </a:pPr>
+              <a:t>20</a:t>
+            </a:fld>
+            <a:endParaRPr lang="en-US">
+              <a:solidFill>
+                <a:schemeClr val="bg1"/>
+              </a:solidFill>
+            </a:endParaRPr>
+          </a:p>
+        </p:txBody>
+      </p:sp>
+      <p:grpSp>
+        <p:nvGrpSpPr>
+          <p:cNvPr id="3" name="Graphic 185">
+            <a:extLst>
+              <a:ext uri="{FF2B5EF4-FFF2-40B4-BE49-F238E27FC236}">
+                <a16:creationId xmlns="" xmlns:a16="http://schemas.microsoft.com/office/drawing/2014/main" id="{582A903B-6B78-4F0A-B7C9-3D80499020B8}"/>
+              </a:ext>
+              <a:ext uri="{C183D7F6-B498-43B3-948B-1728B52AA6E4}">
+                <adec:decorative xmlns="" xmlns:adec="http://schemas.microsoft.com/office/drawing/2017/decorative" val="1"/>
+              </a:ext>
+            </a:extLst>
+          </p:cNvPr>
+          <p:cNvGrpSpPr>
+            <a:grpSpLocks noGrp="1" noUngrp="1" noRot="1" noChangeAspect="1" noMove="1" noResize="1"/>
+          </p:cNvGrpSpPr>
+          <p:nvPr>
+            <p:extLst>
+              <p:ext uri="{386F3935-93C4-4BCD-93E2-E3B085C9AB24}">
+                <p16:designElem xmlns="" xmlns:p16="http://schemas.microsoft.com/office/powerpoint/2015/main" val="1"/>
+              </p:ext>
+            </p:extLst>
+          </p:nvPr>
+        </p:nvGrpSpPr>
+        <p:grpSpPr>
+          <a:xfrm>
+            <a:off x="7821475" y="5987065"/>
+            <a:ext cx="790850" cy="469689"/>
+            <a:chOff x="9841624" y="4115729"/>
+            <a:chExt cx="602169" cy="268223"/>
+          </a:xfrm>
+          <a:solidFill>
+            <a:schemeClr val="bg1"/>
+          </a:solidFill>
+        </p:grpSpPr>
+        <p:sp>
+          <p:nvSpPr>
+            <p:cNvPr id="81" name="Freeform: Shape 80">
+              <a:extLst>
+                <a:ext uri="{FF2B5EF4-FFF2-40B4-BE49-F238E27FC236}">
+                  <a16:creationId xmlns="" xmlns:a16="http://schemas.microsoft.com/office/drawing/2014/main" id="{D510EA93-8F64-42C8-A630-D449506E95E0}"/>
+                </a:ext>
+                <a:ext uri="{C183D7F6-B498-43B3-948B-1728B52AA6E4}">
+                  <adec:decorative xmlns="" xmlns:adec="http://schemas.microsoft.com/office/drawing/2017/decorative" val="1"/>
+                </a:ext>
+              </a:extLst>
+            </p:cNvPr>
+            <p:cNvSpPr/>
+            <p:nvPr>
+              <p:extLst>
+                <p:ext uri="{386F3935-93C4-4BCD-93E2-E3B085C9AB24}">
+                  <p16:designElem xmlns="" xmlns:p16="http://schemas.microsoft.com/office/powerpoint/2015/main" val="1"/>
+                </p:ext>
+              </p:extLst>
+            </p:nvPr>
+          </p:nvSpPr>
+          <p:spPr>
+            <a:xfrm>
+              <a:off x="9841624" y="4115729"/>
+              <a:ext cx="202882" cy="268223"/>
+            </a:xfrm>
+            <a:custGeom>
+              <a:avLst/>
+              <a:gdLst>
+                <a:gd name="connsiteX0" fmla="*/ 20765 w 202882"/>
+                <a:gd name="connsiteY0" fmla="*/ 268224 h 268223"/>
+                <a:gd name="connsiteX1" fmla="*/ 0 w 202882"/>
+                <a:gd name="connsiteY1" fmla="*/ 268224 h 268223"/>
+                <a:gd name="connsiteX2" fmla="*/ 182118 w 202882"/>
+                <a:gd name="connsiteY2" fmla="*/ 0 h 268223"/>
+                <a:gd name="connsiteX3" fmla="*/ 202883 w 202882"/>
+                <a:gd name="connsiteY3" fmla="*/ 0 h 268223"/>
+              </a:gdLst>
+              <a:ahLst/>
+              <a:cxnLst>
+                <a:cxn ang="0">
+                  <a:pos x="connsiteX0" y="connsiteY0"/>
+                </a:cxn>
+                <a:cxn ang="0">
+                  <a:pos x="connsiteX1" y="connsiteY1"/>
+                </a:cxn>
+                <a:cxn ang="0">
+                  <a:pos x="connsiteX2" y="connsiteY2"/>
+                </a:cxn>
+                <a:cxn ang="0">
+                  <a:pos x="connsiteX3" y="connsiteY3"/>
+                </a:cxn>
+              </a:cxnLst>
+              <a:rect l="l" t="t" r="r" b="b"/>
+              <a:pathLst>
+                <a:path w="202882" h="268223">
+                  <a:moveTo>
+                    <a:pt x="20765" y="268224"/>
+                  </a:moveTo>
+                  <a:lnTo>
+                    <a:pt x="0" y="268224"/>
+                  </a:lnTo>
+                  <a:lnTo>
+                    <a:pt x="182118" y="0"/>
+                  </a:lnTo>
+                  <a:lnTo>
+                    <a:pt x="202883" y="0"/>
+                  </a:lnTo>
+                  <a:close/>
+                </a:path>
+              </a:pathLst>
+            </a:custGeom>
+            <a:grpFill/>
+            <a:ln w="9525" cap="flat">
+              <a:noFill/>
+              <a:prstDash val="solid"/>
+              <a:miter/>
+            </a:ln>
+          </p:spPr>
+          <p:txBody>
+            <a:bodyPr rtlCol="0" anchor="ctr"/>
+            <a:lstStyle/>
+            <a:p>
+              <a:endParaRPr lang="en-US"/>
+            </a:p>
+          </p:txBody>
+        </p:sp>
+        <p:sp>
+          <p:nvSpPr>
+            <p:cNvPr id="82" name="Freeform: Shape 81">
+              <a:extLst>
+                <a:ext uri="{FF2B5EF4-FFF2-40B4-BE49-F238E27FC236}">
+                  <a16:creationId xmlns="" xmlns:a16="http://schemas.microsoft.com/office/drawing/2014/main" id="{06CB53FC-E4DA-4001-928B-9998A85EA5B8}"/>
+                </a:ext>
+                <a:ext uri="{C183D7F6-B498-43B3-948B-1728B52AA6E4}">
+                  <adec:decorative xmlns="" xmlns:adec="http://schemas.microsoft.com/office/drawing/2017/decorative" val="1"/>
+                </a:ext>
+              </a:extLst>
+            </p:cNvPr>
+            <p:cNvSpPr/>
+            <p:nvPr>
+              <p:extLst>
+                <p:ext uri="{386F3935-93C4-4BCD-93E2-E3B085C9AB24}">
+                  <p16:designElem xmlns="" xmlns:p16="http://schemas.microsoft.com/office/powerpoint/2015/main" val="1"/>
+                </p:ext>
+              </p:extLst>
+            </p:nvPr>
+          </p:nvSpPr>
+          <p:spPr>
+            <a:xfrm>
+              <a:off x="9941445" y="4115729"/>
+              <a:ext cx="202882" cy="268223"/>
+            </a:xfrm>
+            <a:custGeom>
+              <a:avLst/>
+              <a:gdLst>
+                <a:gd name="connsiteX0" fmla="*/ 20765 w 202882"/>
+                <a:gd name="connsiteY0" fmla="*/ 268224 h 268223"/>
+                <a:gd name="connsiteX1" fmla="*/ 0 w 202882"/>
+                <a:gd name="connsiteY1" fmla="*/ 268224 h 268223"/>
+                <a:gd name="connsiteX2" fmla="*/ 182118 w 202882"/>
+                <a:gd name="connsiteY2" fmla="*/ 0 h 268223"/>
+                <a:gd name="connsiteX3" fmla="*/ 202883 w 202882"/>
+                <a:gd name="connsiteY3" fmla="*/ 0 h 268223"/>
+              </a:gdLst>
+              <a:ahLst/>
+              <a:cxnLst>
+                <a:cxn ang="0">
+                  <a:pos x="connsiteX0" y="connsiteY0"/>
+                </a:cxn>
+                <a:cxn ang="0">
+                  <a:pos x="connsiteX1" y="connsiteY1"/>
+                </a:cxn>
+                <a:cxn ang="0">
+                  <a:pos x="connsiteX2" y="connsiteY2"/>
+                </a:cxn>
+                <a:cxn ang="0">
+                  <a:pos x="connsiteX3" y="connsiteY3"/>
+                </a:cxn>
+              </a:cxnLst>
+              <a:rect l="l" t="t" r="r" b="b"/>
+              <a:pathLst>
+                <a:path w="202882" h="268223">
+                  <a:moveTo>
+                    <a:pt x="20765" y="268224"/>
+                  </a:moveTo>
+                  <a:lnTo>
+                    <a:pt x="0" y="268224"/>
+                  </a:lnTo>
+                  <a:lnTo>
+                    <a:pt x="182118" y="0"/>
+                  </a:lnTo>
+                  <a:lnTo>
+                    <a:pt x="202883" y="0"/>
+                  </a:lnTo>
+                  <a:close/>
+                </a:path>
+              </a:pathLst>
+            </a:custGeom>
+            <a:grpFill/>
+            <a:ln w="9525" cap="flat">
+              <a:noFill/>
+              <a:prstDash val="solid"/>
+              <a:miter/>
+            </a:ln>
+          </p:spPr>
+          <p:txBody>
+            <a:bodyPr rtlCol="0" anchor="ctr"/>
+            <a:lstStyle/>
+            <a:p>
+              <a:endParaRPr lang="en-US"/>
+            </a:p>
+          </p:txBody>
+        </p:sp>
+        <p:sp>
+          <p:nvSpPr>
+            <p:cNvPr id="83" name="Freeform: Shape 82">
+              <a:extLst>
+                <a:ext uri="{FF2B5EF4-FFF2-40B4-BE49-F238E27FC236}">
+                  <a16:creationId xmlns="" xmlns:a16="http://schemas.microsoft.com/office/drawing/2014/main" id="{D210B969-4FDF-4AAC-9397-63D5434958D1}"/>
+                </a:ext>
+                <a:ext uri="{C183D7F6-B498-43B3-948B-1728B52AA6E4}">
+                  <adec:decorative xmlns="" xmlns:adec="http://schemas.microsoft.com/office/drawing/2017/decorative" val="1"/>
+                </a:ext>
+              </a:extLst>
+            </p:cNvPr>
+            <p:cNvSpPr/>
+            <p:nvPr>
+              <p:extLst>
+                <p:ext uri="{386F3935-93C4-4BCD-93E2-E3B085C9AB24}">
+                  <p16:designElem xmlns="" xmlns:p16="http://schemas.microsoft.com/office/powerpoint/2015/main" val="1"/>
+                </p:ext>
+              </p:extLst>
+            </p:nvPr>
+          </p:nvSpPr>
+          <p:spPr>
+            <a:xfrm>
+              <a:off x="10041267" y="4115729"/>
+              <a:ext cx="202882" cy="268223"/>
+            </a:xfrm>
+            <a:custGeom>
+              <a:avLst/>
+              <a:gdLst>
+                <a:gd name="connsiteX0" fmla="*/ 20669 w 202882"/>
+                <a:gd name="connsiteY0" fmla="*/ 268224 h 268223"/>
+                <a:gd name="connsiteX1" fmla="*/ 0 w 202882"/>
+                <a:gd name="connsiteY1" fmla="*/ 268224 h 268223"/>
+                <a:gd name="connsiteX2" fmla="*/ 182118 w 202882"/>
+                <a:gd name="connsiteY2" fmla="*/ 0 h 268223"/>
+                <a:gd name="connsiteX3" fmla="*/ 202883 w 202882"/>
+                <a:gd name="connsiteY3" fmla="*/ 0 h 268223"/>
+              </a:gdLst>
+              <a:ahLst/>
+              <a:cxnLst>
+                <a:cxn ang="0">
+                  <a:pos x="connsiteX0" y="connsiteY0"/>
+                </a:cxn>
+                <a:cxn ang="0">
+                  <a:pos x="connsiteX1" y="connsiteY1"/>
+                </a:cxn>
+                <a:cxn ang="0">
+                  <a:pos x="connsiteX2" y="connsiteY2"/>
+                </a:cxn>
+                <a:cxn ang="0">
+                  <a:pos x="connsiteX3" y="connsiteY3"/>
+                </a:cxn>
+              </a:cxnLst>
+              <a:rect l="l" t="t" r="r" b="b"/>
+              <a:pathLst>
+                <a:path w="202882" h="268223">
+                  <a:moveTo>
+                    <a:pt x="20669" y="268224"/>
+                  </a:moveTo>
+                  <a:lnTo>
+                    <a:pt x="0" y="268224"/>
+                  </a:lnTo>
+                  <a:lnTo>
+                    <a:pt x="182118" y="0"/>
+                  </a:lnTo>
+                  <a:lnTo>
+                    <a:pt x="202883" y="0"/>
+                  </a:lnTo>
+                  <a:close/>
+                </a:path>
+              </a:pathLst>
+            </a:custGeom>
+            <a:grpFill/>
+            <a:ln w="9525" cap="flat">
+              <a:noFill/>
+              <a:prstDash val="solid"/>
+              <a:miter/>
+            </a:ln>
+          </p:spPr>
+          <p:txBody>
+            <a:bodyPr rtlCol="0" anchor="ctr"/>
+            <a:lstStyle/>
+            <a:p>
+              <a:endParaRPr lang="en-US"/>
+            </a:p>
+          </p:txBody>
+        </p:sp>
+        <p:sp>
+          <p:nvSpPr>
+            <p:cNvPr id="84" name="Freeform: Shape 83">
+              <a:extLst>
+                <a:ext uri="{FF2B5EF4-FFF2-40B4-BE49-F238E27FC236}">
+                  <a16:creationId xmlns="" xmlns:a16="http://schemas.microsoft.com/office/drawing/2014/main" id="{570B3EF0-84EA-4F47-86A3-1EA1F644A49F}"/>
+                </a:ext>
+                <a:ext uri="{C183D7F6-B498-43B3-948B-1728B52AA6E4}">
+                  <adec:decorative xmlns="" xmlns:adec="http://schemas.microsoft.com/office/drawing/2017/decorative" val="1"/>
+                </a:ext>
+              </a:extLst>
+            </p:cNvPr>
+            <p:cNvSpPr/>
+            <p:nvPr>
+              <p:extLst>
+                <p:ext uri="{386F3935-93C4-4BCD-93E2-E3B085C9AB24}">
+                  <p16:designElem xmlns="" xmlns:p16="http://schemas.microsoft.com/office/powerpoint/2015/main" val="1"/>
+                </p:ext>
+              </p:extLst>
+            </p:nvPr>
+          </p:nvSpPr>
+          <p:spPr>
+            <a:xfrm>
+              <a:off x="10141090" y="4115729"/>
+              <a:ext cx="202882" cy="268223"/>
+            </a:xfrm>
+            <a:custGeom>
+              <a:avLst/>
+              <a:gdLst>
+                <a:gd name="connsiteX0" fmla="*/ 20669 w 202882"/>
+                <a:gd name="connsiteY0" fmla="*/ 268224 h 268223"/>
+                <a:gd name="connsiteX1" fmla="*/ 0 w 202882"/>
+                <a:gd name="connsiteY1" fmla="*/ 268224 h 268223"/>
+                <a:gd name="connsiteX2" fmla="*/ 182118 w 202882"/>
+                <a:gd name="connsiteY2" fmla="*/ 0 h 268223"/>
+                <a:gd name="connsiteX3" fmla="*/ 202883 w 202882"/>
+                <a:gd name="connsiteY3" fmla="*/ 0 h 268223"/>
+              </a:gdLst>
+              <a:ahLst/>
+              <a:cxnLst>
+                <a:cxn ang="0">
+                  <a:pos x="connsiteX0" y="connsiteY0"/>
+                </a:cxn>
+                <a:cxn ang="0">
+                  <a:pos x="connsiteX1" y="connsiteY1"/>
+                </a:cxn>
+                <a:cxn ang="0">
+                  <a:pos x="connsiteX2" y="connsiteY2"/>
+                </a:cxn>
+                <a:cxn ang="0">
+                  <a:pos x="connsiteX3" y="connsiteY3"/>
+                </a:cxn>
+              </a:cxnLst>
+              <a:rect l="l" t="t" r="r" b="b"/>
+              <a:pathLst>
+                <a:path w="202882" h="268223">
+                  <a:moveTo>
+                    <a:pt x="20669" y="268224"/>
+                  </a:moveTo>
+                  <a:lnTo>
+                    <a:pt x="0" y="268224"/>
+                  </a:lnTo>
+                  <a:lnTo>
+                    <a:pt x="182118" y="0"/>
+                  </a:lnTo>
+                  <a:lnTo>
+                    <a:pt x="202883" y="0"/>
+                  </a:lnTo>
+                  <a:close/>
+                </a:path>
+              </a:pathLst>
+            </a:custGeom>
+            <a:grpFill/>
+            <a:ln w="9525" cap="flat">
+              <a:noFill/>
+              <a:prstDash val="solid"/>
+              <a:miter/>
+            </a:ln>
+          </p:spPr>
+          <p:txBody>
+            <a:bodyPr rtlCol="0" anchor="ctr"/>
+            <a:lstStyle/>
+            <a:p>
+              <a:endParaRPr lang="en-US"/>
+            </a:p>
+          </p:txBody>
+        </p:sp>
+        <p:sp>
+          <p:nvSpPr>
+            <p:cNvPr id="85" name="Freeform: Shape 84">
+              <a:extLst>
+                <a:ext uri="{FF2B5EF4-FFF2-40B4-BE49-F238E27FC236}">
+                  <a16:creationId xmlns="" xmlns:a16="http://schemas.microsoft.com/office/drawing/2014/main" id="{259369A8-EF57-42A1-8EC8-F6A9F92A3AD0}"/>
+                </a:ext>
+                <a:ext uri="{C183D7F6-B498-43B3-948B-1728B52AA6E4}">
+                  <adec:decorative xmlns="" xmlns:adec="http://schemas.microsoft.com/office/drawing/2017/decorative" val="1"/>
+                </a:ext>
+              </a:extLst>
+            </p:cNvPr>
+            <p:cNvSpPr/>
+            <p:nvPr>
+              <p:extLst>
+                <p:ext uri="{386F3935-93C4-4BCD-93E2-E3B085C9AB24}">
+                  <p16:designElem xmlns="" xmlns:p16="http://schemas.microsoft.com/office/powerpoint/2015/main" val="1"/>
+                </p:ext>
+              </p:extLst>
+            </p:nvPr>
+          </p:nvSpPr>
+          <p:spPr>
+            <a:xfrm>
+              <a:off x="10240911" y="4115729"/>
+              <a:ext cx="202882" cy="268223"/>
+            </a:xfrm>
+            <a:custGeom>
+              <a:avLst/>
+              <a:gdLst>
+                <a:gd name="connsiteX0" fmla="*/ 20669 w 202882"/>
+                <a:gd name="connsiteY0" fmla="*/ 268224 h 268223"/>
+                <a:gd name="connsiteX1" fmla="*/ 0 w 202882"/>
+                <a:gd name="connsiteY1" fmla="*/ 268224 h 268223"/>
+                <a:gd name="connsiteX2" fmla="*/ 182118 w 202882"/>
+                <a:gd name="connsiteY2" fmla="*/ 0 h 268223"/>
+                <a:gd name="connsiteX3" fmla="*/ 202883 w 202882"/>
+                <a:gd name="connsiteY3" fmla="*/ 0 h 268223"/>
+              </a:gdLst>
+              <a:ahLst/>
+              <a:cxnLst>
+                <a:cxn ang="0">
+                  <a:pos x="connsiteX0" y="connsiteY0"/>
+                </a:cxn>
+                <a:cxn ang="0">
+                  <a:pos x="connsiteX1" y="connsiteY1"/>
+                </a:cxn>
+                <a:cxn ang="0">
+                  <a:pos x="connsiteX2" y="connsiteY2"/>
+                </a:cxn>
+                <a:cxn ang="0">
+                  <a:pos x="connsiteX3" y="connsiteY3"/>
+                </a:cxn>
+              </a:cxnLst>
+              <a:rect l="l" t="t" r="r" b="b"/>
+              <a:pathLst>
+                <a:path w="202882" h="268223">
+                  <a:moveTo>
+                    <a:pt x="20669" y="268224"/>
+                  </a:moveTo>
+                  <a:lnTo>
+                    <a:pt x="0" y="268224"/>
+                  </a:lnTo>
+                  <a:lnTo>
+                    <a:pt x="182118" y="0"/>
+                  </a:lnTo>
+                  <a:lnTo>
+                    <a:pt x="202883" y="0"/>
+                  </a:lnTo>
+                  <a:close/>
+                </a:path>
+              </a:pathLst>
+            </a:custGeom>
+            <a:grpFill/>
+            <a:ln w="9525" cap="flat">
+              <a:noFill/>
+              <a:prstDash val="solid"/>
+              <a:miter/>
+            </a:ln>
+          </p:spPr>
+          <p:txBody>
+            <a:bodyPr rtlCol="0" anchor="ctr"/>
+            <a:lstStyle/>
+            <a:p>
+              <a:endParaRPr lang="en-US"/>
+            </a:p>
+          </p:txBody>
+        </p:sp>
+      </p:grpSp>
+      <p:sp>
+        <p:nvSpPr>
+          <p:cNvPr id="19" name="Rectangle 18">
+            <a:extLst>
+              <a:ext uri="{FF2B5EF4-FFF2-40B4-BE49-F238E27FC236}">
+                <a16:creationId xmlns="" xmlns:a16="http://schemas.microsoft.com/office/drawing/2014/main" id="{42021570-FC55-88DC-1091-35C28B7768D5}"/>
+              </a:ext>
+            </a:extLst>
+          </p:cNvPr>
+          <p:cNvSpPr/>
+          <p:nvPr/>
+        </p:nvSpPr>
+        <p:spPr>
+          <a:xfrm>
+            <a:off x="1428728" y="0"/>
+            <a:ext cx="4820679" cy="923330"/>
+          </a:xfrm>
+          <a:prstGeom prst="rect">
+            <a:avLst/>
+          </a:prstGeom>
+          <a:noFill/>
+        </p:spPr>
+        <p:txBody>
+          <a:bodyPr wrap="none" lIns="91440" tIns="45720" rIns="91440" bIns="45720">
+            <a:spAutoFit/>
+          </a:bodyPr>
+          <a:lstStyle/>
+          <a:p>
+            <a:pPr algn="ctr"/>
+            <a:r>
+              <a:rPr lang="en-GB" sz="5400" b="1" cap="none" spc="0" dirty="0">
+                <a:ln w="10160">
+                  <a:solidFill>
+                    <a:schemeClr val="accent5"/>
+                  </a:solidFill>
+                  <a:prstDash val="solid"/>
+                </a:ln>
+                <a:effectLst>
+                  <a:outerShdw blurRad="38100" dist="22860" dir="5400000" algn="tl" rotWithShape="0">
+                    <a:srgbClr val="000000">
+                      <a:alpha val="30000"/>
+                    </a:srgbClr>
+                  </a:outerShdw>
+                </a:effectLst>
+              </a:rPr>
+              <a:t>METHODOLOGY</a:t>
+            </a:r>
+          </a:p>
+        </p:txBody>
+      </p:sp>
+      <p:sp>
+        <p:nvSpPr>
+          <p:cNvPr id="22" name="Rounded Rectangle 21"/>
+          <p:cNvSpPr/>
+          <p:nvPr/>
+        </p:nvSpPr>
+        <p:spPr>
+          <a:xfrm>
+            <a:off x="2786050" y="928670"/>
+            <a:ext cx="2643206" cy="928694"/>
+          </a:xfrm>
+          <a:prstGeom prst="roundRect">
+            <a:avLst/>
+          </a:prstGeom>
+          <a:solidFill>
+            <a:schemeClr val="accent6">
+              <a:lumMod val="60000"/>
+              <a:lumOff val="40000"/>
+            </a:schemeClr>
+          </a:solidFill>
+        </p:spPr>
+        <p:style>
+          <a:lnRef idx="2">
+            <a:schemeClr val="accent1">
+              <a:shade val="50000"/>
+            </a:schemeClr>
+          </a:lnRef>
+          <a:fillRef idx="1">
+            <a:schemeClr val="accent1"/>
+          </a:fillRef>
+          <a:effectRef idx="0">
+            <a:schemeClr val="accent1"/>
+          </a:effectRef>
+          <a:fontRef idx="minor">
+            <a:schemeClr val="lt1"/>
+          </a:fontRef>
+        </p:style>
+        <p:txBody>
+          <a:bodyPr rtlCol="0" anchor="ctr"/>
+          <a:lstStyle/>
+          <a:p>
+            <a:pPr algn="ctr"/>
+            <a:r>
+              <a:rPr lang="en-IN" b="1" dirty="0" smtClean="0">
+                <a:solidFill>
+                  <a:schemeClr val="tx1"/>
+                </a:solidFill>
+              </a:rPr>
+              <a:t>Stationary Time Series</a:t>
+            </a:r>
+            <a:endParaRPr lang="en-IN" b="1" dirty="0">
+              <a:solidFill>
+                <a:schemeClr val="tx1"/>
+              </a:solidFill>
+            </a:endParaRPr>
+          </a:p>
+        </p:txBody>
+      </p:sp>
+      <p:cxnSp>
+        <p:nvCxnSpPr>
+          <p:cNvPr id="31" name="Straight Connector 30"/>
+          <p:cNvCxnSpPr>
+            <a:stCxn id="22" idx="2"/>
+          </p:cNvCxnSpPr>
+          <p:nvPr/>
+        </p:nvCxnSpPr>
+        <p:spPr>
+          <a:xfrm rot="16200000" flipH="1">
+            <a:off x="3839760" y="2125256"/>
+            <a:ext cx="571506" cy="35721"/>
+          </a:xfrm>
+          <a:prstGeom prst="line">
+            <a:avLst/>
+          </a:prstGeom>
+        </p:spPr>
+        <p:style>
+          <a:lnRef idx="1">
+            <a:schemeClr val="accent1"/>
+          </a:lnRef>
+          <a:fillRef idx="0">
+            <a:schemeClr val="accent1"/>
+          </a:fillRef>
+          <a:effectRef idx="0">
+            <a:schemeClr val="accent1"/>
+          </a:effectRef>
+          <a:fontRef idx="minor">
+            <a:schemeClr val="tx1"/>
+          </a:fontRef>
+        </p:style>
+      </p:cxnSp>
+      <p:sp>
+        <p:nvSpPr>
+          <p:cNvPr id="1029" name="AutoShape 5" descr="image.png"/>
+          <p:cNvSpPr>
+            <a:spLocks noChangeAspect="1" noChangeArrowheads="1"/>
+          </p:cNvSpPr>
+          <p:nvPr/>
+        </p:nvSpPr>
+        <p:spPr bwMode="auto">
+          <a:xfrm>
+            <a:off x="155575" y="-144463"/>
+            <a:ext cx="304800" cy="304801"/>
+          </a:xfrm>
+          <a:prstGeom prst="rect">
+            <a:avLst/>
+          </a:prstGeom>
+          <a:noFill/>
+        </p:spPr>
+        <p:txBody>
+          <a:bodyPr vert="horz" wrap="square" lIns="91440" tIns="45720" rIns="91440" bIns="45720" numCol="1" anchor="t" anchorCtr="0" compatLnSpc="1">
+            <a:prstTxWarp prst="textNoShape">
+              <a:avLst/>
+            </a:prstTxWarp>
+          </a:bodyPr>
+          <a:lstStyle/>
+          <a:p>
+            <a:endParaRPr lang="en-IN"/>
+          </a:p>
+        </p:txBody>
+      </p:sp>
+      <p:sp>
+        <p:nvSpPr>
+          <p:cNvPr id="1031" name="AutoShape 7" descr="image.png"/>
+          <p:cNvSpPr>
+            <a:spLocks noChangeAspect="1" noChangeArrowheads="1"/>
+          </p:cNvSpPr>
+          <p:nvPr/>
+        </p:nvSpPr>
+        <p:spPr bwMode="auto">
+          <a:xfrm>
+            <a:off x="155575" y="-144463"/>
+            <a:ext cx="304800" cy="304801"/>
+          </a:xfrm>
+          <a:prstGeom prst="rect">
+            <a:avLst/>
+          </a:prstGeom>
+          <a:noFill/>
+        </p:spPr>
+        <p:txBody>
+          <a:bodyPr vert="horz" wrap="square" lIns="91440" tIns="45720" rIns="91440" bIns="45720" numCol="1" anchor="t" anchorCtr="0" compatLnSpc="1">
+            <a:prstTxWarp prst="textNoShape">
+              <a:avLst/>
+            </a:prstTxWarp>
+          </a:bodyPr>
+          <a:lstStyle/>
+          <a:p>
+            <a:endParaRPr lang="en-IN"/>
+          </a:p>
+        </p:txBody>
+      </p:sp>
+      <p:pic>
+        <p:nvPicPr>
+          <p:cNvPr id="1032" name="Picture 8"/>
+          <p:cNvPicPr>
+            <a:picLocks noChangeAspect="1" noChangeArrowheads="1"/>
+          </p:cNvPicPr>
+          <p:nvPr/>
+        </p:nvPicPr>
+        <p:blipFill>
+          <a:blip r:embed="rId2"/>
+          <a:srcRect l="2239" t="2599" r="1480" b="18380"/>
+          <a:stretch>
+            <a:fillRect/>
+          </a:stretch>
+        </p:blipFill>
+        <p:spPr bwMode="auto">
+          <a:xfrm>
+            <a:off x="61881" y="2143116"/>
+            <a:ext cx="9010713" cy="3929090"/>
+          </a:xfrm>
+          <a:prstGeom prst="rect">
+            <a:avLst/>
+          </a:prstGeom>
+          <a:noFill/>
+          <a:ln w="9525">
+            <a:noFill/>
+            <a:miter lim="800000"/>
+            <a:headEnd/>
+            <a:tailEnd/>
+          </a:ln>
+          <a:effectLst/>
+        </p:spPr>
+      </p:pic>
+    </p:spTree>
+    <p:extLst>
+      <p:ext uri="{BB962C8B-B14F-4D97-AF65-F5344CB8AC3E}">
+        <p14:creationId xmlns="" xmlns:p14="http://schemas.microsoft.com/office/powerpoint/2010/main" val="3855309231"/>
+      </p:ext>
+    </p:extLst>
   </p:cSld>
   <p:clrMapOvr>
     <a:masterClrMapping/>
@@ -11058,106 +14029,6 @@
       </p:grpSpPr>
       <p:sp>
         <p:nvSpPr>
-          <p:cNvPr id="2" name="Title 1"/>
-          <p:cNvSpPr>
-            <a:spLocks noGrp="1"/>
-          </p:cNvSpPr>
-          <p:nvPr>
-            <p:ph type="title"/>
-          </p:nvPr>
-        </p:nvSpPr>
-        <p:spPr/>
-        <p:txBody>
-          <a:bodyPr>
-            <a:normAutofit fontScale="90000"/>
-          </a:bodyPr>
-          <a:lstStyle/>
-          <a:p>
-            <a:r>
-              <a:rPr lang="en-IN" b="1" dirty="0" smtClean="0"/>
-              <a:t>Introduction, Motivation, Purpose, and Background</a:t>
-            </a:r>
-            <a:r>
-              <a:rPr lang="en-IN" dirty="0" smtClean="0"/>
-              <a:t/>
-            </a:r>
-            <a:br>
-              <a:rPr lang="en-IN" dirty="0" smtClean="0"/>
-            </a:br>
-            <a:endParaRPr lang="en-IN" dirty="0"/>
-          </a:p>
-        </p:txBody>
-      </p:sp>
-      <p:sp>
-        <p:nvSpPr>
-          <p:cNvPr id="3" name="Content Placeholder 2"/>
-          <p:cNvSpPr>
-            <a:spLocks noGrp="1"/>
-          </p:cNvSpPr>
-          <p:nvPr>
-            <p:ph idx="1"/>
-          </p:nvPr>
-        </p:nvSpPr>
-        <p:spPr/>
-        <p:txBody>
-          <a:bodyPr>
-            <a:normAutofit lnSpcReduction="10000"/>
-          </a:bodyPr>
-          <a:lstStyle/>
-          <a:p>
-            <a:r>
-              <a:rPr lang="en-IN" dirty="0" smtClean="0"/>
-              <a:t>Who </a:t>
-            </a:r>
-            <a:r>
-              <a:rPr lang="en-IN" dirty="0"/>
-              <a:t>is your partner and what did they want from the project?</a:t>
-            </a:r>
-          </a:p>
-          <a:p>
-            <a:r>
-              <a:rPr lang="en-IN" dirty="0"/>
-              <a:t>Present the "big picture" of your work, describe what the problem/research statement is and the goals of the project</a:t>
-            </a:r>
-          </a:p>
-          <a:p>
-            <a:r>
-              <a:rPr lang="en-IN" dirty="0"/>
-              <a:t>Motivate the problem you are solving (why is it interesting/important), then go through a high-level description of the problem you are solving</a:t>
-            </a:r>
-          </a:p>
-          <a:p>
-            <a:endParaRPr lang="en-IN" dirty="0"/>
-          </a:p>
-        </p:txBody>
-      </p:sp>
-    </p:spTree>
-  </p:cSld>
-  <p:clrMapOvr>
-    <a:masterClrMapping/>
-  </p:clrMapOvr>
-</p:sld>
-</file>
-
-<file path=ppt/slides/slide8.xml><?xml version="1.0" encoding="utf-8"?>
-<p:sld xmlns:a="http://schemas.openxmlformats.org/drawingml/2006/main" xmlns:r="http://schemas.openxmlformats.org/officeDocument/2006/relationships" xmlns:p="http://schemas.openxmlformats.org/presentationml/2006/main">
-  <p:cSld>
-    <p:spTree>
-      <p:nvGrpSpPr>
-        <p:cNvPr id="1" name=""/>
-        <p:cNvGrpSpPr/>
-        <p:nvPr/>
-      </p:nvGrpSpPr>
-      <p:grpSpPr>
-        <a:xfrm>
-          <a:off x="0" y="0"/>
-          <a:ext cx="0" cy="0"/>
-          <a:chOff x="0" y="0"/>
-          <a:chExt cx="0" cy="0"/>
-        </a:xfrm>
-      </p:grpSpPr>
-      <p:sp>
-        <p:nvSpPr>
           <p:cNvPr id="2" name="Rectangle 1">
             <a:extLst>
               <a:ext uri="{FF2B5EF4-FFF2-40B4-BE49-F238E27FC236}">
@@ -11313,7 +14184,7 @@
 </p:sld>
 </file>
 
-<file path=ppt/slides/slide9.xml><?xml version="1.0" encoding="utf-8"?>
+<file path=ppt/slides/slide8.xml><?xml version="1.0" encoding="utf-8"?>
 <p:sld xmlns:a="http://schemas.openxmlformats.org/drawingml/2006/main" xmlns:r="http://schemas.openxmlformats.org/officeDocument/2006/relationships" xmlns:p="http://schemas.openxmlformats.org/presentationml/2006/main">
   <p:cSld>
     <p:spTree>
@@ -11580,6 +14451,259 @@
           <a:xfrm>
             <a:off x="5001228" y="1785927"/>
             <a:ext cx="3924179" cy="3929090"/>
+          </a:xfrm>
+          <a:prstGeom prst="rect">
+            <a:avLst/>
+          </a:prstGeom>
+        </p:spPr>
+      </p:pic>
+    </p:spTree>
+  </p:cSld>
+  <p:clrMapOvr>
+    <a:masterClrMapping/>
+  </p:clrMapOvr>
+</p:sld>
+</file>
+
+<file path=ppt/slides/slide9.xml><?xml version="1.0" encoding="utf-8"?>
+<p:sld xmlns:a="http://schemas.openxmlformats.org/drawingml/2006/main" xmlns:r="http://schemas.openxmlformats.org/officeDocument/2006/relationships" xmlns:p="http://schemas.openxmlformats.org/presentationml/2006/main">
+  <p:cSld>
+    <p:spTree>
+      <p:nvGrpSpPr>
+        <p:cNvPr id="1" name=""/>
+        <p:cNvGrpSpPr/>
+        <p:nvPr/>
+      </p:nvGrpSpPr>
+      <p:grpSpPr>
+        <a:xfrm>
+          <a:off x="0" y="0"/>
+          <a:ext cx="0" cy="0"/>
+          <a:chOff x="0" y="0"/>
+          <a:chExt cx="0" cy="0"/>
+        </a:xfrm>
+      </p:grpSpPr>
+      <p:sp>
+        <p:nvSpPr>
+          <p:cNvPr id="2" name="Rectangle 1">
+            <a:extLst>
+              <a:ext uri="{FF2B5EF4-FFF2-40B4-BE49-F238E27FC236}">
+                <a16:creationId xmlns:a16="http://schemas.microsoft.com/office/drawing/2014/main" xmlns="" id="{59F3BFEE-6275-7AD1-77CC-F759C3E141B5}"/>
+              </a:ext>
+            </a:extLst>
+          </p:cNvPr>
+          <p:cNvSpPr/>
+          <p:nvPr/>
+        </p:nvSpPr>
+        <p:spPr>
+          <a:xfrm>
+            <a:off x="1428728" y="0"/>
+            <a:ext cx="6172782" cy="944475"/>
+          </a:xfrm>
+          <a:prstGeom prst="rect">
+            <a:avLst/>
+          </a:prstGeom>
+        </p:spPr>
+        <p:txBody>
+          <a:bodyPr vert="horz" lIns="91440" tIns="45720" rIns="91440" bIns="45720" rtlCol="0" anchor="b">
+            <a:normAutofit/>
+          </a:bodyPr>
+          <a:lstStyle/>
+          <a:p>
+            <a:pPr>
+              <a:lnSpc>
+                <a:spcPct val="90000"/>
+              </a:lnSpc>
+              <a:spcBef>
+                <a:spcPct val="0"/>
+              </a:spcBef>
+              <a:spcAft>
+                <a:spcPts val="600"/>
+              </a:spcAft>
+            </a:pPr>
+            <a:r>
+              <a:rPr lang="en-US" sz="4800" b="1" cap="none" spc="0" dirty="0">
+                <a:ln w="0"/>
+                <a:effectLst>
+                  <a:outerShdw blurRad="38100" dist="19050" dir="2700000" algn="tl" rotWithShape="0">
+                    <a:schemeClr val="dk1">
+                      <a:alpha val="40000"/>
+                    </a:schemeClr>
+                  </a:outerShdw>
+                </a:effectLst>
+                <a:latin typeface="+mj-lt"/>
+                <a:ea typeface="+mj-ea"/>
+                <a:cs typeface="+mj-cs"/>
+              </a:rPr>
+              <a:t>MARINA SMAILES</a:t>
+            </a:r>
+          </a:p>
+        </p:txBody>
+      </p:sp>
+      <p:sp>
+        <p:nvSpPr>
+          <p:cNvPr id="3" name="Rectangle 2">
+            <a:extLst>
+              <a:ext uri="{FF2B5EF4-FFF2-40B4-BE49-F238E27FC236}">
+                <a16:creationId xmlns:a16="http://schemas.microsoft.com/office/drawing/2014/main" xmlns="" id="{8ABD315B-F9C5-2840-A456-C06952414EB7}"/>
+              </a:ext>
+            </a:extLst>
+          </p:cNvPr>
+          <p:cNvSpPr/>
+          <p:nvPr/>
+        </p:nvSpPr>
+        <p:spPr>
+          <a:xfrm>
+            <a:off x="0" y="1214422"/>
+            <a:ext cx="5572132" cy="5214974"/>
+          </a:xfrm>
+          <a:prstGeom prst="rect">
+            <a:avLst/>
+          </a:prstGeom>
+        </p:spPr>
+        <p:txBody>
+          <a:bodyPr vert="horz" lIns="91440" tIns="45720" rIns="91440" bIns="45720" rtlCol="0" anchor="b">
+            <a:noAutofit/>
+          </a:bodyPr>
+          <a:lstStyle/>
+          <a:p>
+            <a:pPr marL="685800" indent="-685800">
+              <a:spcBef>
+                <a:spcPct val="0"/>
+              </a:spcBef>
+              <a:spcAft>
+                <a:spcPts val="600"/>
+              </a:spcAft>
+              <a:buClr>
+                <a:schemeClr val="tx1"/>
+              </a:buClr>
+              <a:buFont typeface="Wingdings" pitchFamily="2" charset="2"/>
+              <a:buChar char="Ø"/>
+            </a:pPr>
+            <a:r>
+              <a:rPr lang="en-US" sz="3600" b="1" cap="none" spc="0" dirty="0">
+                <a:ln w="0"/>
+                <a:effectLst>
+                  <a:outerShdw blurRad="38100" dist="19050" dir="2700000" algn="tl" rotWithShape="0">
+                    <a:schemeClr val="dk1">
+                      <a:alpha val="40000"/>
+                    </a:schemeClr>
+                  </a:outerShdw>
+                </a:effectLst>
+                <a:latin typeface="+mj-lt"/>
+                <a:ea typeface="+mj-ea"/>
+                <a:cs typeface="+mj-cs"/>
+              </a:rPr>
+              <a:t>Senior Analyst</a:t>
+            </a:r>
+          </a:p>
+          <a:p>
+            <a:pPr marL="685800" indent="-685800">
+              <a:spcBef>
+                <a:spcPct val="0"/>
+              </a:spcBef>
+              <a:spcAft>
+                <a:spcPts val="600"/>
+              </a:spcAft>
+              <a:buClr>
+                <a:schemeClr val="tx1"/>
+              </a:buClr>
+              <a:buFont typeface="Wingdings" pitchFamily="2" charset="2"/>
+              <a:buChar char="Ø"/>
+            </a:pPr>
+            <a:r>
+              <a:rPr lang="en-US" sz="3600" b="1" dirty="0">
+                <a:ln w="0"/>
+                <a:effectLst>
+                  <a:outerShdw blurRad="38100" dist="19050" dir="2700000" algn="tl" rotWithShape="0">
+                    <a:schemeClr val="dk1">
+                      <a:alpha val="40000"/>
+                    </a:schemeClr>
+                  </a:outerShdw>
+                </a:effectLst>
+                <a:latin typeface="+mj-lt"/>
+                <a:ea typeface="+mj-ea"/>
+                <a:cs typeface="+mj-cs"/>
+              </a:rPr>
+              <a:t>Data Exploration and Integration Lab</a:t>
+            </a:r>
+          </a:p>
+          <a:p>
+            <a:pPr marL="685800" indent="-685800">
+              <a:spcBef>
+                <a:spcPct val="0"/>
+              </a:spcBef>
+              <a:spcAft>
+                <a:spcPts val="600"/>
+              </a:spcAft>
+              <a:buClr>
+                <a:schemeClr val="tx1"/>
+              </a:buClr>
+              <a:buFont typeface="Wingdings" pitchFamily="2" charset="2"/>
+              <a:buChar char="Ø"/>
+            </a:pPr>
+            <a:r>
+              <a:rPr lang="en-US" sz="3600" b="1" dirty="0">
+                <a:ln w="0"/>
+                <a:effectLst>
+                  <a:outerShdw blurRad="38100" dist="19050" dir="2700000" algn="tl" rotWithShape="0">
+                    <a:schemeClr val="dk1">
+                      <a:alpha val="40000"/>
+                    </a:schemeClr>
+                  </a:outerShdw>
+                </a:effectLst>
+                <a:latin typeface="+mj-lt"/>
+                <a:ea typeface="+mj-ea"/>
+                <a:cs typeface="+mj-cs"/>
+              </a:rPr>
+              <a:t>Microdata, Demographic Analysis</a:t>
+            </a:r>
+          </a:p>
+          <a:p>
+            <a:pPr>
+              <a:spcBef>
+                <a:spcPct val="0"/>
+              </a:spcBef>
+              <a:spcAft>
+                <a:spcPts val="600"/>
+              </a:spcAft>
+              <a:buClr>
+                <a:schemeClr val="tx1"/>
+              </a:buClr>
+            </a:pPr>
+            <a:endParaRPr lang="en-US" sz="3600" b="1" cap="none" spc="0" dirty="0">
+              <a:ln w="0"/>
+              <a:effectLst>
+                <a:outerShdw blurRad="38100" dist="19050" dir="2700000" algn="tl" rotWithShape="0">
+                  <a:schemeClr val="dk1">
+                    <a:alpha val="40000"/>
+                  </a:schemeClr>
+                </a:outerShdw>
+              </a:effectLst>
+              <a:latin typeface="+mj-lt"/>
+              <a:ea typeface="+mj-ea"/>
+              <a:cs typeface="+mj-cs"/>
+            </a:endParaRPr>
+          </a:p>
+        </p:txBody>
+      </p:sp>
+      <p:pic>
+        <p:nvPicPr>
+          <p:cNvPr id="4" name="Picture 3" descr="MARINA SMAILES.jpg"/>
+          <p:cNvPicPr>
+            <a:picLocks noChangeAspect="1"/>
+          </p:cNvPicPr>
+          <p:nvPr/>
+        </p:nvPicPr>
+        <p:blipFill>
+          <a:blip r:embed="rId2"/>
+          <a:stretch>
+            <a:fillRect/>
+          </a:stretch>
+        </p:blipFill>
+        <p:spPr>
+          <a:xfrm>
+            <a:off x="5643570" y="2857496"/>
+            <a:ext cx="2862256" cy="2862256"/>
           </a:xfrm>
           <a:prstGeom prst="rect">
             <a:avLst/>
@@ -11875,4 +14999,287 @@
   <a:objectDefaults/>
   <a:extraClrSchemeLst/>
 </a:theme>
+</file>
+
+<file path=ppt/theme/theme2.xml><?xml version="1.0" encoding="utf-8"?>
+<a:theme xmlns:a="http://schemas.openxmlformats.org/drawingml/2006/main" name="Office Theme">
+  <a:themeElements>
+    <a:clrScheme name="Office">
+      <a:dk1>
+        <a:sysClr val="windowText" lastClr="000000"/>
+      </a:dk1>
+      <a:lt1>
+        <a:sysClr val="window" lastClr="FFFFFF"/>
+      </a:lt1>
+      <a:dk2>
+        <a:srgbClr val="1F497D"/>
+      </a:dk2>
+      <a:lt2>
+        <a:srgbClr val="EEECE1"/>
+      </a:lt2>
+      <a:accent1>
+        <a:srgbClr val="4F81BD"/>
+      </a:accent1>
+      <a:accent2>
+        <a:srgbClr val="C0504D"/>
+      </a:accent2>
+      <a:accent3>
+        <a:srgbClr val="9BBB59"/>
+      </a:accent3>
+      <a:accent4>
+        <a:srgbClr val="8064A2"/>
+      </a:accent4>
+      <a:accent5>
+        <a:srgbClr val="4BACC6"/>
+      </a:accent5>
+      <a:accent6>
+        <a:srgbClr val="F79646"/>
+      </a:accent6>
+      <a:hlink>
+        <a:srgbClr val="0000FF"/>
+      </a:hlink>
+      <a:folHlink>
+        <a:srgbClr val="800080"/>
+      </a:folHlink>
+    </a:clrScheme>
+    <a:fontScheme name="Office">
+      <a:majorFont>
+        <a:latin typeface="Calibri"/>
+        <a:ea typeface=""/>
+        <a:cs typeface=""/>
+        <a:font script="Jpan" typeface="ＭＳ Ｐゴシック"/>
+        <a:font script="Hang" typeface="맑은 고딕"/>
+        <a:font script="Hans" typeface="宋体"/>
+        <a:font script="Hant" typeface="新細明體"/>
+        <a:font script="Arab" typeface="Times New Roman"/>
+        <a:font script="Hebr" typeface="Times New Roman"/>
+        <a:font script="Thai" typeface="Angsana New"/>
+        <a:font script="Ethi" typeface="Nyala"/>
+        <a:font script="Beng" typeface="Vrinda"/>
+        <a:font script="Gujr" typeface="Shruti"/>
+        <a:font script="Khmr" typeface="MoolBoran"/>
+        <a:font script="Knda" typeface="Tunga"/>
+        <a:font script="Guru" typeface="Raavi"/>
+        <a:font script="Cans" typeface="Euphemia"/>
+        <a:font script="Cher" typeface="Plantagenet Cherokee"/>
+        <a:font script="Yiii" typeface="Microsoft Yi Baiti"/>
+        <a:font script="Tibt" typeface="Microsoft Himalaya"/>
+        <a:font script="Thaa" typeface="MV Boli"/>
+        <a:font script="Deva" typeface="Mangal"/>
+        <a:font script="Telu" typeface="Gautami"/>
+        <a:font script="Taml" typeface="Latha"/>
+        <a:font script="Syrc" typeface="Estrangelo Edessa"/>
+        <a:font script="Orya" typeface="Kalinga"/>
+        <a:font script="Mlym" typeface="Kartika"/>
+        <a:font script="Laoo" typeface="DokChampa"/>
+        <a:font script="Sinh" typeface="Iskoola Pota"/>
+        <a:font script="Mong" typeface="Mongolian Baiti"/>
+        <a:font script="Viet" typeface="Times New Roman"/>
+        <a:font script="Uigh" typeface="Microsoft Uighur"/>
+      </a:majorFont>
+      <a:minorFont>
+        <a:latin typeface="Calibri"/>
+        <a:ea typeface=""/>
+        <a:cs typeface=""/>
+        <a:font script="Jpan" typeface="ＭＳ Ｐゴシック"/>
+        <a:font script="Hang" typeface="맑은 고딕"/>
+        <a:font script="Hans" typeface="宋体"/>
+        <a:font script="Hant" typeface="新細明體"/>
+        <a:font script="Arab" typeface="Arial"/>
+        <a:font script="Hebr" typeface="Arial"/>
+        <a:font script="Thai" typeface="Cordia New"/>
+        <a:font script="Ethi" typeface="Nyala"/>
+        <a:font script="Beng" typeface="Vrinda"/>
+        <a:font script="Gujr" typeface="Shruti"/>
+        <a:font script="Khmr" typeface="DaunPenh"/>
+        <a:font script="Knda" typeface="Tunga"/>
+        <a:font script="Guru" typeface="Raavi"/>
+        <a:font script="Cans" typeface="Euphemia"/>
+        <a:font script="Cher" typeface="Plantagenet Cherokee"/>
+        <a:font script="Yiii" typeface="Microsoft Yi Baiti"/>
+        <a:font script="Tibt" typeface="Microsoft Himalaya"/>
+        <a:font script="Thaa" typeface="MV Boli"/>
+        <a:font script="Deva" typeface="Mangal"/>
+        <a:font script="Telu" typeface="Gautami"/>
+        <a:font script="Taml" typeface="Latha"/>
+        <a:font script="Syrc" typeface="Estrangelo Edessa"/>
+        <a:font script="Orya" typeface="Kalinga"/>
+        <a:font script="Mlym" typeface="Kartika"/>
+        <a:font script="Laoo" typeface="DokChampa"/>
+        <a:font script="Sinh" typeface="Iskoola Pota"/>
+        <a:font script="Mong" typeface="Mongolian Baiti"/>
+        <a:font script="Viet" typeface="Arial"/>
+        <a:font script="Uigh" typeface="Microsoft Uighur"/>
+      </a:minorFont>
+    </a:fontScheme>
+    <a:fmtScheme name="Office">
+      <a:fillStyleLst>
+        <a:solidFill>
+          <a:schemeClr val="phClr"/>
+        </a:solidFill>
+        <a:gradFill rotWithShape="1">
+          <a:gsLst>
+            <a:gs pos="0">
+              <a:schemeClr val="phClr">
+                <a:tint val="50000"/>
+                <a:satMod val="300000"/>
+              </a:schemeClr>
+            </a:gs>
+            <a:gs pos="35000">
+              <a:schemeClr val="phClr">
+                <a:tint val="37000"/>
+                <a:satMod val="300000"/>
+              </a:schemeClr>
+            </a:gs>
+            <a:gs pos="100000">
+              <a:schemeClr val="phClr">
+                <a:tint val="15000"/>
+                <a:satMod val="350000"/>
+              </a:schemeClr>
+            </a:gs>
+          </a:gsLst>
+          <a:lin ang="16200000" scaled="1"/>
+        </a:gradFill>
+        <a:gradFill rotWithShape="1">
+          <a:gsLst>
+            <a:gs pos="0">
+              <a:schemeClr val="phClr">
+                <a:shade val="51000"/>
+                <a:satMod val="130000"/>
+              </a:schemeClr>
+            </a:gs>
+            <a:gs pos="80000">
+              <a:schemeClr val="phClr">
+                <a:shade val="93000"/>
+                <a:satMod val="130000"/>
+              </a:schemeClr>
+            </a:gs>
+            <a:gs pos="100000">
+              <a:schemeClr val="phClr">
+                <a:shade val="94000"/>
+                <a:satMod val="135000"/>
+              </a:schemeClr>
+            </a:gs>
+          </a:gsLst>
+          <a:lin ang="16200000" scaled="0"/>
+        </a:gradFill>
+      </a:fillStyleLst>
+      <a:lnStyleLst>
+        <a:ln w="9525" cap="flat" cmpd="sng" algn="ctr">
+          <a:solidFill>
+            <a:schemeClr val="phClr">
+              <a:shade val="95000"/>
+              <a:satMod val="105000"/>
+            </a:schemeClr>
+          </a:solidFill>
+          <a:prstDash val="solid"/>
+        </a:ln>
+        <a:ln w="25400" cap="flat" cmpd="sng" algn="ctr">
+          <a:solidFill>
+            <a:schemeClr val="phClr"/>
+          </a:solidFill>
+          <a:prstDash val="solid"/>
+        </a:ln>
+        <a:ln w="38100" cap="flat" cmpd="sng" algn="ctr">
+          <a:solidFill>
+            <a:schemeClr val="phClr"/>
+          </a:solidFill>
+          <a:prstDash val="solid"/>
+        </a:ln>
+      </a:lnStyleLst>
+      <a:effectStyleLst>
+        <a:effectStyle>
+          <a:effectLst>
+            <a:outerShdw blurRad="40000" dist="20000" dir="5400000" rotWithShape="0">
+              <a:srgbClr val="000000">
+                <a:alpha val="38000"/>
+              </a:srgbClr>
+            </a:outerShdw>
+          </a:effectLst>
+        </a:effectStyle>
+        <a:effectStyle>
+          <a:effectLst>
+            <a:outerShdw blurRad="40000" dist="23000" dir="5400000" rotWithShape="0">
+              <a:srgbClr val="000000">
+                <a:alpha val="35000"/>
+              </a:srgbClr>
+            </a:outerShdw>
+          </a:effectLst>
+        </a:effectStyle>
+        <a:effectStyle>
+          <a:effectLst>
+            <a:outerShdw blurRad="40000" dist="23000" dir="5400000" rotWithShape="0">
+              <a:srgbClr val="000000">
+                <a:alpha val="35000"/>
+              </a:srgbClr>
+            </a:outerShdw>
+          </a:effectLst>
+          <a:scene3d>
+            <a:camera prst="orthographicFront">
+              <a:rot lat="0" lon="0" rev="0"/>
+            </a:camera>
+            <a:lightRig rig="threePt" dir="t">
+              <a:rot lat="0" lon="0" rev="1200000"/>
+            </a:lightRig>
+          </a:scene3d>
+          <a:sp3d>
+            <a:bevelT w="63500" h="25400"/>
+          </a:sp3d>
+        </a:effectStyle>
+      </a:effectStyleLst>
+      <a:bgFillStyleLst>
+        <a:solidFill>
+          <a:schemeClr val="phClr"/>
+        </a:solidFill>
+        <a:gradFill rotWithShape="1">
+          <a:gsLst>
+            <a:gs pos="0">
+              <a:schemeClr val="phClr">
+                <a:tint val="40000"/>
+                <a:satMod val="350000"/>
+              </a:schemeClr>
+            </a:gs>
+            <a:gs pos="40000">
+              <a:schemeClr val="phClr">
+                <a:tint val="45000"/>
+                <a:shade val="99000"/>
+                <a:satMod val="350000"/>
+              </a:schemeClr>
+            </a:gs>
+            <a:gs pos="100000">
+              <a:schemeClr val="phClr">
+                <a:shade val="20000"/>
+                <a:satMod val="255000"/>
+              </a:schemeClr>
+            </a:gs>
+          </a:gsLst>
+          <a:path path="circle">
+            <a:fillToRect l="50000" t="-80000" r="50000" b="180000"/>
+          </a:path>
+        </a:gradFill>
+        <a:gradFill rotWithShape="1">
+          <a:gsLst>
+            <a:gs pos="0">
+              <a:schemeClr val="phClr">
+                <a:tint val="80000"/>
+                <a:satMod val="300000"/>
+              </a:schemeClr>
+            </a:gs>
+            <a:gs pos="100000">
+              <a:schemeClr val="phClr">
+                <a:shade val="30000"/>
+                <a:satMod val="200000"/>
+              </a:schemeClr>
+            </a:gs>
+          </a:gsLst>
+          <a:path path="circle">
+            <a:fillToRect l="50000" t="50000" r="50000" b="50000"/>
+          </a:path>
+        </a:gradFill>
+      </a:bgFillStyleLst>
+    </a:fmtScheme>
+  </a:themeElements>
+  <a:objectDefaults/>
+  <a:extraClrSchemeLst/>
+</a:theme>
 </file>